--- a/source/whitepaper/SUMA-Retail-Transforming-2023.pptx
+++ b/source/whitepaper/SUMA-Retail-Transforming-2023.pptx
@@ -4,6 +4,9 @@
   <p:sldMasterIdLst>
     <p:sldMasterId id="2147483648" r:id="rId1"/>
   </p:sldMasterIdLst>
+  <p:notesMasterIdLst>
+    <p:notesMasterId r:id="rId9"/>
+  </p:notesMasterIdLst>
   <p:sldIdLst>
     <p:sldId id="256" r:id="rId2"/>
     <p:sldId id="257" r:id="rId3"/>
@@ -37,6 +40,439 @@
     </p:ext>
   </p:extLst>
 </p:presentation>
+</file>
+
+<file path=ppt/notesMasters/notesMaster1.xml><?xml version="1.0" encoding="utf-8"?>
+<p:notesMaster xmlns:a="http://schemas.openxmlformats.org/drawingml/2006/main" xmlns:r="http://schemas.openxmlformats.org/officeDocument/2006/relationships" xmlns:p="http://schemas.openxmlformats.org/presentationml/2006/main">
+  <p:cSld>
+    <p:bg>
+      <p:bgRef idx="1001">
+        <a:schemeClr val="bg1"/>
+      </p:bgRef>
+    </p:bg>
+    <p:spTree>
+      <p:nvGrpSpPr>
+        <p:cNvPr id="1" name=""/>
+        <p:cNvGrpSpPr/>
+        <p:nvPr/>
+      </p:nvGrpSpPr>
+      <p:grpSpPr>
+        <a:xfrm>
+          <a:off x="0" y="0"/>
+          <a:ext cx="0" cy="0"/>
+          <a:chOff x="0" y="0"/>
+          <a:chExt cx="0" cy="0"/>
+        </a:xfrm>
+      </p:grpSpPr>
+      <p:sp>
+        <p:nvSpPr>
+          <p:cNvPr id="2" name="页眉占位符 1"/>
+          <p:cNvSpPr>
+            <a:spLocks noGrp="1"/>
+          </p:cNvSpPr>
+          <p:nvPr>
+            <p:ph type="hdr" sz="quarter"/>
+          </p:nvPr>
+        </p:nvSpPr>
+        <p:spPr>
+          <a:xfrm>
+            <a:off x="0" y="0"/>
+            <a:ext cx="3368675" cy="504825"/>
+          </a:xfrm>
+          <a:prstGeom prst="rect">
+            <a:avLst/>
+          </a:prstGeom>
+        </p:spPr>
+        <p:txBody>
+          <a:bodyPr vert="horz" lIns="91440" tIns="45720" rIns="91440" bIns="45720" rtlCol="0"/>
+          <a:lstStyle>
+            <a:lvl1pPr algn="l">
+              <a:defRPr sz="1200"/>
+            </a:lvl1pPr>
+          </a:lstStyle>
+          <a:p>
+            <a:endParaRPr kumimoji="1" lang="zh-CN" altLang="en-US"/>
+          </a:p>
+        </p:txBody>
+      </p:sp>
+      <p:sp>
+        <p:nvSpPr>
+          <p:cNvPr id="3" name="日期占位符 2"/>
+          <p:cNvSpPr>
+            <a:spLocks noGrp="1"/>
+          </p:cNvSpPr>
+          <p:nvPr>
+            <p:ph type="dt" idx="1"/>
+          </p:nvPr>
+        </p:nvSpPr>
+        <p:spPr>
+          <a:xfrm>
+            <a:off x="4402138" y="0"/>
+            <a:ext cx="3368675" cy="504825"/>
+          </a:xfrm>
+          <a:prstGeom prst="rect">
+            <a:avLst/>
+          </a:prstGeom>
+        </p:spPr>
+        <p:txBody>
+          <a:bodyPr vert="horz" lIns="91440" tIns="45720" rIns="91440" bIns="45720" rtlCol="0"/>
+          <a:lstStyle>
+            <a:lvl1pPr algn="r">
+              <a:defRPr sz="1200"/>
+            </a:lvl1pPr>
+          </a:lstStyle>
+          <a:p>
+            <a:fld id="{CBFE5416-827A-924A-9BED-C6C0AFD40EF6}" type="datetimeFigureOut">
+              <a:rPr kumimoji="1" lang="zh-CN" altLang="en-US" smtClean="0"/>
+              <a:t>2023/5/29</a:t>
+            </a:fld>
+            <a:endParaRPr kumimoji="1" lang="zh-CN" altLang="en-US"/>
+          </a:p>
+        </p:txBody>
+      </p:sp>
+      <p:sp>
+        <p:nvSpPr>
+          <p:cNvPr id="4" name="幻灯片图像占位符 3"/>
+          <p:cNvSpPr>
+            <a:spLocks noGrp="1" noRot="1" noChangeAspect="1"/>
+          </p:cNvSpPr>
+          <p:nvPr>
+            <p:ph type="sldImg" idx="2"/>
+          </p:nvPr>
+        </p:nvSpPr>
+        <p:spPr>
+          <a:xfrm>
+            <a:off x="2574925" y="1257300"/>
+            <a:ext cx="2622550" cy="3394075"/>
+          </a:xfrm>
+          <a:prstGeom prst="rect">
+            <a:avLst/>
+          </a:prstGeom>
+          <a:noFill/>
+          <a:ln w="12700">
+            <a:solidFill>
+              <a:prstClr val="black"/>
+            </a:solidFill>
+          </a:ln>
+        </p:spPr>
+        <p:txBody>
+          <a:bodyPr vert="horz" lIns="91440" tIns="45720" rIns="91440" bIns="45720" rtlCol="0" anchor="ctr"/>
+          <a:lstStyle/>
+          <a:p>
+            <a:endParaRPr lang="zh-CN" altLang="en-US"/>
+          </a:p>
+        </p:txBody>
+      </p:sp>
+      <p:sp>
+        <p:nvSpPr>
+          <p:cNvPr id="5" name="备注占位符 4"/>
+          <p:cNvSpPr>
+            <a:spLocks noGrp="1"/>
+          </p:cNvSpPr>
+          <p:nvPr>
+            <p:ph type="body" sz="quarter" idx="3"/>
+          </p:nvPr>
+        </p:nvSpPr>
+        <p:spPr>
+          <a:xfrm>
+            <a:off x="777875" y="4840288"/>
+            <a:ext cx="6216650" cy="3960812"/>
+          </a:xfrm>
+          <a:prstGeom prst="rect">
+            <a:avLst/>
+          </a:prstGeom>
+        </p:spPr>
+        <p:txBody>
+          <a:bodyPr vert="horz" lIns="91440" tIns="45720" rIns="91440" bIns="45720" rtlCol="0"/>
+          <a:lstStyle/>
+          <a:p>
+            <a:pPr lvl="0"/>
+            <a:r>
+              <a:rPr kumimoji="1" lang="zh-CN" altLang="en-US"/>
+              <a:t>单击此处编辑母版文本样式</a:t>
+            </a:r>
+          </a:p>
+          <a:p>
+            <a:pPr lvl="1"/>
+            <a:r>
+              <a:rPr kumimoji="1" lang="zh-CN" altLang="en-US"/>
+              <a:t>二级</a:t>
+            </a:r>
+          </a:p>
+          <a:p>
+            <a:pPr lvl="2"/>
+            <a:r>
+              <a:rPr kumimoji="1" lang="zh-CN" altLang="en-US"/>
+              <a:t>三级</a:t>
+            </a:r>
+          </a:p>
+          <a:p>
+            <a:pPr lvl="3"/>
+            <a:r>
+              <a:rPr kumimoji="1" lang="zh-CN" altLang="en-US"/>
+              <a:t>四级</a:t>
+            </a:r>
+          </a:p>
+          <a:p>
+            <a:pPr lvl="4"/>
+            <a:r>
+              <a:rPr kumimoji="1" lang="zh-CN" altLang="en-US"/>
+              <a:t>五级</a:t>
+            </a:r>
+          </a:p>
+        </p:txBody>
+      </p:sp>
+      <p:sp>
+        <p:nvSpPr>
+          <p:cNvPr id="6" name="页脚占位符 5"/>
+          <p:cNvSpPr>
+            <a:spLocks noGrp="1"/>
+          </p:cNvSpPr>
+          <p:nvPr>
+            <p:ph type="ftr" sz="quarter" idx="4"/>
+          </p:nvPr>
+        </p:nvSpPr>
+        <p:spPr>
+          <a:xfrm>
+            <a:off x="0" y="9553575"/>
+            <a:ext cx="3368675" cy="504825"/>
+          </a:xfrm>
+          <a:prstGeom prst="rect">
+            <a:avLst/>
+          </a:prstGeom>
+        </p:spPr>
+        <p:txBody>
+          <a:bodyPr vert="horz" lIns="91440" tIns="45720" rIns="91440" bIns="45720" rtlCol="0" anchor="b"/>
+          <a:lstStyle>
+            <a:lvl1pPr algn="l">
+              <a:defRPr sz="1200"/>
+            </a:lvl1pPr>
+          </a:lstStyle>
+          <a:p>
+            <a:endParaRPr kumimoji="1" lang="zh-CN" altLang="en-US"/>
+          </a:p>
+        </p:txBody>
+      </p:sp>
+      <p:sp>
+        <p:nvSpPr>
+          <p:cNvPr id="7" name="灯片编号占位符 6"/>
+          <p:cNvSpPr>
+            <a:spLocks noGrp="1"/>
+          </p:cNvSpPr>
+          <p:nvPr>
+            <p:ph type="sldNum" sz="quarter" idx="5"/>
+          </p:nvPr>
+        </p:nvSpPr>
+        <p:spPr>
+          <a:xfrm>
+            <a:off x="4402138" y="9553575"/>
+            <a:ext cx="3368675" cy="504825"/>
+          </a:xfrm>
+          <a:prstGeom prst="rect">
+            <a:avLst/>
+          </a:prstGeom>
+        </p:spPr>
+        <p:txBody>
+          <a:bodyPr vert="horz" lIns="91440" tIns="45720" rIns="91440" bIns="45720" rtlCol="0" anchor="b"/>
+          <a:lstStyle>
+            <a:lvl1pPr algn="r">
+              <a:defRPr sz="1200"/>
+            </a:lvl1pPr>
+          </a:lstStyle>
+          <a:p>
+            <a:fld id="{E0C65117-68CD-4D42-BFDA-BF52E144C225}" type="slidenum">
+              <a:rPr kumimoji="1" lang="zh-CN" altLang="en-US" smtClean="0"/>
+              <a:t>‹#›</a:t>
+            </a:fld>
+            <a:endParaRPr kumimoji="1" lang="zh-CN" altLang="en-US"/>
+          </a:p>
+        </p:txBody>
+      </p:sp>
+    </p:spTree>
+    <p:extLst>
+      <p:ext uri="{BB962C8B-B14F-4D97-AF65-F5344CB8AC3E}">
+        <p14:creationId xmlns:p14="http://schemas.microsoft.com/office/powerpoint/2010/main" val="1180895818"/>
+      </p:ext>
+    </p:extLst>
+  </p:cSld>
+  <p:clrMap bg1="lt1" tx1="dk1" bg2="lt2" tx2="dk2" accent1="accent1" accent2="accent2" accent3="accent3" accent4="accent4" accent5="accent5" accent6="accent6" hlink="hlink" folHlink="folHlink"/>
+  <p:notesStyle>
+    <a:lvl1pPr marL="0" algn="l" defTabSz="914400" rtl="0" eaLnBrk="1" latinLnBrk="0" hangingPunct="1">
+      <a:defRPr sz="1200" kern="1200">
+        <a:solidFill>
+          <a:schemeClr val="tx1"/>
+        </a:solidFill>
+        <a:latin typeface="+mn-lt"/>
+        <a:ea typeface="+mn-ea"/>
+        <a:cs typeface="+mn-cs"/>
+      </a:defRPr>
+    </a:lvl1pPr>
+    <a:lvl2pPr marL="457200" algn="l" defTabSz="914400" rtl="0" eaLnBrk="1" latinLnBrk="0" hangingPunct="1">
+      <a:defRPr sz="1200" kern="1200">
+        <a:solidFill>
+          <a:schemeClr val="tx1"/>
+        </a:solidFill>
+        <a:latin typeface="+mn-lt"/>
+        <a:ea typeface="+mn-ea"/>
+        <a:cs typeface="+mn-cs"/>
+      </a:defRPr>
+    </a:lvl2pPr>
+    <a:lvl3pPr marL="914400" algn="l" defTabSz="914400" rtl="0" eaLnBrk="1" latinLnBrk="0" hangingPunct="1">
+      <a:defRPr sz="1200" kern="1200">
+        <a:solidFill>
+          <a:schemeClr val="tx1"/>
+        </a:solidFill>
+        <a:latin typeface="+mn-lt"/>
+        <a:ea typeface="+mn-ea"/>
+        <a:cs typeface="+mn-cs"/>
+      </a:defRPr>
+    </a:lvl3pPr>
+    <a:lvl4pPr marL="1371600" algn="l" defTabSz="914400" rtl="0" eaLnBrk="1" latinLnBrk="0" hangingPunct="1">
+      <a:defRPr sz="1200" kern="1200">
+        <a:solidFill>
+          <a:schemeClr val="tx1"/>
+        </a:solidFill>
+        <a:latin typeface="+mn-lt"/>
+        <a:ea typeface="+mn-ea"/>
+        <a:cs typeface="+mn-cs"/>
+      </a:defRPr>
+    </a:lvl4pPr>
+    <a:lvl5pPr marL="1828800" algn="l" defTabSz="914400" rtl="0" eaLnBrk="1" latinLnBrk="0" hangingPunct="1">
+      <a:defRPr sz="1200" kern="1200">
+        <a:solidFill>
+          <a:schemeClr val="tx1"/>
+        </a:solidFill>
+        <a:latin typeface="+mn-lt"/>
+        <a:ea typeface="+mn-ea"/>
+        <a:cs typeface="+mn-cs"/>
+      </a:defRPr>
+    </a:lvl5pPr>
+    <a:lvl6pPr marL="2286000" algn="l" defTabSz="914400" rtl="0" eaLnBrk="1" latinLnBrk="0" hangingPunct="1">
+      <a:defRPr sz="1200" kern="1200">
+        <a:solidFill>
+          <a:schemeClr val="tx1"/>
+        </a:solidFill>
+        <a:latin typeface="+mn-lt"/>
+        <a:ea typeface="+mn-ea"/>
+        <a:cs typeface="+mn-cs"/>
+      </a:defRPr>
+    </a:lvl6pPr>
+    <a:lvl7pPr marL="2743200" algn="l" defTabSz="914400" rtl="0" eaLnBrk="1" latinLnBrk="0" hangingPunct="1">
+      <a:defRPr sz="1200" kern="1200">
+        <a:solidFill>
+          <a:schemeClr val="tx1"/>
+        </a:solidFill>
+        <a:latin typeface="+mn-lt"/>
+        <a:ea typeface="+mn-ea"/>
+        <a:cs typeface="+mn-cs"/>
+      </a:defRPr>
+    </a:lvl7pPr>
+    <a:lvl8pPr marL="3200400" algn="l" defTabSz="914400" rtl="0" eaLnBrk="1" latinLnBrk="0" hangingPunct="1">
+      <a:defRPr sz="1200" kern="1200">
+        <a:solidFill>
+          <a:schemeClr val="tx1"/>
+        </a:solidFill>
+        <a:latin typeface="+mn-lt"/>
+        <a:ea typeface="+mn-ea"/>
+        <a:cs typeface="+mn-cs"/>
+      </a:defRPr>
+    </a:lvl8pPr>
+    <a:lvl9pPr marL="3657600" algn="l" defTabSz="914400" rtl="0" eaLnBrk="1" latinLnBrk="0" hangingPunct="1">
+      <a:defRPr sz="1200" kern="1200">
+        <a:solidFill>
+          <a:schemeClr val="tx1"/>
+        </a:solidFill>
+        <a:latin typeface="+mn-lt"/>
+        <a:ea typeface="+mn-ea"/>
+        <a:cs typeface="+mn-cs"/>
+      </a:defRPr>
+    </a:lvl9pPr>
+  </p:notesStyle>
+</p:notesMaster>
+</file>
+
+<file path=ppt/notesSlides/notesSlide1.xml><?xml version="1.0" encoding="utf-8"?>
+<p:notes xmlns:a="http://schemas.openxmlformats.org/drawingml/2006/main" xmlns:r="http://schemas.openxmlformats.org/officeDocument/2006/relationships" xmlns:p="http://schemas.openxmlformats.org/presentationml/2006/main">
+  <p:cSld>
+    <p:spTree>
+      <p:nvGrpSpPr>
+        <p:cNvPr id="1" name=""/>
+        <p:cNvGrpSpPr/>
+        <p:nvPr/>
+      </p:nvGrpSpPr>
+      <p:grpSpPr>
+        <a:xfrm>
+          <a:off x="0" y="0"/>
+          <a:ext cx="0" cy="0"/>
+          <a:chOff x="0" y="0"/>
+          <a:chExt cx="0" cy="0"/>
+        </a:xfrm>
+      </p:grpSpPr>
+      <p:sp>
+        <p:nvSpPr>
+          <p:cNvPr id="2" name="幻灯片图像占位符 1"/>
+          <p:cNvSpPr>
+            <a:spLocks noGrp="1" noRot="1" noChangeAspect="1"/>
+          </p:cNvSpPr>
+          <p:nvPr>
+            <p:ph type="sldImg"/>
+          </p:nvPr>
+        </p:nvSpPr>
+        <p:spPr/>
+      </p:sp>
+      <p:sp>
+        <p:nvSpPr>
+          <p:cNvPr id="3" name="备注占位符 2"/>
+          <p:cNvSpPr>
+            <a:spLocks noGrp="1"/>
+          </p:cNvSpPr>
+          <p:nvPr>
+            <p:ph type="body" idx="1"/>
+          </p:nvPr>
+        </p:nvSpPr>
+        <p:spPr/>
+        <p:txBody>
+          <a:bodyPr/>
+          <a:lstStyle/>
+          <a:p>
+            <a:endParaRPr kumimoji="1" lang="zh-CN" altLang="en-US" dirty="0"/>
+          </a:p>
+        </p:txBody>
+      </p:sp>
+      <p:sp>
+        <p:nvSpPr>
+          <p:cNvPr id="4" name="灯片编号占位符 3"/>
+          <p:cNvSpPr>
+            <a:spLocks noGrp="1"/>
+          </p:cNvSpPr>
+          <p:nvPr>
+            <p:ph type="sldNum" sz="quarter" idx="5"/>
+          </p:nvPr>
+        </p:nvSpPr>
+        <p:spPr/>
+        <p:txBody>
+          <a:bodyPr/>
+          <a:lstStyle/>
+          <a:p>
+            <a:fld id="{E0C65117-68CD-4D42-BFDA-BF52E144C225}" type="slidenum">
+              <a:rPr kumimoji="1" lang="zh-CN" altLang="en-US" smtClean="0"/>
+              <a:t>5</a:t>
+            </a:fld>
+            <a:endParaRPr kumimoji="1" lang="zh-CN" altLang="en-US"/>
+          </a:p>
+        </p:txBody>
+      </p:sp>
+    </p:spTree>
+    <p:extLst>
+      <p:ext uri="{BB962C8B-B14F-4D97-AF65-F5344CB8AC3E}">
+        <p14:creationId xmlns:p14="http://schemas.microsoft.com/office/powerpoint/2010/main" val="1576935669"/>
+      </p:ext>
+    </p:extLst>
+  </p:cSld>
+  <p:clrMapOvr>
+    <a:masterClrMapping/>
+  </p:clrMapOvr>
+</p:notes>
 </file>
 
 <file path=ppt/slideLayouts/slideLayout1.xml><?xml version="1.0" encoding="utf-8"?>
@@ -1848,7 +2284,10 @@
             <a:bodyPr wrap="square" lIns="0" tIns="0" rIns="0" bIns="0" rtlCol="0"/>
             <a:lstStyle/>
             <a:p>
-              <a:endParaRPr/>
+              <a:endParaRPr>
+                <a:latin typeface="Source Han Sans CN" panose="020B0500000000000000" pitchFamily="34" charset="-128"/>
+                <a:ea typeface="Source Han Sans CN" panose="020B0500000000000000" pitchFamily="34" charset="-128"/>
+              </a:endParaRPr>
             </a:p>
           </p:txBody>
         </p:sp>
@@ -1862,7 +2301,7 @@
         <p:spPr>
           <a:xfrm>
             <a:off x="444500" y="5629022"/>
-            <a:ext cx="603250" cy="254000"/>
+            <a:ext cx="603250" cy="243656"/>
           </a:xfrm>
           <a:prstGeom prst="rect">
             <a:avLst/>
@@ -1883,17 +2322,19 @@
               </a:spcBef>
             </a:pPr>
             <a:r>
-              <a:rPr sz="1500" spc="-10" dirty="0">
+              <a:rPr sz="1500" dirty="0">
                 <a:solidFill>
                   <a:srgbClr val="FFFFFF"/>
                 </a:solidFill>
-                <a:latin typeface="Century Gothic"/>
+                <a:latin typeface="Source Han Sans CN" panose="020B0500000000000000" pitchFamily="34" charset="-128"/>
+                <a:ea typeface="Source Han Sans CN" panose="020B0500000000000000" pitchFamily="34" charset="-128"/>
                 <a:cs typeface="Century Gothic"/>
               </a:rPr>
               <a:t>Ebook</a:t>
             </a:r>
             <a:endParaRPr sz="1500">
-              <a:latin typeface="Century Gothic"/>
+              <a:latin typeface="Source Han Sans CN" panose="020B0500000000000000" pitchFamily="34" charset="-128"/>
+              <a:ea typeface="Source Han Sans CN" panose="020B0500000000000000" pitchFamily="34" charset="-128"/>
               <a:cs typeface="Century Gothic"/>
             </a:endParaRPr>
           </a:p>
@@ -1907,8 +2348,8 @@
         </p:nvSpPr>
         <p:spPr>
           <a:xfrm>
-            <a:off x="6386957" y="5629022"/>
-            <a:ext cx="941069" cy="254000"/>
+            <a:off x="6248401" y="5629022"/>
+            <a:ext cx="1079626" cy="243656"/>
           </a:xfrm>
           <a:prstGeom prst="rect">
             <a:avLst/>
@@ -1929,17 +2370,19 @@
               </a:spcBef>
             </a:pPr>
             <a:r>
-              <a:rPr sz="1500" spc="-30" dirty="0">
+              <a:rPr sz="1500" dirty="0">
                 <a:solidFill>
                   <a:srgbClr val="FFFFFF"/>
                 </a:solidFill>
-                <a:latin typeface="Century Gothic"/>
+                <a:latin typeface="Source Han Sans CN" panose="020B0500000000000000" pitchFamily="34" charset="-128"/>
+                <a:ea typeface="Source Han Sans CN" panose="020B0500000000000000" pitchFamily="34" charset="-128"/>
                 <a:cs typeface="Century Gothic"/>
               </a:rPr>
               <a:t>13.01.2023</a:t>
             </a:r>
-            <a:endParaRPr sz="1500">
-              <a:latin typeface="Century Gothic"/>
+            <a:endParaRPr sz="1500" dirty="0">
+              <a:latin typeface="Source Han Sans CN" panose="020B0500000000000000" pitchFamily="34" charset="-128"/>
+              <a:ea typeface="Source Han Sans CN" panose="020B0500000000000000" pitchFamily="34" charset="-128"/>
               <a:cs typeface="Century Gothic"/>
             </a:endParaRPr>
           </a:p>
@@ -1954,7 +2397,7 @@
         <p:spPr>
           <a:xfrm>
             <a:off x="444500" y="6476243"/>
-            <a:ext cx="6391275" cy="2286000"/>
+            <a:ext cx="6391275" cy="2308324"/>
           </a:xfrm>
           <a:prstGeom prst="rect">
             <a:avLst/>
@@ -1975,89 +2418,63 @@
               </a:spcBef>
             </a:pPr>
             <a:r>
-              <a:rPr sz="5000" spc="250" dirty="0">
+              <a:rPr sz="5000" dirty="0">
                 <a:solidFill>
                   <a:srgbClr val="FFFFFF"/>
                 </a:solidFill>
-                <a:latin typeface="Century Gothic"/>
+                <a:latin typeface="Source Han Sans CN" panose="020B0500000000000000" pitchFamily="34" charset="-128"/>
+                <a:ea typeface="Source Han Sans CN" panose="020B0500000000000000" pitchFamily="34" charset="-128"/>
                 <a:cs typeface="Century Gothic"/>
               </a:rPr>
-              <a:t>SUSE</a:t>
-            </a:r>
-            <a:r>
-              <a:rPr sz="5000" spc="-120" dirty="0">
+              <a:t>SUSE Manager for</a:t>
+            </a:r>
+            <a:r>
+              <a:rPr lang="zh-CN" altLang="en-US" sz="5000" dirty="0">
                 <a:solidFill>
                   <a:srgbClr val="FFFFFF"/>
                 </a:solidFill>
-                <a:latin typeface="Century Gothic"/>
+                <a:latin typeface="Source Han Sans CN" panose="020B0500000000000000" pitchFamily="34" charset="-128"/>
+                <a:ea typeface="Source Han Sans CN" panose="020B0500000000000000" pitchFamily="34" charset="-128"/>
                 <a:cs typeface="Century Gothic"/>
               </a:rPr>
               <a:t> </a:t>
             </a:r>
             <a:r>
-              <a:rPr sz="5000" spc="-10" dirty="0">
+              <a:rPr sz="5000" dirty="0">
                 <a:solidFill>
                   <a:srgbClr val="FFFFFF"/>
                 </a:solidFill>
-                <a:latin typeface="Century Gothic"/>
+                <a:latin typeface="Source Han Sans CN" panose="020B0500000000000000" pitchFamily="34" charset="-128"/>
+                <a:ea typeface="Source Han Sans CN" panose="020B0500000000000000" pitchFamily="34" charset="-128"/>
                 <a:cs typeface="Century Gothic"/>
               </a:rPr>
-              <a:t>Manager </a:t>
-            </a:r>
-            <a:r>
-              <a:rPr sz="5000" spc="-1185" dirty="0">
+              <a:t>Retail: Transforming</a:t>
+            </a:r>
+            <a:r>
+              <a:rPr lang="zh-CN" altLang="en-US" sz="5000" dirty="0">
                 <a:solidFill>
                   <a:srgbClr val="FFFFFF"/>
                 </a:solidFill>
-                <a:latin typeface="Century Gothic"/>
+                <a:latin typeface="Source Han Sans CN" panose="020B0500000000000000" pitchFamily="34" charset="-128"/>
+                <a:ea typeface="Source Han Sans CN" panose="020B0500000000000000" pitchFamily="34" charset="-128"/>
                 <a:cs typeface="Century Gothic"/>
               </a:rPr>
-              <a:t>for
-Retail:</a:t>
-            </a:r>
-            <a:r>
-              <a:rPr sz="5000" spc="140" dirty="0">
+              <a:t> </a:t>
+            </a:r>
+            <a:r>
+              <a:rPr sz="5000" dirty="0">
                 <a:solidFill>
                   <a:srgbClr val="FFFFFF"/>
                 </a:solidFill>
-                <a:latin typeface="Century Gothic"/>
+                <a:latin typeface="Source Han Sans CN" panose="020B0500000000000000" pitchFamily="34" charset="-128"/>
+                <a:ea typeface="Source Han Sans CN" panose="020B0500000000000000" pitchFamily="34" charset="-128"/>
                 <a:cs typeface="Century Gothic"/>
               </a:rPr>
-              <a:t> Transforming
-Point </a:t>
-            </a:r>
-            <a:r>
-              <a:rPr sz="5000" dirty="0">
-                <a:solidFill>
-                  <a:srgbClr val="FFFFFF"/>
-                </a:solidFill>
-                <a:latin typeface="Century Gothic"/>
-                <a:cs typeface="Century Gothic"/>
-              </a:rPr>
-              <a:t>of</a:t>
-            </a:r>
-            <a:r>
-              <a:rPr sz="5000" spc="-160" dirty="0">
-                <a:solidFill>
-                  <a:srgbClr val="FFFFFF"/>
-                </a:solidFill>
-                <a:latin typeface="Century Gothic"/>
-                <a:cs typeface="Century Gothic"/>
-              </a:rPr>
-              <a:t> </a:t>
-            </a:r>
-            <a:r>
-              <a:rPr sz="5000" spc="65" dirty="0">
-                <a:solidFill>
-                  <a:srgbClr val="FFFFFF"/>
-                </a:solidFill>
-                <a:latin typeface="Century Gothic"/>
-                <a:cs typeface="Century Gothic"/>
-              </a:rPr>
-              <a:t>Service</a:t>
-            </a:r>
-            <a:endParaRPr sz="5000">
-              <a:latin typeface="Century Gothic"/>
+              <a:t>Point of Service</a:t>
+            </a:r>
+            <a:endParaRPr sz="5000" dirty="0">
+              <a:latin typeface="Source Han Sans CN" panose="020B0500000000000000" pitchFamily="34" charset="-128"/>
+              <a:ea typeface="Source Han Sans CN" panose="020B0500000000000000" pitchFamily="34" charset="-128"/>
               <a:cs typeface="Century Gothic"/>
             </a:endParaRPr>
           </a:p>
@@ -3117,7 +3534,10 @@
           <a:bodyPr wrap="square" lIns="0" tIns="0" rIns="0" bIns="0" rtlCol="0"/>
           <a:lstStyle/>
           <a:p>
-            <a:endParaRPr/>
+            <a:endParaRPr>
+              <a:latin typeface="Source Han Sans CN" panose="020B0500000000000000" pitchFamily="34" charset="-128"/>
+              <a:ea typeface="Source Han Sans CN" panose="020B0500000000000000" pitchFamily="34" charset="-128"/>
+            </a:endParaRPr>
           </a:p>
         </p:txBody>
       </p:sp>
@@ -4927,8 +5347,8 @@
         </p:nvSpPr>
         <p:spPr>
           <a:xfrm>
-            <a:off x="942339" y="1562100"/>
-            <a:ext cx="2371725" cy="482600"/>
+            <a:off x="950601" y="1612741"/>
+            <a:ext cx="2639061" cy="474489"/>
           </a:xfrm>
           <a:prstGeom prst="rect">
             <a:avLst/>
@@ -4949,7 +5369,7 @@
               </a:spcBef>
             </a:pPr>
             <a:r>
-              <a:rPr dirty="0">
+              <a:rPr b="1" dirty="0">
                 <a:latin typeface="Source Han Sans CN" panose="020B0500000000000000" pitchFamily="34" charset="-128"/>
                 <a:ea typeface="Source Han Sans CN" panose="020B0500000000000000" pitchFamily="34" charset="-128"/>
               </a:rPr>
@@ -5099,7 +5519,7 @@
         </p:nvSpPr>
         <p:spPr>
           <a:xfrm>
-            <a:off x="942339" y="2143759"/>
+            <a:off x="950601" y="2194400"/>
             <a:ext cx="5818505" cy="1743939"/>
           </a:xfrm>
           <a:prstGeom prst="rect">
@@ -5257,8 +5677,8 @@
         </p:nvSpPr>
         <p:spPr>
           <a:xfrm>
-            <a:off x="942339" y="4102100"/>
-            <a:ext cx="2734318" cy="3509102"/>
+            <a:off x="954923" y="4268477"/>
+            <a:ext cx="2734318" cy="4246162"/>
           </a:xfrm>
           <a:prstGeom prst="rect">
             <a:avLst/>
@@ -5279,7 +5699,7 @@
               </a:spcBef>
             </a:pPr>
             <a:r>
-              <a:rPr sz="1000" dirty="0">
+              <a:rPr sz="1100" dirty="0">
                 <a:solidFill>
                   <a:srgbClr val="003A36"/>
                 </a:solidFill>
@@ -5290,7 +5710,7 @@
               <a:t>If you manage a point-of-service (POS)</a:t>
             </a:r>
             <a:r>
-              <a:rPr lang="zh-CN" altLang="en-US" sz="1000" dirty="0">
+              <a:rPr lang="zh-CN" altLang="en-US" sz="1100" dirty="0">
                 <a:solidFill>
                   <a:srgbClr val="003A36"/>
                 </a:solidFill>
@@ -5301,7 +5721,7 @@
               <a:t> </a:t>
             </a:r>
             <a:r>
-              <a:rPr sz="1000" dirty="0">
+              <a:rPr sz="1100" dirty="0">
                 <a:solidFill>
                   <a:srgbClr val="003A36"/>
                 </a:solidFill>
@@ -5312,7 +5732,7 @@
               <a:t>retail infrastructure, you</a:t>
             </a:r>
             <a:r>
-              <a:rPr lang="en-US" altLang="zh-CN" sz="1000" dirty="0">
+              <a:rPr lang="en-US" altLang="zh-CN" sz="1100" dirty="0">
                 <a:solidFill>
                   <a:srgbClr val="003A36"/>
                 </a:solidFill>
@@ -5323,7 +5743,7 @@
               <a:t>'</a:t>
             </a:r>
             <a:r>
-              <a:rPr sz="1000" dirty="0">
+              <a:rPr sz="1100" dirty="0">
                 <a:solidFill>
                   <a:srgbClr val="003A36"/>
                 </a:solidFill>
@@ -5334,7 +5754,7 @@
               <a:t>re accustomed</a:t>
             </a:r>
             <a:r>
-              <a:rPr lang="zh-CN" altLang="en-US" sz="1000" dirty="0">
+              <a:rPr lang="zh-CN" altLang="en-US" sz="1100" dirty="0">
                 <a:solidFill>
                   <a:srgbClr val="003A36"/>
                 </a:solidFill>
@@ -5345,7 +5765,7 @@
               <a:t> </a:t>
             </a:r>
             <a:r>
-              <a:rPr sz="1000" dirty="0">
+              <a:rPr sz="1100" dirty="0">
                 <a:solidFill>
                   <a:srgbClr val="003A36"/>
                 </a:solidFill>
@@ -5356,7 +5776,7 @@
               <a:t>to the challenges. On one hand, powerful new technologies present significant</a:t>
             </a:r>
             <a:r>
-              <a:rPr lang="zh-CN" altLang="en-US" sz="1000" dirty="0">
+              <a:rPr lang="zh-CN" altLang="en-US" sz="1100" dirty="0">
                 <a:solidFill>
                   <a:srgbClr val="003A36"/>
                 </a:solidFill>
@@ -5367,7 +5787,7 @@
               <a:t> </a:t>
             </a:r>
             <a:r>
-              <a:rPr sz="1000" dirty="0">
+              <a:rPr sz="1100" dirty="0">
                 <a:solidFill>
                   <a:srgbClr val="003A36"/>
                 </a:solidFill>
@@ -5378,7 +5798,7 @@
               <a:t>opportunities for cost efficiency, better</a:t>
             </a:r>
             <a:r>
-              <a:rPr lang="zh-CN" altLang="en-US" sz="1000" dirty="0">
+              <a:rPr lang="zh-CN" altLang="en-US" sz="1100" dirty="0">
                 <a:solidFill>
                   <a:srgbClr val="003A36"/>
                 </a:solidFill>
@@ -5389,7 +5809,7 @@
               <a:t> </a:t>
             </a:r>
             <a:r>
-              <a:rPr sz="1000" dirty="0">
+              <a:rPr sz="1100" dirty="0">
                 <a:solidFill>
                   <a:srgbClr val="003A36"/>
                 </a:solidFill>
@@ -5400,7 +5820,7 @@
               <a:t>oversight,  and greater security. On the</a:t>
             </a:r>
             <a:r>
-              <a:rPr lang="zh-CN" altLang="en-US" sz="1000" dirty="0">
+              <a:rPr lang="zh-CN" altLang="en-US" sz="1100" dirty="0">
                 <a:solidFill>
                   <a:srgbClr val="003A36"/>
                 </a:solidFill>
@@ -5411,7 +5831,7 @@
               <a:t> </a:t>
             </a:r>
             <a:r>
-              <a:rPr sz="1000" dirty="0">
+              <a:rPr sz="1100" dirty="0">
                 <a:solidFill>
                   <a:srgbClr val="003A36"/>
                 </a:solidFill>
@@ -5422,7 +5842,7 @@
               <a:t>other hand, the prospect of the transition,</a:t>
             </a:r>
             <a:r>
-              <a:rPr lang="zh-CN" altLang="en-US" sz="1000" dirty="0">
+              <a:rPr lang="zh-CN" altLang="en-US" sz="1100" dirty="0">
                 <a:solidFill>
                   <a:srgbClr val="003A36"/>
                 </a:solidFill>
@@ -5433,7 +5853,7 @@
               <a:t> </a:t>
             </a:r>
             <a:r>
-              <a:rPr sz="1000" dirty="0">
+              <a:rPr sz="1100" dirty="0">
                 <a:solidFill>
                   <a:srgbClr val="003A36"/>
                 </a:solidFill>
@@ -5444,7 +5864,7 @@
               <a:t>and the complexity of reconfiguring a</a:t>
             </a:r>
             <a:r>
-              <a:rPr lang="zh-CN" altLang="en-US" sz="1000" dirty="0">
+              <a:rPr lang="zh-CN" altLang="en-US" sz="1100" dirty="0">
                 <a:solidFill>
                   <a:srgbClr val="003A36"/>
                 </a:solidFill>
@@ -5455,7 +5875,7 @@
               <a:t> </a:t>
             </a:r>
             <a:r>
-              <a:rPr sz="1000" dirty="0">
+              <a:rPr sz="1100" dirty="0">
                 <a:solidFill>
                   <a:srgbClr val="003A36"/>
                 </a:solidFill>
@@ -5466,7 +5886,7 @@
               <a:t>diverse hardware environment, can be</a:t>
             </a:r>
             <a:r>
-              <a:rPr lang="zh-CN" altLang="en-US" sz="1000" dirty="0">
+              <a:rPr lang="zh-CN" altLang="en-US" sz="1100" dirty="0">
                 <a:solidFill>
                   <a:srgbClr val="003A36"/>
                 </a:solidFill>
@@ -5477,7 +5897,7 @@
               <a:t> </a:t>
             </a:r>
             <a:r>
-              <a:rPr sz="1000" dirty="0">
+              <a:rPr sz="1100" dirty="0">
                 <a:solidFill>
                   <a:srgbClr val="003A36"/>
                 </a:solidFill>
@@ -5487,7 +5907,7 @@
               </a:rPr>
               <a:t>intimidating.</a:t>
             </a:r>
-            <a:endParaRPr sz="1000" dirty="0">
+            <a:endParaRPr sz="1100" dirty="0">
               <a:latin typeface="Source Han Sans CN" panose="020B0500000000000000" pitchFamily="34" charset="-128"/>
               <a:ea typeface="Source Han Sans CN" panose="020B0500000000000000" pitchFamily="34" charset="-128"/>
               <a:cs typeface="Lucida Sans Unicode"/>
@@ -5503,7 +5923,7 @@
               </a:spcBef>
             </a:pPr>
             <a:r>
-              <a:rPr sz="1000" dirty="0">
+              <a:rPr sz="1100" dirty="0">
                 <a:solidFill>
                   <a:srgbClr val="003A36"/>
                 </a:solidFill>
@@ -5514,7 +5934,7 @@
               <a:t>For most organizations, the best way to</a:t>
             </a:r>
             <a:r>
-              <a:rPr lang="zh-CN" altLang="en-US" sz="1000" dirty="0">
+              <a:rPr lang="zh-CN" altLang="en-US" sz="1100" dirty="0">
                 <a:solidFill>
                   <a:srgbClr val="003A36"/>
                 </a:solidFill>
@@ -5525,7 +5945,7 @@
               <a:t> </a:t>
             </a:r>
             <a:r>
-              <a:rPr sz="1000" dirty="0">
+              <a:rPr sz="1100" dirty="0">
                 <a:solidFill>
                   <a:srgbClr val="003A36"/>
                 </a:solidFill>
@@ -5536,7 +5956,7 @@
               <a:t>get</a:t>
             </a:r>
             <a:r>
-              <a:rPr lang="zh-CN" altLang="en-US" sz="1000" dirty="0">
+              <a:rPr lang="zh-CN" altLang="en-US" sz="1100" dirty="0">
                 <a:solidFill>
                   <a:srgbClr val="003A36"/>
                 </a:solidFill>
@@ -5547,7 +5967,7 @@
               <a:t> </a:t>
             </a:r>
             <a:r>
-              <a:rPr sz="1000" dirty="0">
+              <a:rPr sz="1100" dirty="0">
                 <a:solidFill>
                   <a:srgbClr val="003A36"/>
                 </a:solidFill>
@@ -5558,7 +5978,7 @@
               <a:t>unstuck from the counterbalancing</a:t>
             </a:r>
             <a:r>
-              <a:rPr lang="zh-CN" altLang="en-US" sz="1000" dirty="0">
+              <a:rPr lang="zh-CN" altLang="en-US" sz="1100" dirty="0">
                 <a:solidFill>
                   <a:srgbClr val="003A36"/>
                 </a:solidFill>
@@ -5569,7 +5989,7 @@
               <a:t> </a:t>
             </a:r>
             <a:r>
-              <a:rPr sz="1000" dirty="0">
+              <a:rPr sz="1100" dirty="0">
                 <a:solidFill>
                   <a:srgbClr val="003A36"/>
                 </a:solidFill>
@@ -5580,7 +6000,7 @@
               <a:t>demands of the retail industry is to</a:t>
             </a:r>
             <a:r>
-              <a:rPr lang="zh-CN" altLang="en-US" sz="1000" dirty="0">
+              <a:rPr lang="zh-CN" altLang="en-US" sz="1100" dirty="0">
                 <a:solidFill>
                   <a:srgbClr val="003A36"/>
                 </a:solidFill>
@@ -5591,7 +6011,7 @@
               <a:t> </a:t>
             </a:r>
             <a:r>
-              <a:rPr sz="1000" dirty="0">
+              <a:rPr sz="1100" dirty="0">
                 <a:solidFill>
                   <a:srgbClr val="003A36"/>
                 </a:solidFill>
@@ -5602,7 +6022,7 @@
               <a:t>work with a complete solution that starts</a:t>
             </a:r>
             <a:r>
-              <a:rPr lang="zh-CN" altLang="en-US" sz="1000" dirty="0">
+              <a:rPr lang="zh-CN" altLang="en-US" sz="1100" dirty="0">
                 <a:solidFill>
                   <a:srgbClr val="003A36"/>
                 </a:solidFill>
@@ -5613,7 +6033,7 @@
               <a:t> </a:t>
             </a:r>
             <a:r>
-              <a:rPr sz="1000" dirty="0">
+              <a:rPr sz="1100" dirty="0">
                 <a:solidFill>
                   <a:srgbClr val="003A36"/>
                 </a:solidFill>
@@ -5624,7 +6044,7 @@
               <a:t>where you are now. SUSE Manager for</a:t>
             </a:r>
             <a:r>
-              <a:rPr lang="zh-CN" altLang="en-US" sz="1000" dirty="0">
+              <a:rPr lang="zh-CN" altLang="en-US" sz="1100" dirty="0">
                 <a:solidFill>
                   <a:srgbClr val="003A36"/>
                 </a:solidFill>
@@ -5635,7 +6055,7 @@
               <a:t> </a:t>
             </a:r>
             <a:r>
-              <a:rPr sz="1000" dirty="0">
+              <a:rPr sz="1100" dirty="0">
                 <a:solidFill>
                   <a:srgbClr val="003A36"/>
                 </a:solidFill>
@@ -5646,7 +6066,7 @@
               <a:t>Retail  is an innovative, open</a:t>
             </a:r>
             <a:r>
-              <a:rPr lang="en-US" altLang="zh-CN" sz="1000" dirty="0">
+              <a:rPr lang="en-US" altLang="zh-CN" sz="1100" dirty="0">
                 <a:solidFill>
                   <a:srgbClr val="003A36"/>
                 </a:solidFill>
@@ -5657,7 +6077,7 @@
               <a:t>-</a:t>
             </a:r>
             <a:r>
-              <a:rPr sz="1000" dirty="0">
+              <a:rPr sz="1100" dirty="0">
                 <a:solidFill>
                   <a:srgbClr val="003A36"/>
                 </a:solidFill>
@@ -5668,7 +6088,7 @@
               <a:t>source retail</a:t>
             </a:r>
             <a:r>
-              <a:rPr lang="zh-CN" altLang="en-US" sz="1000" dirty="0">
+              <a:rPr lang="zh-CN" altLang="en-US" sz="1100" dirty="0">
                 <a:solidFill>
                   <a:srgbClr val="003A36"/>
                 </a:solidFill>
@@ -5679,7 +6099,7 @@
               <a:t> </a:t>
             </a:r>
             <a:r>
-              <a:rPr sz="1000" dirty="0">
+              <a:rPr sz="1100" dirty="0">
                 <a:solidFill>
                   <a:srgbClr val="003A36"/>
                 </a:solidFill>
@@ -5690,7 +6110,7 @@
               <a:t>management solution that brings your</a:t>
             </a:r>
             <a:r>
-              <a:rPr lang="zh-CN" altLang="en-US" sz="1000" dirty="0">
+              <a:rPr lang="zh-CN" altLang="en-US" sz="1100" dirty="0">
                 <a:latin typeface="Source Han Sans CN" panose="020B0500000000000000" pitchFamily="34" charset="-128"/>
                 <a:ea typeface="Source Han Sans CN" panose="020B0500000000000000" pitchFamily="34" charset="-128"/>
                 <a:cs typeface="Lucida Sans Unicode"/>
@@ -5698,7 +6118,7 @@
               <a:t> </a:t>
             </a:r>
             <a:r>
-              <a:rPr sz="1000" dirty="0">
+              <a:rPr sz="1100" dirty="0">
                 <a:solidFill>
                   <a:srgbClr val="003A36"/>
                 </a:solidFill>
@@ -5709,7 +6129,7 @@
               <a:t>POS devices into a single, unified environment, delivering all the benefits of state-</a:t>
             </a:r>
             <a:r>
-              <a:rPr lang="en" altLang="zh-CN" sz="1000" dirty="0">
+              <a:rPr lang="en" altLang="zh-CN" sz="1100" dirty="0">
                 <a:solidFill>
                   <a:srgbClr val="003A36"/>
                 </a:solidFill>
@@ -5720,7 +6140,7 @@
               <a:t>of-the-art IT with minimal disruption and</a:t>
             </a:r>
             <a:r>
-              <a:rPr lang="zh-CN" altLang="en-US" sz="1000" dirty="0">
+              <a:rPr lang="zh-CN" altLang="en-US" sz="1100" dirty="0">
                 <a:solidFill>
                   <a:srgbClr val="003A36"/>
                 </a:solidFill>
@@ -5731,7 +6151,7 @@
               <a:t> </a:t>
             </a:r>
             <a:r>
-              <a:rPr lang="en" altLang="zh-CN" sz="1000" dirty="0">
+              <a:rPr lang="en" altLang="zh-CN" sz="1100" dirty="0">
                 <a:solidFill>
                   <a:srgbClr val="003A36"/>
                 </a:solidFill>
@@ -5741,7 +6161,7 @@
               </a:rPr>
               <a:t>maximum flexibility. </a:t>
             </a:r>
-            <a:endParaRPr sz="1000" dirty="0">
+            <a:endParaRPr sz="1100" dirty="0">
               <a:latin typeface="Source Han Sans CN" panose="020B0500000000000000" pitchFamily="34" charset="-128"/>
               <a:ea typeface="Source Han Sans CN" panose="020B0500000000000000" pitchFamily="34" charset="-128"/>
               <a:cs typeface="Lucida Sans Unicode"/>
@@ -5757,8 +6177,8 @@
         </p:nvSpPr>
         <p:spPr>
           <a:xfrm>
-            <a:off x="4095744" y="4102100"/>
-            <a:ext cx="2726055" cy="3149004"/>
+            <a:off x="4095744" y="4268477"/>
+            <a:ext cx="2726055" cy="3651962"/>
           </a:xfrm>
           <a:prstGeom prst="rect">
             <a:avLst/>
@@ -5779,7 +6199,7 @@
               </a:spcBef>
             </a:pPr>
             <a:r>
-              <a:rPr sz="1000" dirty="0">
+              <a:rPr sz="1100" dirty="0">
                 <a:solidFill>
                   <a:srgbClr val="003A36"/>
                 </a:solidFill>
@@ -5790,7 +6210,7 @@
               <a:t>Regardless of how</a:t>
             </a:r>
             <a:r>
-              <a:rPr lang="zh-CN" altLang="en-US" sz="1000" dirty="0">
+              <a:rPr lang="zh-CN" altLang="en-US" sz="1100" dirty="0">
                 <a:solidFill>
                   <a:srgbClr val="003A36"/>
                 </a:solidFill>
@@ -5801,7 +6221,7 @@
               <a:t> </a:t>
             </a:r>
             <a:r>
-              <a:rPr sz="1000" dirty="0">
+              <a:rPr sz="1100" dirty="0">
                 <a:solidFill>
                   <a:srgbClr val="003A36"/>
                 </a:solidFill>
@@ -5812,7 +6232,7 @@
               <a:t>your retail environment looks right now,</a:t>
             </a:r>
             <a:r>
-              <a:rPr lang="zh-CN" altLang="en-US" sz="1000" dirty="0">
+              <a:rPr lang="zh-CN" altLang="en-US" sz="1100" dirty="0">
                 <a:solidFill>
                   <a:srgbClr val="003A36"/>
                 </a:solidFill>
@@ -5823,7 +6243,7 @@
               <a:t> </a:t>
             </a:r>
             <a:r>
-              <a:rPr sz="1000" dirty="0">
+              <a:rPr sz="1100" dirty="0">
                 <a:solidFill>
                   <a:srgbClr val="003A36"/>
                 </a:solidFill>
@@ -5834,7 +6254,7 @@
               <a:t>with older hardware, hybrid configurations, or disparate technologies, SUSE</a:t>
             </a:r>
             <a:r>
-              <a:rPr lang="zh-CN" altLang="en-US" sz="1000" dirty="0">
+              <a:rPr lang="zh-CN" altLang="en-US" sz="1100" dirty="0">
                 <a:solidFill>
                   <a:srgbClr val="003A36"/>
                 </a:solidFill>
@@ -5845,7 +6265,7 @@
               <a:t> </a:t>
             </a:r>
             <a:r>
-              <a:rPr sz="1000" dirty="0">
+              <a:rPr sz="1100" dirty="0">
                 <a:solidFill>
                   <a:srgbClr val="003A36"/>
                 </a:solidFill>
@@ -5856,7 +6276,7 @@
               <a:t>Manager for Retail can modernize and</a:t>
             </a:r>
             <a:r>
-              <a:rPr lang="zh-CN" altLang="en-US" sz="1000" dirty="0">
+              <a:rPr lang="zh-CN" altLang="en-US" sz="1100" dirty="0">
                 <a:solidFill>
                   <a:srgbClr val="003A36"/>
                 </a:solidFill>
@@ -5867,7 +6287,7 @@
               <a:t> </a:t>
             </a:r>
             <a:r>
-              <a:rPr sz="1000" dirty="0">
+              <a:rPr sz="1100" dirty="0">
                 <a:solidFill>
                   <a:srgbClr val="003A36"/>
                 </a:solidFill>
@@ -5878,7 +6298,7 @@
               <a:t>secure your infrastructure from the core</a:t>
             </a:r>
             <a:r>
-              <a:rPr lang="zh-CN" altLang="en-US" sz="1000" dirty="0">
+              <a:rPr lang="zh-CN" altLang="en-US" sz="1100" dirty="0">
                 <a:solidFill>
                   <a:srgbClr val="003A36"/>
                 </a:solidFill>
@@ -5889,7 +6309,7 @@
               <a:t> </a:t>
             </a:r>
             <a:r>
-              <a:rPr sz="1000" dirty="0">
+              <a:rPr sz="1100" dirty="0">
                 <a:solidFill>
                   <a:srgbClr val="003A36"/>
                 </a:solidFill>
@@ -5899,7 +6319,7 @@
               </a:rPr>
               <a:t>to the store and in the cloud.</a:t>
             </a:r>
-            <a:endParaRPr sz="1000" dirty="0">
+            <a:endParaRPr sz="1100" dirty="0">
               <a:latin typeface="Source Han Sans CN" panose="020B0500000000000000" pitchFamily="34" charset="-128"/>
               <a:ea typeface="Source Han Sans CN" panose="020B0500000000000000" pitchFamily="34" charset="-128"/>
               <a:cs typeface="Lucida Sans Unicode"/>
@@ -5915,7 +6335,7 @@
               </a:spcBef>
             </a:pPr>
             <a:r>
-              <a:rPr sz="1000" dirty="0">
+              <a:rPr sz="1100" dirty="0">
                 <a:solidFill>
                   <a:srgbClr val="003A36"/>
                 </a:solidFill>
@@ -5926,7 +6346,7 @@
               <a:t>Containers are a particularly important</a:t>
             </a:r>
             <a:r>
-              <a:rPr lang="zh-CN" altLang="en-US" sz="1000" dirty="0">
+              <a:rPr lang="zh-CN" altLang="en-US" sz="1100" dirty="0">
                 <a:solidFill>
                   <a:srgbClr val="003A36"/>
                 </a:solidFill>
@@ -5937,7 +6357,7 @@
               <a:t> </a:t>
             </a:r>
             <a:r>
-              <a:rPr sz="1000" dirty="0">
+              <a:rPr sz="1100" dirty="0">
                 <a:solidFill>
                   <a:srgbClr val="003A36"/>
                 </a:solidFill>
@@ -5948,7 +6368,7 @@
               <a:t>recent development in the retail space</a:t>
             </a:r>
             <a:r>
-              <a:rPr lang="zh-CN" altLang="en-US" sz="1000" dirty="0">
+              <a:rPr lang="zh-CN" altLang="en-US" sz="1100" dirty="0">
                 <a:solidFill>
                   <a:srgbClr val="003A36"/>
                 </a:solidFill>
@@ -5959,7 +6379,7 @@
               <a:t> </a:t>
             </a:r>
             <a:r>
-              <a:rPr sz="1000" dirty="0">
+              <a:rPr sz="1100" dirty="0">
                 <a:solidFill>
                   <a:srgbClr val="003A36"/>
                 </a:solidFill>
@@ -5970,7 +6390,7 @@
               <a:t>(see the box entitled </a:t>
             </a:r>
             <a:r>
-              <a:rPr lang="en-US" altLang="zh-CN" sz="1000" dirty="0">
+              <a:rPr lang="en-US" altLang="zh-CN" sz="1100" dirty="0">
                 <a:solidFill>
                   <a:srgbClr val="003A36"/>
                 </a:solidFill>
@@ -5981,7 +6401,7 @@
               <a:t>"</a:t>
             </a:r>
             <a:r>
-              <a:rPr sz="1000" dirty="0">
+              <a:rPr sz="1100" dirty="0">
                 <a:solidFill>
                   <a:srgbClr val="003A36"/>
                 </a:solidFill>
@@ -5992,7 +6412,7 @@
               <a:t>Why Containers?</a:t>
             </a:r>
             <a:r>
-              <a:rPr lang="en-US" altLang="zh-CN" sz="1000" dirty="0">
+              <a:rPr lang="en-US" altLang="zh-CN" sz="1100" dirty="0">
                 <a:solidFill>
                   <a:srgbClr val="003A36"/>
                 </a:solidFill>
@@ -6003,7 +6423,7 @@
               <a:t>"</a:t>
             </a:r>
             <a:r>
-              <a:rPr sz="1000" dirty="0">
+              <a:rPr sz="1100" dirty="0">
                 <a:solidFill>
                   <a:srgbClr val="003A36"/>
                 </a:solidFill>
@@ -6014,7 +6434,7 @@
               <a:t>). Although SUSE Manager for Retail</a:t>
             </a:r>
             <a:r>
-              <a:rPr lang="zh-CN" altLang="en-US" sz="1000" dirty="0">
+              <a:rPr lang="zh-CN" altLang="en-US" sz="1100" dirty="0">
                 <a:solidFill>
                   <a:srgbClr val="003A36"/>
                 </a:solidFill>
@@ -6025,7 +6445,7 @@
               <a:t> </a:t>
             </a:r>
             <a:r>
-              <a:rPr sz="1000" dirty="0">
+              <a:rPr sz="1100" dirty="0">
                 <a:solidFill>
                   <a:srgbClr val="003A36"/>
                 </a:solidFill>
@@ -6036,7 +6456,7 @@
               <a:t>is equally at home in virtual machine</a:t>
             </a:r>
             <a:r>
-              <a:rPr lang="zh-CN" altLang="en-US" sz="1000" dirty="0">
+              <a:rPr lang="zh-CN" altLang="en-US" sz="1100" dirty="0">
                 <a:solidFill>
                   <a:srgbClr val="003A36"/>
                 </a:solidFill>
@@ -6047,7 +6467,7 @@
               <a:t> </a:t>
             </a:r>
             <a:r>
-              <a:rPr sz="1000" dirty="0">
+              <a:rPr sz="1100" dirty="0">
                 <a:solidFill>
                   <a:srgbClr val="003A36"/>
                 </a:solidFill>
@@ -6058,7 +6478,7 @@
               <a:t>(VM) and bare-hardware settings, it has</a:t>
             </a:r>
             <a:r>
-              <a:rPr lang="zh-CN" altLang="en-US" sz="1000" dirty="0">
+              <a:rPr lang="zh-CN" altLang="en-US" sz="1100" dirty="0">
                 <a:solidFill>
                   <a:srgbClr val="003A36"/>
                 </a:solidFill>
@@ -6069,7 +6489,7 @@
               <a:t> </a:t>
             </a:r>
             <a:r>
-              <a:rPr sz="1000" dirty="0">
+              <a:rPr sz="1100" dirty="0">
                 <a:solidFill>
                   <a:srgbClr val="003A36"/>
                 </a:solidFill>
@@ -6080,7 +6500,7 @@
               <a:t>recently been modernized to help retail</a:t>
             </a:r>
             <a:r>
-              <a:rPr lang="zh-CN" altLang="en-US" sz="1000" dirty="0">
+              <a:rPr lang="zh-CN" altLang="en-US" sz="1100" dirty="0">
                 <a:solidFill>
                   <a:srgbClr val="003A36"/>
                 </a:solidFill>
@@ -6091,7 +6511,7 @@
               <a:t> </a:t>
             </a:r>
             <a:r>
-              <a:rPr sz="1000" dirty="0">
+              <a:rPr sz="1100" dirty="0">
                 <a:solidFill>
                   <a:srgbClr val="003A36"/>
                 </a:solidFill>
@@ -6102,7 +6522,7 @@
               <a:t>customers seamlessly embark on their</a:t>
             </a:r>
             <a:r>
-              <a:rPr lang="zh-CN" altLang="en-US" sz="1000" dirty="0">
+              <a:rPr lang="zh-CN" altLang="en-US" sz="1100" dirty="0">
                 <a:solidFill>
                   <a:srgbClr val="003A36"/>
                 </a:solidFill>
@@ -6113,7 +6533,7 @@
               <a:t> </a:t>
             </a:r>
             <a:r>
-              <a:rPr sz="1000" dirty="0">
+              <a:rPr sz="1100" dirty="0">
                 <a:solidFill>
                   <a:srgbClr val="003A36"/>
                 </a:solidFill>
@@ -6124,7 +6544,7 @@
               <a:t>container journey, enabling them to enjoy</a:t>
             </a:r>
             <a:r>
-              <a:rPr lang="zh-CN" altLang="en-US" sz="1000" dirty="0">
+              <a:rPr lang="zh-CN" altLang="en-US" sz="1100" dirty="0">
                 <a:solidFill>
                   <a:srgbClr val="003A36"/>
                 </a:solidFill>
@@ -6135,7 +6555,7 @@
               <a:t> </a:t>
             </a:r>
             <a:r>
-              <a:rPr sz="1000" dirty="0">
+              <a:rPr sz="1100" dirty="0">
                 <a:solidFill>
                   <a:srgbClr val="003A36"/>
                 </a:solidFill>
@@ -6146,7 +6566,7 @@
               <a:t>all</a:t>
             </a:r>
             <a:r>
-              <a:rPr lang="zh-CN" altLang="en-US" sz="1000" dirty="0">
+              <a:rPr lang="zh-CN" altLang="en-US" sz="1100" dirty="0">
                 <a:solidFill>
                   <a:srgbClr val="003A36"/>
                 </a:solidFill>
@@ -6157,7 +6577,7 @@
               <a:t> </a:t>
             </a:r>
             <a:r>
-              <a:rPr sz="1000" dirty="0">
+              <a:rPr sz="1100" dirty="0">
                 <a:solidFill>
                   <a:srgbClr val="003A36"/>
                 </a:solidFill>
@@ -6168,7 +6588,7 @@
               <a:t>the advantages containers bring to</a:t>
             </a:r>
             <a:r>
-              <a:rPr lang="zh-CN" altLang="en-US" sz="1000" dirty="0">
+              <a:rPr lang="zh-CN" altLang="en-US" sz="1100" dirty="0">
                 <a:solidFill>
                   <a:srgbClr val="003A36"/>
                 </a:solidFill>
@@ -6179,7 +6599,7 @@
               <a:t> </a:t>
             </a:r>
             <a:r>
-              <a:rPr sz="1000" dirty="0">
+              <a:rPr sz="1100" dirty="0">
                 <a:solidFill>
                   <a:srgbClr val="003A36"/>
                 </a:solidFill>
@@ -6189,7 +6609,7 @@
               </a:rPr>
               <a:t>their environment.</a:t>
             </a:r>
-            <a:endParaRPr sz="1000" dirty="0">
+            <a:endParaRPr sz="1100" dirty="0">
               <a:latin typeface="Source Han Sans CN" panose="020B0500000000000000" pitchFamily="34" charset="-128"/>
               <a:ea typeface="Source Han Sans CN" panose="020B0500000000000000" pitchFamily="34" charset="-128"/>
               <a:cs typeface="Lucida Sans Unicode"/>
@@ -7999,8 +8419,8 @@
         </p:nvSpPr>
         <p:spPr>
           <a:xfrm>
-            <a:off x="955039" y="1520647"/>
-            <a:ext cx="5862320" cy="4436110"/>
+            <a:off x="872171" y="1255184"/>
+            <a:ext cx="5862320" cy="4811547"/>
           </a:xfrm>
           <a:custGeom>
             <a:avLst/>
@@ -8034,47 +8454,18 @@
           </a:solidFill>
         </p:spPr>
         <p:txBody>
-          <a:bodyPr wrap="square" lIns="0" tIns="0" rIns="0" bIns="0" rtlCol="0"/>
-          <a:lstStyle/>
-          <a:p>
-            <a:endParaRPr>
-              <a:latin typeface="Source Han Sans CN" panose="020B0500000000000000" pitchFamily="34" charset="-128"/>
-              <a:ea typeface="Source Han Sans CN" panose="020B0500000000000000" pitchFamily="34" charset="-128"/>
-            </a:endParaRPr>
-          </a:p>
-        </p:txBody>
-      </p:sp>
-      <p:sp>
-        <p:nvSpPr>
-          <p:cNvPr id="12" name="object 12"/>
-          <p:cNvSpPr txBox="1"/>
-          <p:nvPr/>
-        </p:nvSpPr>
-        <p:spPr>
-          <a:xfrm>
-            <a:off x="1107439" y="1596389"/>
-            <a:ext cx="5454650" cy="4185826"/>
-          </a:xfrm>
-          <a:prstGeom prst="rect">
-            <a:avLst/>
-          </a:prstGeom>
-        </p:spPr>
-        <p:txBody>
-          <a:bodyPr vert="horz" wrap="square" lIns="0" tIns="100330" rIns="0" bIns="0" rtlCol="0">
+          <a:bodyPr wrap="square" lIns="360000" tIns="360000" rIns="360000" bIns="360000" rtlCol="0">
             <a:spAutoFit/>
           </a:bodyPr>
           <a:lstStyle/>
           <a:p>
-            <a:pPr marL="12700">
-              <a:lnSpc>
-                <a:spcPct val="100000"/>
-              </a:lnSpc>
+            <a:pPr marL="12700" lvl="4">
               <a:spcBef>
                 <a:spcPts val="790"/>
               </a:spcBef>
             </a:pPr>
             <a:r>
-              <a:rPr sz="1200" b="1" dirty="0">
+              <a:rPr lang="en" altLang="zh-CN" sz="1200" b="1" dirty="0">
                 <a:solidFill>
                   <a:srgbClr val="003A36"/>
                 </a:solidFill>
@@ -8084,14 +8475,14 @@
               </a:rPr>
               <a:t>Why Containers?</a:t>
             </a:r>
-            <a:endParaRPr sz="1200" dirty="0">
+            <a:endParaRPr lang="en" altLang="zh-CN" sz="1200" dirty="0">
               <a:latin typeface="Source Han Sans CN" panose="020B0500000000000000" pitchFamily="34" charset="-128"/>
               <a:ea typeface="Source Han Sans CN" panose="020B0500000000000000" pitchFamily="34" charset="-128"/>
               <a:cs typeface="Lucida Sans"/>
             </a:endParaRPr>
           </a:p>
           <a:p>
-            <a:pPr marL="12700" marR="5080">
+            <a:pPr marL="12700" marR="5080" lvl="4">
               <a:lnSpc>
                 <a:spcPct val="116700"/>
               </a:lnSpc>
@@ -8100,178 +8491,24 @@
               </a:spcBef>
             </a:pPr>
             <a:r>
-              <a:rPr sz="1200" dirty="0">
-                <a:solidFill>
-                  <a:srgbClr val="003A36"/>
-                </a:solidFill>
-                <a:latin typeface="Source Han Sans CN" panose="020B0500000000000000" pitchFamily="34" charset="-128"/>
-                <a:ea typeface="Source Han Sans CN" panose="020B0500000000000000" pitchFamily="34" charset="-128"/>
-                <a:cs typeface="Lucida Sans Unicode"/>
-              </a:rPr>
-              <a:t>A VM is a complete guest operating system running on the host. An</a:t>
-            </a:r>
-            <a:r>
-              <a:rPr lang="zh-CN" altLang="en-US" sz="1200" dirty="0">
-                <a:solidFill>
-                  <a:srgbClr val="003A36"/>
-                </a:solidFill>
-                <a:latin typeface="Source Han Sans CN" panose="020B0500000000000000" pitchFamily="34" charset="-128"/>
-                <a:ea typeface="Source Han Sans CN" panose="020B0500000000000000" pitchFamily="34" charset="-128"/>
-                <a:cs typeface="Lucida Sans Unicode"/>
-              </a:rPr>
-              <a:t> </a:t>
-            </a:r>
-            <a:r>
-              <a:rPr sz="1200" dirty="0">
-                <a:solidFill>
-                  <a:srgbClr val="003A36"/>
-                </a:solidFill>
-                <a:latin typeface="Source Han Sans CN" panose="020B0500000000000000" pitchFamily="34" charset="-128"/>
-                <a:ea typeface="Source Han Sans CN" panose="020B0500000000000000" pitchFamily="34" charset="-128"/>
-                <a:cs typeface="Lucida Sans Unicode"/>
-              </a:rPr>
-              <a:t>application in the VM thinks it is running on real hardware, but instead it</a:t>
-            </a:r>
-            <a:r>
-              <a:rPr lang="zh-CN" altLang="en-US" sz="1200" dirty="0">
-                <a:solidFill>
-                  <a:srgbClr val="003A36"/>
-                </a:solidFill>
-                <a:latin typeface="Source Han Sans CN" panose="020B0500000000000000" pitchFamily="34" charset="-128"/>
-                <a:ea typeface="Source Han Sans CN" panose="020B0500000000000000" pitchFamily="34" charset="-128"/>
-                <a:cs typeface="Lucida Sans Unicode"/>
-              </a:rPr>
-              <a:t> </a:t>
-            </a:r>
-            <a:r>
-              <a:rPr sz="1200" dirty="0">
-                <a:solidFill>
-                  <a:srgbClr val="003A36"/>
-                </a:solidFill>
-                <a:latin typeface="Source Han Sans CN" panose="020B0500000000000000" pitchFamily="34" charset="-128"/>
-                <a:ea typeface="Source Han Sans CN" panose="020B0500000000000000" pitchFamily="34" charset="-128"/>
-                <a:cs typeface="Lucida Sans Unicode"/>
-              </a:rPr>
-              <a:t>is executing on a guest system that is running as a process on the host</a:t>
-            </a:r>
-            <a:r>
-              <a:rPr lang="zh-CN" altLang="en-US" sz="1200" dirty="0">
-                <a:solidFill>
-                  <a:srgbClr val="003A36"/>
-                </a:solidFill>
-                <a:latin typeface="Source Han Sans CN" panose="020B0500000000000000" pitchFamily="34" charset="-128"/>
-                <a:ea typeface="Source Han Sans CN" panose="020B0500000000000000" pitchFamily="34" charset="-128"/>
-                <a:cs typeface="Lucida Sans Unicode"/>
-              </a:rPr>
-              <a:t> </a:t>
-            </a:r>
-            <a:r>
-              <a:rPr sz="1200" dirty="0">
-                <a:solidFill>
-                  <a:srgbClr val="003A36"/>
-                </a:solidFill>
-                <a:latin typeface="Source Han Sans CN" panose="020B0500000000000000" pitchFamily="34" charset="-128"/>
-                <a:ea typeface="Source Han Sans CN" panose="020B0500000000000000" pitchFamily="34" charset="-128"/>
-                <a:cs typeface="Lucida Sans Unicode"/>
-              </a:rPr>
-              <a:t>computer. A container, on the other hand, is not a separate operating</a:t>
-            </a:r>
-            <a:r>
-              <a:rPr lang="zh-CN" altLang="en-US" sz="1200" dirty="0">
-                <a:solidFill>
-                  <a:srgbClr val="003A36"/>
-                </a:solidFill>
-                <a:latin typeface="Source Han Sans CN" panose="020B0500000000000000" pitchFamily="34" charset="-128"/>
-                <a:ea typeface="Source Han Sans CN" panose="020B0500000000000000" pitchFamily="34" charset="-128"/>
-                <a:cs typeface="Lucida Sans Unicode"/>
-              </a:rPr>
-              <a:t> </a:t>
-            </a:r>
-            <a:r>
-              <a:rPr sz="1200" dirty="0">
-                <a:solidFill>
-                  <a:srgbClr val="003A36"/>
-                </a:solidFill>
-                <a:latin typeface="Source Han Sans CN" panose="020B0500000000000000" pitchFamily="34" charset="-128"/>
-                <a:ea typeface="Source Han Sans CN" panose="020B0500000000000000" pitchFamily="34" charset="-128"/>
-                <a:cs typeface="Lucida Sans Unicode"/>
-              </a:rPr>
-              <a:t>system  but is something more like a separate, isolated address space</a:t>
-            </a:r>
-            <a:r>
-              <a:rPr lang="zh-CN" altLang="en-US" sz="1200" dirty="0">
-                <a:solidFill>
-                  <a:srgbClr val="003A36"/>
-                </a:solidFill>
-                <a:latin typeface="Source Han Sans CN" panose="020B0500000000000000" pitchFamily="34" charset="-128"/>
-                <a:ea typeface="Source Han Sans CN" panose="020B0500000000000000" pitchFamily="34" charset="-128"/>
-                <a:cs typeface="Lucida Sans Unicode"/>
-              </a:rPr>
-              <a:t> </a:t>
-            </a:r>
-            <a:r>
-              <a:rPr sz="1200" dirty="0">
-                <a:solidFill>
-                  <a:srgbClr val="003A36"/>
-                </a:solidFill>
-                <a:latin typeface="Source Han Sans CN" panose="020B0500000000000000" pitchFamily="34" charset="-128"/>
-                <a:ea typeface="Source Han Sans CN" panose="020B0500000000000000" pitchFamily="34" charset="-128"/>
-                <a:cs typeface="Lucida Sans Unicode"/>
-              </a:rPr>
-              <a:t>(Figure 1). The containers running on a host system share the host kernel</a:t>
-            </a:r>
-            <a:r>
-              <a:rPr lang="zh-CN" altLang="en-US" sz="1200" dirty="0">
-                <a:solidFill>
-                  <a:srgbClr val="003A36"/>
-                </a:solidFill>
-                <a:latin typeface="Source Han Sans CN" panose="020B0500000000000000" pitchFamily="34" charset="-128"/>
-                <a:ea typeface="Source Han Sans CN" panose="020B0500000000000000" pitchFamily="34" charset="-128"/>
-                <a:cs typeface="Lucida Sans Unicode"/>
-              </a:rPr>
-              <a:t> </a:t>
-            </a:r>
-            <a:r>
-              <a:rPr sz="1200" dirty="0">
-                <a:solidFill>
-                  <a:srgbClr val="003A36"/>
-                </a:solidFill>
-                <a:latin typeface="Source Han Sans CN" panose="020B0500000000000000" pitchFamily="34" charset="-128"/>
-                <a:ea typeface="Source Han Sans CN" panose="020B0500000000000000" pitchFamily="34" charset="-128"/>
-                <a:cs typeface="Lucida Sans Unicode"/>
-              </a:rPr>
-              <a:t>and a portion of the host’s resources, but they are isolated from each</a:t>
-            </a:r>
-            <a:r>
-              <a:rPr lang="zh-CN" altLang="en-US" sz="1200" dirty="0">
-                <a:solidFill>
-                  <a:srgbClr val="003A36"/>
-                </a:solidFill>
-                <a:latin typeface="Source Han Sans CN" panose="020B0500000000000000" pitchFamily="34" charset="-128"/>
-                <a:ea typeface="Source Han Sans CN" panose="020B0500000000000000" pitchFamily="34" charset="-128"/>
-                <a:cs typeface="Lucida Sans Unicode"/>
-              </a:rPr>
-              <a:t> </a:t>
-            </a:r>
-            <a:r>
-              <a:rPr sz="1200" dirty="0">
-                <a:solidFill>
-                  <a:srgbClr val="003A36"/>
-                </a:solidFill>
-                <a:latin typeface="Source Han Sans CN" panose="020B0500000000000000" pitchFamily="34" charset="-128"/>
-                <a:ea typeface="Source Han Sans CN" panose="020B0500000000000000" pitchFamily="34" charset="-128"/>
-                <a:cs typeface="Lucida Sans Unicode"/>
-              </a:rPr>
-              <a:t>other. They behave as if they are separate systems.</a:t>
-            </a:r>
-            <a:endParaRPr lang="en" sz="1200" dirty="0">
+              <a:rPr lang="en" altLang="zh-CN" sz="1200" dirty="0">
+                <a:solidFill>
+                  <a:srgbClr val="003A36"/>
+                </a:solidFill>
+                <a:latin typeface="Source Han Sans CN" panose="020B0500000000000000" pitchFamily="34" charset="-128"/>
+                <a:ea typeface="Source Han Sans CN" panose="020B0500000000000000" pitchFamily="34" charset="-128"/>
+                <a:cs typeface="Lucida Sans Unicode"/>
+              </a:rPr>
+              <a:t>A VM is a complete guest operating system running on the host. An application in the VM thinks it is running on real hardware, but instead it is executing on a guest system that is running as a process on the host computer. A container, on the other hand, is not a separate operating system  but is something more like a separate, isolated address space (Figure 1). The containers running on a host system share the host kernel and a portion of the host’s resources, but they are isolated from each other. They behave as if they are separate systems.</a:t>
+            </a:r>
+            <a:endParaRPr lang="en" altLang="zh-CN" sz="1200" dirty="0">
               <a:latin typeface="Source Han Sans CN" panose="020B0500000000000000" pitchFamily="34" charset="-128"/>
               <a:ea typeface="Source Han Sans CN" panose="020B0500000000000000" pitchFamily="34" charset="-128"/>
               <a:cs typeface="Lucida Sans Unicode"/>
             </a:endParaRPr>
           </a:p>
           <a:p>
-            <a:pPr marL="12700" marR="164465">
+            <a:pPr marL="12700" marR="164465" lvl="4">
               <a:lnSpc>
                 <a:spcPct val="116700"/>
               </a:lnSpc>
@@ -8280,112 +8517,24 @@
               </a:spcBef>
             </a:pPr>
             <a:r>
-              <a:rPr lang="en" sz="1200" dirty="0">
-                <a:solidFill>
-                  <a:srgbClr val="003A36"/>
-                </a:solidFill>
-                <a:latin typeface="Source Han Sans CN" panose="020B0500000000000000" pitchFamily="34" charset="-128"/>
-                <a:ea typeface="Source Han Sans CN" panose="020B0500000000000000" pitchFamily="34" charset="-128"/>
-                <a:cs typeface="Lucida Sans Unicode"/>
-              </a:rPr>
-              <a:t>Containers avoid the resource overhead of supporting multiple guest</a:t>
-            </a:r>
-            <a:r>
-              <a:rPr lang="zh-CN" altLang="en-US" sz="1200" dirty="0">
-                <a:solidFill>
-                  <a:srgbClr val="003A36"/>
-                </a:solidFill>
-                <a:latin typeface="Source Han Sans CN" panose="020B0500000000000000" pitchFamily="34" charset="-128"/>
-                <a:ea typeface="Source Han Sans CN" panose="020B0500000000000000" pitchFamily="34" charset="-128"/>
-                <a:cs typeface="Lucida Sans Unicode"/>
-              </a:rPr>
-              <a:t> </a:t>
-            </a:r>
-            <a:r>
-              <a:rPr lang="en" sz="1200" dirty="0">
-                <a:solidFill>
-                  <a:srgbClr val="003A36"/>
-                </a:solidFill>
-                <a:latin typeface="Source Han Sans CN" panose="020B0500000000000000" pitchFamily="34" charset="-128"/>
-                <a:ea typeface="Source Han Sans CN" panose="020B0500000000000000" pitchFamily="34" charset="-128"/>
-                <a:cs typeface="Lucida Sans Unicode"/>
-              </a:rPr>
-              <a:t>systems and are therefore more efficient than VMs. A container is also</a:t>
-            </a:r>
-            <a:r>
-              <a:rPr lang="zh-CN" altLang="en-US" sz="1200" dirty="0">
-                <a:solidFill>
-                  <a:srgbClr val="003A36"/>
-                </a:solidFill>
-                <a:latin typeface="Source Han Sans CN" panose="020B0500000000000000" pitchFamily="34" charset="-128"/>
-                <a:ea typeface="Source Han Sans CN" panose="020B0500000000000000" pitchFamily="34" charset="-128"/>
-                <a:cs typeface="Lucida Sans Unicode"/>
-              </a:rPr>
-              <a:t> </a:t>
-            </a:r>
-            <a:r>
-              <a:rPr lang="en" sz="1200" dirty="0">
-                <a:solidFill>
-                  <a:srgbClr val="003A36"/>
-                </a:solidFill>
-                <a:latin typeface="Source Han Sans CN" panose="020B0500000000000000" pitchFamily="34" charset="-128"/>
-                <a:ea typeface="Source Han Sans CN" panose="020B0500000000000000" pitchFamily="34" charset="-128"/>
-                <a:cs typeface="Lucida Sans Unicode"/>
-              </a:rPr>
-              <a:t>fast and easy to spin up when you need it. Containers are extremely</a:t>
-            </a:r>
-            <a:r>
-              <a:rPr lang="zh-CN" altLang="en-US" sz="1200" dirty="0">
-                <a:solidFill>
-                  <a:srgbClr val="003A36"/>
-                </a:solidFill>
-                <a:latin typeface="Source Han Sans CN" panose="020B0500000000000000" pitchFamily="34" charset="-128"/>
-                <a:ea typeface="Source Han Sans CN" panose="020B0500000000000000" pitchFamily="34" charset="-128"/>
-                <a:cs typeface="Lucida Sans Unicode"/>
-              </a:rPr>
-              <a:t> </a:t>
-            </a:r>
-            <a:r>
-              <a:rPr lang="en" sz="1200" dirty="0">
-                <a:solidFill>
-                  <a:srgbClr val="003A36"/>
-                </a:solidFill>
-                <a:latin typeface="Source Han Sans CN" panose="020B0500000000000000" pitchFamily="34" charset="-128"/>
-                <a:ea typeface="Source Han Sans CN" panose="020B0500000000000000" pitchFamily="34" charset="-128"/>
-                <a:cs typeface="Lucida Sans Unicode"/>
-              </a:rPr>
-              <a:t>portable. Dependencies are typically built into the container, which</a:t>
-            </a:r>
-            <a:r>
-              <a:rPr lang="zh-CN" altLang="en-US" sz="1200" dirty="0">
-                <a:solidFill>
-                  <a:srgbClr val="003A36"/>
-                </a:solidFill>
-                <a:latin typeface="Source Han Sans CN" panose="020B0500000000000000" pitchFamily="34" charset="-128"/>
-                <a:ea typeface="Source Han Sans CN" panose="020B0500000000000000" pitchFamily="34" charset="-128"/>
-                <a:cs typeface="Lucida Sans Unicode"/>
-              </a:rPr>
-              <a:t> </a:t>
-            </a:r>
-            <a:r>
-              <a:rPr lang="en" sz="1200" dirty="0">
-                <a:solidFill>
-                  <a:srgbClr val="003A36"/>
-                </a:solidFill>
-                <a:latin typeface="Source Han Sans CN" panose="020B0500000000000000" pitchFamily="34" charset="-128"/>
-                <a:ea typeface="Source Han Sans CN" panose="020B0500000000000000" pitchFamily="34" charset="-128"/>
-                <a:cs typeface="Lucida Sans Unicode"/>
-              </a:rPr>
-              <a:t>means  the container is ready to work as soon as you launch it.</a:t>
-            </a:r>
-            <a:endParaRPr lang="en" sz="1200" dirty="0">
+              <a:rPr lang="en" altLang="zh-CN" sz="1200" dirty="0">
+                <a:solidFill>
+                  <a:srgbClr val="003A36"/>
+                </a:solidFill>
+                <a:latin typeface="Source Han Sans CN" panose="020B0500000000000000" pitchFamily="34" charset="-128"/>
+                <a:ea typeface="Source Han Sans CN" panose="020B0500000000000000" pitchFamily="34" charset="-128"/>
+                <a:cs typeface="Lucida Sans Unicode"/>
+              </a:rPr>
+              <a:t>Containers avoid the resource overhead of supporting multiple guest systems and are therefore more efficient than VMs. A container is also fast and easy to spin up when you need it. Containers are extremely portable. Dependencies are typically built into the container, which means  the container is ready to work as soon as you launch it.</a:t>
+            </a:r>
+            <a:endParaRPr lang="en" altLang="zh-CN" sz="1200" dirty="0">
               <a:latin typeface="Source Han Sans CN" panose="020B0500000000000000" pitchFamily="34" charset="-128"/>
               <a:ea typeface="Source Han Sans CN" panose="020B0500000000000000" pitchFamily="34" charset="-128"/>
               <a:cs typeface="Lucida Sans Unicode"/>
             </a:endParaRPr>
           </a:p>
           <a:p>
-            <a:pPr marL="12700" marR="207010">
+            <a:pPr marL="12700" marR="207010" lvl="4">
               <a:lnSpc>
                 <a:spcPct val="116700"/>
               </a:lnSpc>
@@ -8394,83 +8543,17 @@
               </a:spcBef>
             </a:pPr>
             <a:r>
-              <a:rPr sz="1200" dirty="0">
-                <a:solidFill>
-                  <a:srgbClr val="003A36"/>
-                </a:solidFill>
-                <a:latin typeface="Source Han Sans CN" panose="020B0500000000000000" pitchFamily="34" charset="-128"/>
-                <a:ea typeface="Source Han Sans CN" panose="020B0500000000000000" pitchFamily="34" charset="-128"/>
-                <a:cs typeface="Lucida Sans Unicode"/>
-              </a:rPr>
-              <a:t>Containers have become popular in the retail space because of their</a:t>
-            </a:r>
-            <a:r>
-              <a:rPr lang="zh-CN" altLang="en-US" sz="1200" dirty="0">
-                <a:solidFill>
-                  <a:srgbClr val="003A36"/>
-                </a:solidFill>
-                <a:latin typeface="Source Han Sans CN" panose="020B0500000000000000" pitchFamily="34" charset="-128"/>
-                <a:ea typeface="Source Han Sans CN" panose="020B0500000000000000" pitchFamily="34" charset="-128"/>
-                <a:cs typeface="Lucida Sans Unicode"/>
-              </a:rPr>
-              <a:t> </a:t>
-            </a:r>
-            <a:r>
-              <a:rPr sz="1200" dirty="0">
-                <a:solidFill>
-                  <a:srgbClr val="003A36"/>
-                </a:solidFill>
-                <a:latin typeface="Source Han Sans CN" panose="020B0500000000000000" pitchFamily="34" charset="-128"/>
-                <a:ea typeface="Source Han Sans CN" panose="020B0500000000000000" pitchFamily="34" charset="-128"/>
-                <a:cs typeface="Lucida Sans Unicode"/>
-              </a:rPr>
-              <a:t>security, low overhead, and portability. The container environment is</a:t>
-            </a:r>
-            <a:r>
-              <a:rPr lang="zh-CN" altLang="en-US" sz="1200" dirty="0">
-                <a:solidFill>
-                  <a:srgbClr val="003A36"/>
-                </a:solidFill>
-                <a:latin typeface="Source Han Sans CN" panose="020B0500000000000000" pitchFamily="34" charset="-128"/>
-                <a:ea typeface="Source Han Sans CN" panose="020B0500000000000000" pitchFamily="34" charset="-128"/>
-                <a:cs typeface="Lucida Sans Unicode"/>
-              </a:rPr>
-              <a:t> </a:t>
-            </a:r>
-            <a:r>
-              <a:rPr sz="1200" dirty="0">
-                <a:solidFill>
-                  <a:srgbClr val="003A36"/>
-                </a:solidFill>
-                <a:latin typeface="Source Han Sans CN" panose="020B0500000000000000" pitchFamily="34" charset="-128"/>
-                <a:ea typeface="Source Han Sans CN" panose="020B0500000000000000" pitchFamily="34" charset="-128"/>
-                <a:cs typeface="Lucida Sans Unicode"/>
-              </a:rPr>
-              <a:t>ideal for rapid-orchestration scenarios and for deploying pre-built</a:t>
-            </a:r>
-            <a:r>
-              <a:rPr lang="zh-CN" altLang="en-US" sz="1200" dirty="0">
-                <a:solidFill>
-                  <a:srgbClr val="003A36"/>
-                </a:solidFill>
-                <a:latin typeface="Source Han Sans CN" panose="020B0500000000000000" pitchFamily="34" charset="-128"/>
-                <a:ea typeface="Source Han Sans CN" panose="020B0500000000000000" pitchFamily="34" charset="-128"/>
-                <a:cs typeface="Lucida Sans Unicode"/>
-              </a:rPr>
-              <a:t> </a:t>
-            </a:r>
-            <a:r>
-              <a:rPr sz="1200" dirty="0">
-                <a:solidFill>
-                  <a:srgbClr val="003A36"/>
-                </a:solidFill>
-                <a:latin typeface="Source Han Sans CN" panose="020B0500000000000000" pitchFamily="34" charset="-128"/>
-                <a:ea typeface="Source Han Sans CN" panose="020B0500000000000000" pitchFamily="34" charset="-128"/>
-                <a:cs typeface="Lucida Sans Unicode"/>
-              </a:rPr>
-              <a:t>images designed for a single purpose.</a:t>
-            </a:r>
-            <a:endParaRPr sz="1200" dirty="0">
+              <a:rPr lang="en" altLang="zh-CN" sz="1200" dirty="0">
+                <a:solidFill>
+                  <a:srgbClr val="003A36"/>
+                </a:solidFill>
+                <a:latin typeface="Source Han Sans CN" panose="020B0500000000000000" pitchFamily="34" charset="-128"/>
+                <a:ea typeface="Source Han Sans CN" panose="020B0500000000000000" pitchFamily="34" charset="-128"/>
+                <a:cs typeface="Lucida Sans Unicode"/>
+              </a:rPr>
+              <a:t>Containers have become popular in the retail space because of their security, low overhead, and portability. The container environment is ideal for rapid-orchestration scenarios and for deploying pre-built images designed for a single purpose.</a:t>
+            </a:r>
+            <a:endParaRPr lang="en" altLang="zh-CN" sz="1200" dirty="0">
               <a:latin typeface="Source Han Sans CN" panose="020B0500000000000000" pitchFamily="34" charset="-128"/>
               <a:ea typeface="Source Han Sans CN" panose="020B0500000000000000" pitchFamily="34" charset="-128"/>
               <a:cs typeface="Lucida Sans Unicode"/>
@@ -8486,8 +8569,8 @@
         </p:nvSpPr>
         <p:spPr>
           <a:xfrm>
-            <a:off x="942339" y="7904132"/>
-            <a:ext cx="5721985" cy="1036955"/>
+            <a:off x="908513" y="7669814"/>
+            <a:ext cx="5721985" cy="1077154"/>
           </a:xfrm>
           <a:prstGeom prst="rect">
             <a:avLst/>
@@ -8549,7 +8632,7 @@
               </a:lnSpc>
             </a:pPr>
             <a:r>
-              <a:rPr sz="800" dirty="0">
+              <a:rPr sz="900" dirty="0">
                 <a:solidFill>
                   <a:srgbClr val="231F20"/>
                 </a:solidFill>
@@ -8560,7 +8643,7 @@
               <a:t>Figure 1: In a VM environment (left), applications run on a complete guest operating system that executes as a</a:t>
             </a:r>
             <a:r>
-              <a:rPr lang="zh-CN" altLang="en-US" sz="800" dirty="0">
+              <a:rPr lang="zh-CN" altLang="en-US" sz="900" dirty="0">
                 <a:solidFill>
                   <a:srgbClr val="231F20"/>
                 </a:solidFill>
@@ -8571,7 +8654,7 @@
               <a:t> </a:t>
             </a:r>
             <a:r>
-              <a:rPr sz="800" dirty="0">
+              <a:rPr sz="900" dirty="0">
                 <a:solidFill>
                   <a:srgbClr val="231F20"/>
                 </a:solidFill>
@@ -8582,7 +8665,7 @@
               <a:t>process on the host. In a container environment (right), applications run directly on the host, but within an isolated </a:t>
             </a:r>
             <a:r>
-              <a:rPr lang="en-US" altLang="zh-CN" sz="800" dirty="0">
+              <a:rPr lang="en-US" altLang="zh-CN" sz="900" dirty="0">
                 <a:solidFill>
                   <a:srgbClr val="231F20"/>
                 </a:solidFill>
@@ -8593,7 +8676,7 @@
               <a:t>"</a:t>
             </a:r>
             <a:r>
-              <a:rPr sz="800" dirty="0">
+              <a:rPr sz="900" dirty="0">
                 <a:solidFill>
                   <a:srgbClr val="231F20"/>
                 </a:solidFill>
@@ -8604,7 +8687,7 @@
               <a:t>container</a:t>
             </a:r>
             <a:r>
-              <a:rPr lang="en-US" altLang="zh-CN" sz="800" dirty="0">
+              <a:rPr lang="en-US" altLang="zh-CN" sz="900" dirty="0">
                 <a:solidFill>
                   <a:srgbClr val="231F20"/>
                 </a:solidFill>
@@ -8615,7 +8698,7 @@
               <a:t>"</a:t>
             </a:r>
             <a:r>
-              <a:rPr sz="800" dirty="0">
+              <a:rPr sz="900" dirty="0">
                 <a:solidFill>
                   <a:srgbClr val="231F20"/>
                 </a:solidFill>
@@ -8626,7 +8709,7 @@
               <a:t> with</a:t>
             </a:r>
             <a:r>
-              <a:rPr lang="zh-CN" altLang="en-US" sz="800" dirty="0">
+              <a:rPr lang="zh-CN" altLang="en-US" sz="900" dirty="0">
                 <a:solidFill>
                   <a:srgbClr val="231F20"/>
                 </a:solidFill>
@@ -8637,7 +8720,7 @@
               <a:t> </a:t>
             </a:r>
             <a:r>
-              <a:rPr sz="800" dirty="0">
+              <a:rPr sz="900" dirty="0">
                 <a:solidFill>
                   <a:srgbClr val="231F20"/>
                 </a:solidFill>
@@ -8647,7 +8730,7 @@
               </a:rPr>
               <a:t>dedicated resources.</a:t>
             </a:r>
-            <a:endParaRPr sz="800" dirty="0">
+            <a:endParaRPr sz="900" dirty="0">
               <a:latin typeface="Source Han Sans CN" panose="020B0500000000000000" pitchFamily="34" charset="-128"/>
               <a:ea typeface="Source Han Sans CN" panose="020B0500000000000000" pitchFamily="34" charset="-128"/>
               <a:cs typeface="Lucida Sans Unicode"/>
@@ -8663,7 +8746,7 @@
         </p:nvSpPr>
         <p:spPr>
           <a:xfrm>
-            <a:off x="1708179" y="6373086"/>
+            <a:off x="1864052" y="6172200"/>
             <a:ext cx="1236345" cy="244939"/>
           </a:xfrm>
           <a:prstGeom prst="rect">
@@ -8695,7 +8778,7 @@
               </a:rPr>
               <a:t>Applications</a:t>
             </a:r>
-            <a:endParaRPr sz="1500">
+            <a:endParaRPr sz="1500" dirty="0">
               <a:latin typeface="Source Han Sans CN" panose="020B0500000000000000" pitchFamily="34" charset="-128"/>
               <a:ea typeface="Source Han Sans CN" panose="020B0500000000000000" pitchFamily="34" charset="-128"/>
               <a:cs typeface="Verdana"/>
@@ -8709,10 +8792,16 @@
           <p:cNvGraphicFramePr>
             <a:graphicFrameLocks noGrp="1"/>
           </p:cNvGraphicFramePr>
-          <p:nvPr/>
+          <p:nvPr>
+            <p:extLst>
+              <p:ext uri="{D42A27DB-BD31-4B8C-83A1-F6EECF244321}">
+                <p14:modId xmlns:p14="http://schemas.microsoft.com/office/powerpoint/2010/main" val="1130688962"/>
+              </p:ext>
+            </p:extLst>
+          </p:nvPr>
         </p:nvGraphicFramePr>
         <p:xfrm>
-          <a:off x="1006170" y="6961213"/>
+          <a:off x="972344" y="6726895"/>
           <a:ext cx="2635884" cy="455295"/>
         </p:xfrm>
         <a:graphic>
@@ -9281,7 +9370,7 @@
         </p:nvSpPr>
         <p:spPr>
           <a:xfrm>
-            <a:off x="1006170" y="7468463"/>
+            <a:off x="972344" y="7234145"/>
             <a:ext cx="2640330" cy="330835"/>
           </a:xfrm>
           <a:custGeom>
@@ -9334,7 +9423,7 @@
         </p:nvGrpSpPr>
         <p:grpSpPr>
           <a:xfrm>
-            <a:off x="2968348" y="6507398"/>
+            <a:off x="2934522" y="6273080"/>
             <a:ext cx="567690" cy="454025"/>
             <a:chOff x="2968348" y="6507398"/>
             <a:chExt cx="567690" cy="454025"/>
@@ -9545,7 +9634,7 @@
         </p:nvGrpSpPr>
         <p:grpSpPr>
           <a:xfrm>
-            <a:off x="1116230" y="6507398"/>
+            <a:off x="1082404" y="6273080"/>
             <a:ext cx="586105" cy="454025"/>
             <a:chOff x="1116230" y="6507398"/>
             <a:chExt cx="586105" cy="454025"/>
@@ -9658,7 +9747,7 @@
         </p:nvSpPr>
         <p:spPr>
           <a:xfrm>
-            <a:off x="4772997" y="6373086"/>
+            <a:off x="4928870" y="6172200"/>
             <a:ext cx="1090930" cy="244939"/>
           </a:xfrm>
           <a:prstGeom prst="rect">
@@ -9704,10 +9793,16 @@
           <p:cNvGraphicFramePr>
             <a:graphicFrameLocks noGrp="1"/>
           </p:cNvGraphicFramePr>
-          <p:nvPr/>
+          <p:nvPr>
+            <p:extLst>
+              <p:ext uri="{D42A27DB-BD31-4B8C-83A1-F6EECF244321}">
+                <p14:modId xmlns:p14="http://schemas.microsoft.com/office/powerpoint/2010/main" val="2840258493"/>
+              </p:ext>
+            </p:extLst>
+          </p:nvPr>
         </p:nvGraphicFramePr>
         <p:xfrm>
-          <a:off x="3998353" y="7468463"/>
+          <a:off x="3964527" y="7234145"/>
           <a:ext cx="2640329" cy="330200"/>
         </p:xfrm>
         <a:graphic>
@@ -9889,7 +9984,7 @@
         </p:nvGrpSpPr>
         <p:grpSpPr>
           <a:xfrm>
-            <a:off x="3998353" y="6507150"/>
+            <a:off x="3964527" y="6272832"/>
             <a:ext cx="696595" cy="769620"/>
             <a:chOff x="3998353" y="6507150"/>
             <a:chExt cx="696595" cy="769620"/>
@@ -10055,7 +10150,7 @@
         </p:nvGrpSpPr>
         <p:grpSpPr>
           <a:xfrm>
-            <a:off x="5346534" y="6507150"/>
+            <a:off x="5312708" y="6272832"/>
             <a:ext cx="1181735" cy="769620"/>
             <a:chOff x="5346534" y="6507150"/>
             <a:chExt cx="1181735" cy="769620"/>
@@ -10221,7 +10316,7 @@
         </p:nvGrpSpPr>
         <p:grpSpPr>
           <a:xfrm>
-            <a:off x="4032147" y="6994146"/>
+            <a:off x="3998321" y="6759828"/>
             <a:ext cx="550545" cy="474345"/>
             <a:chOff x="4032147" y="6994146"/>
             <a:chExt cx="550545" cy="474345"/>
@@ -10313,7 +10408,7 @@
         </p:nvGrpSpPr>
         <p:grpSpPr>
           <a:xfrm>
-            <a:off x="5380330" y="6994146"/>
+            <a:off x="5346504" y="6759828"/>
             <a:ext cx="984885" cy="474345"/>
             <a:chOff x="5380330" y="6994146"/>
             <a:chExt cx="984885" cy="474345"/>
@@ -10425,10 +10520,16 @@
           <p:cNvGraphicFramePr>
             <a:graphicFrameLocks noGrp="1"/>
           </p:cNvGraphicFramePr>
-          <p:nvPr/>
+          <p:nvPr>
+            <p:extLst>
+              <p:ext uri="{D42A27DB-BD31-4B8C-83A1-F6EECF244321}">
+                <p14:modId xmlns:p14="http://schemas.microsoft.com/office/powerpoint/2010/main" val="4013923702"/>
+              </p:ext>
+            </p:extLst>
+          </p:nvPr>
         </p:nvGraphicFramePr>
         <p:xfrm>
-          <a:off x="3994715" y="6994146"/>
+          <a:off x="3960889" y="6759828"/>
           <a:ext cx="2603499" cy="241935"/>
         </p:xfrm>
         <a:graphic>
@@ -10702,7 +10803,7 @@
         </p:nvGrpSpPr>
         <p:grpSpPr>
           <a:xfrm>
-            <a:off x="4706237" y="6994146"/>
+            <a:off x="4672411" y="6759828"/>
             <a:ext cx="550545" cy="249554"/>
             <a:chOff x="4706237" y="6994146"/>
             <a:chExt cx="550545" cy="249554"/>
@@ -10833,7 +10934,7 @@
         </p:blipFill>
         <p:spPr>
           <a:xfrm>
-            <a:off x="4945701" y="7276578"/>
+            <a:off x="4911875" y="7042260"/>
             <a:ext cx="71056" cy="191888"/>
           </a:xfrm>
           <a:prstGeom prst="rect">
@@ -12776,15 +12877,15 @@
         </p:nvSpPr>
         <p:spPr>
           <a:xfrm>
-            <a:off x="942345" y="4940300"/>
-            <a:ext cx="2729230" cy="3699154"/>
+            <a:off x="838200" y="4869991"/>
+            <a:ext cx="6248400" cy="4162230"/>
           </a:xfrm>
           <a:prstGeom prst="rect">
             <a:avLst/>
           </a:prstGeom>
         </p:spPr>
         <p:txBody>
-          <a:bodyPr vert="horz" wrap="square" lIns="0" tIns="36830" rIns="0" bIns="0" rtlCol="0">
+          <a:bodyPr vert="horz" wrap="square" lIns="0" tIns="36830" rIns="0" bIns="0" numCol="2" spcCol="360000" rtlCol="0">
             <a:spAutoFit/>
           </a:bodyPr>
           <a:lstStyle/>
@@ -12798,18 +12899,39 @@
               </a:spcBef>
             </a:pPr>
             <a:r>
-              <a:rPr sz="1600" dirty="0">
-                <a:solidFill>
-                  <a:srgbClr val="003A36"/>
-                </a:solidFill>
-                <a:latin typeface="Source Han Sans CN" panose="020B0500000000000000" pitchFamily="34" charset="-128"/>
-                <a:ea typeface="Source Han Sans CN" panose="020B0500000000000000" pitchFamily="34" charset="-128"/>
-                <a:cs typeface="Lucida Sans Unicode"/>
-              </a:rPr>
-              <a:t>Inside SUSE Manager
-for retail</a:t>
-            </a:r>
-            <a:endParaRPr sz="1600" dirty="0">
+              <a:rPr sz="1600" b="1" dirty="0">
+                <a:solidFill>
+                  <a:srgbClr val="003A36"/>
+                </a:solidFill>
+                <a:latin typeface="Source Han Sans CN" panose="020B0500000000000000" pitchFamily="34" charset="-128"/>
+                <a:ea typeface="Source Han Sans CN" panose="020B0500000000000000" pitchFamily="34" charset="-128"/>
+                <a:cs typeface="Lucida Sans Unicode"/>
+              </a:rPr>
+              <a:t>Inside SUSE Manager</a:t>
+            </a:r>
+            <a:r>
+              <a:rPr lang="zh-CN" altLang="en-US" sz="1600" b="1" dirty="0">
+                <a:solidFill>
+                  <a:srgbClr val="003A36"/>
+                </a:solidFill>
+                <a:latin typeface="Source Han Sans CN" panose="020B0500000000000000" pitchFamily="34" charset="-128"/>
+                <a:ea typeface="Source Han Sans CN" panose="020B0500000000000000" pitchFamily="34" charset="-128"/>
+                <a:cs typeface="Lucida Sans Unicode"/>
+              </a:rPr>
+              <a:t> </a:t>
+            </a:r>
+            <a:r>
+              <a:rPr sz="1600" b="1" dirty="0">
+                <a:solidFill>
+                  <a:srgbClr val="003A36"/>
+                </a:solidFill>
+                <a:latin typeface="Source Han Sans CN" panose="020B0500000000000000" pitchFamily="34" charset="-128"/>
+                <a:ea typeface="Source Han Sans CN" panose="020B0500000000000000" pitchFamily="34" charset="-128"/>
+                <a:cs typeface="Lucida Sans Unicode"/>
+              </a:rPr>
+              <a:t>for retail</a:t>
+            </a:r>
+            <a:endParaRPr sz="1600" b="1" dirty="0">
               <a:latin typeface="Source Han Sans CN" panose="020B0500000000000000" pitchFamily="34" charset="-128"/>
               <a:ea typeface="Source Han Sans CN" panose="020B0500000000000000" pitchFamily="34" charset="-128"/>
               <a:cs typeface="Lucida Sans Unicode"/>
@@ -12825,7 +12947,7 @@
               </a:spcBef>
             </a:pPr>
             <a:r>
-              <a:rPr sz="1000" dirty="0">
+              <a:rPr sz="1100" dirty="0">
                 <a:solidFill>
                   <a:srgbClr val="003A36"/>
                 </a:solidFill>
@@ -12836,7 +12958,7 @@
               <a:t>SUSE Manager for Retail manages your</a:t>
             </a:r>
             <a:r>
-              <a:rPr lang="zh-CN" altLang="en-US" sz="1000" dirty="0">
+              <a:rPr lang="zh-CN" altLang="en-US" sz="1100" dirty="0">
                 <a:solidFill>
                   <a:srgbClr val="003A36"/>
                 </a:solidFill>
@@ -12847,7 +12969,7 @@
               <a:t> </a:t>
             </a:r>
             <a:r>
-              <a:rPr sz="1000" dirty="0">
+              <a:rPr sz="1100" dirty="0">
                 <a:solidFill>
                   <a:srgbClr val="003A36"/>
                 </a:solidFill>
@@ -12858,7 +12980,7 @@
               <a:t>retail devices from a single console – giving you a single point of control (Figure</a:t>
             </a:r>
             <a:r>
-              <a:rPr lang="zh-CN" altLang="en-US" sz="1000" dirty="0">
+              <a:rPr lang="zh-CN" altLang="en-US" sz="1100" dirty="0">
                 <a:solidFill>
                   <a:srgbClr val="003A36"/>
                 </a:solidFill>
@@ -12869,7 +12991,7 @@
               <a:t> </a:t>
             </a:r>
             <a:r>
-              <a:rPr sz="1000" dirty="0">
+              <a:rPr sz="1100" dirty="0">
                 <a:solidFill>
                   <a:srgbClr val="003A36"/>
                 </a:solidFill>
@@ -12880,7 +13002,7 @@
               <a:t>2). You can lock down security and monitor the health of your retail environment</a:t>
             </a:r>
             <a:r>
-              <a:rPr lang="zh-CN" altLang="en-US" sz="1000" dirty="0">
+              <a:rPr lang="zh-CN" altLang="en-US" sz="1100" dirty="0">
                 <a:solidFill>
                   <a:srgbClr val="003A36"/>
                 </a:solidFill>
@@ -12891,7 +13013,7 @@
               <a:t> </a:t>
             </a:r>
             <a:r>
-              <a:rPr sz="1000" dirty="0">
+              <a:rPr sz="1100" dirty="0">
                 <a:solidFill>
                   <a:srgbClr val="003A36"/>
                 </a:solidFill>
@@ -12902,7 +13024,7 @@
               <a:t>from a central location. SUSE Manager for</a:t>
             </a:r>
             <a:r>
-              <a:rPr lang="zh-CN" altLang="en-US" sz="1000" dirty="0">
+              <a:rPr lang="zh-CN" altLang="en-US" sz="1100" dirty="0">
                 <a:solidFill>
                   <a:srgbClr val="003A36"/>
                 </a:solidFill>
@@ -12913,7 +13035,7 @@
               <a:t> </a:t>
             </a:r>
             <a:r>
-              <a:rPr sz="1000" dirty="0">
+              <a:rPr sz="1100" dirty="0">
                 <a:solidFill>
                   <a:srgbClr val="003A36"/>
                 </a:solidFill>
@@ -12924,7 +13046,7 @@
               <a:t>Retail also provides lifecycle management, deploying new client systems and</a:t>
             </a:r>
             <a:r>
-              <a:rPr lang="zh-CN" altLang="en-US" sz="1000" dirty="0">
+              <a:rPr lang="zh-CN" altLang="en-US" sz="1100" dirty="0">
                 <a:solidFill>
                   <a:srgbClr val="003A36"/>
                 </a:solidFill>
@@ -12935,7 +13057,7 @@
               <a:t> </a:t>
             </a:r>
             <a:r>
-              <a:rPr sz="1000" dirty="0">
+              <a:rPr sz="1100" dirty="0">
                 <a:solidFill>
                   <a:srgbClr val="003A36"/>
                 </a:solidFill>
@@ -12946,7 +13068,7 @@
               <a:t>then managing and delivering updates</a:t>
             </a:r>
             <a:r>
-              <a:rPr lang="zh-CN" altLang="en-US" sz="1000" dirty="0">
+              <a:rPr lang="zh-CN" altLang="en-US" sz="1100" dirty="0">
                 <a:solidFill>
                   <a:srgbClr val="003A36"/>
                 </a:solidFill>
@@ -12957,7 +13079,7 @@
               <a:t> </a:t>
             </a:r>
             <a:r>
-              <a:rPr sz="1000" dirty="0">
+              <a:rPr sz="1100" dirty="0">
                 <a:solidFill>
                   <a:srgbClr val="003A36"/>
                 </a:solidFill>
@@ -12968,7 +13090,7 @@
               <a:t>to ensure the systems stay current with</a:t>
             </a:r>
             <a:r>
-              <a:rPr lang="zh-CN" altLang="en-US" sz="1000" dirty="0">
+              <a:rPr lang="zh-CN" altLang="en-US" sz="1100" dirty="0">
                 <a:solidFill>
                   <a:srgbClr val="003A36"/>
                 </a:solidFill>
@@ -12979,7 +13101,7 @@
               <a:t> </a:t>
             </a:r>
             <a:r>
-              <a:rPr sz="1000" dirty="0">
+              <a:rPr sz="1100" dirty="0">
                 <a:solidFill>
                   <a:srgbClr val="003A36"/>
                 </a:solidFill>
@@ -12990,7 +13112,7 @@
               <a:t>bug fixes and security patches. Another</a:t>
             </a:r>
             <a:r>
-              <a:rPr lang="zh-CN" altLang="en-US" sz="1000" dirty="0">
+              <a:rPr lang="zh-CN" altLang="en-US" sz="1100" dirty="0">
                 <a:solidFill>
                   <a:srgbClr val="003A36"/>
                 </a:solidFill>
@@ -13001,7 +13123,7 @@
               <a:t> </a:t>
             </a:r>
             <a:r>
-              <a:rPr sz="1000" dirty="0">
+              <a:rPr sz="1100" dirty="0">
                 <a:solidFill>
                   <a:srgbClr val="003A36"/>
                 </a:solidFill>
@@ -13012,7 +13134,7 @@
               <a:t>benefit is that SUSE Manager for Retail</a:t>
             </a:r>
             <a:r>
-              <a:rPr lang="zh-CN" altLang="en-US" sz="1000" dirty="0">
+              <a:rPr lang="zh-CN" altLang="en-US" sz="1100" dirty="0">
                 <a:solidFill>
                   <a:srgbClr val="003A36"/>
                 </a:solidFill>
@@ -13023,7 +13145,7 @@
               <a:t> </a:t>
             </a:r>
             <a:r>
-              <a:rPr sz="1000" dirty="0">
+              <a:rPr sz="1100" dirty="0">
                 <a:solidFill>
                   <a:srgbClr val="003A36"/>
                 </a:solidFill>
@@ -13034,7 +13156,7 @@
               <a:t>enforces compliance, checking for</a:t>
             </a:r>
             <a:r>
-              <a:rPr lang="zh-CN" altLang="en-US" sz="1000" dirty="0">
+              <a:rPr lang="zh-CN" altLang="en-US" sz="1100" dirty="0">
                 <a:solidFill>
                   <a:srgbClr val="003A36"/>
                 </a:solidFill>
@@ -13045,7 +13167,7 @@
               <a:t> </a:t>
             </a:r>
             <a:r>
-              <a:rPr sz="1000" dirty="0">
+              <a:rPr sz="1100" dirty="0">
                 <a:solidFill>
                   <a:srgbClr val="003A36"/>
                 </a:solidFill>
@@ -13056,7 +13178,7 @@
               <a:t>unauthorized changes that could lead to</a:t>
             </a:r>
             <a:r>
-              <a:rPr lang="zh-CN" altLang="en-US" sz="1000" dirty="0">
+              <a:rPr lang="zh-CN" altLang="en-US" sz="1100" dirty="0">
                 <a:solidFill>
                   <a:srgbClr val="003A36"/>
                 </a:solidFill>
@@ -13067,7 +13189,7 @@
               <a:t> </a:t>
             </a:r>
             <a:r>
-              <a:rPr sz="1000" dirty="0">
+              <a:rPr sz="1100" dirty="0">
                 <a:solidFill>
                   <a:srgbClr val="003A36"/>
                 </a:solidFill>
@@ -13077,7 +13199,144 @@
               </a:rPr>
               <a:t>security issues or operational errors.</a:t>
             </a:r>
-            <a:endParaRPr sz="1000" dirty="0">
+            <a:endParaRPr sz="1100" dirty="0">
+              <a:latin typeface="Source Han Sans CN" panose="020B0500000000000000" pitchFamily="34" charset="-128"/>
+              <a:ea typeface="Source Han Sans CN" panose="020B0500000000000000" pitchFamily="34" charset="-128"/>
+              <a:cs typeface="Lucida Sans Unicode"/>
+            </a:endParaRPr>
+          </a:p>
+          <a:p>
+            <a:pPr marL="12700" marR="5080">
+              <a:lnSpc>
+                <a:spcPct val="116700"/>
+              </a:lnSpc>
+              <a:spcBef>
+                <a:spcPts val="100"/>
+              </a:spcBef>
+            </a:pPr>
+            <a:r>
+              <a:rPr sz="1100" dirty="0">
+                <a:solidFill>
+                  <a:srgbClr val="003A36"/>
+                </a:solidFill>
+                <a:latin typeface="Source Han Sans CN" panose="020B0500000000000000" pitchFamily="34" charset="-128"/>
+                <a:ea typeface="Source Han Sans CN" panose="020B0500000000000000" pitchFamily="34" charset="-128"/>
+                <a:cs typeface="Lucida Sans Unicode"/>
+              </a:rPr>
+              <a:t>SUSE Manager for Retail uses salt to automate installation and remote execution</a:t>
+            </a:r>
+            <a:r>
+              <a:rPr lang="zh-CN" altLang="en-US" sz="1100" dirty="0">
+                <a:solidFill>
+                  <a:srgbClr val="003A36"/>
+                </a:solidFill>
+                <a:latin typeface="Source Han Sans CN" panose="020B0500000000000000" pitchFamily="34" charset="-128"/>
+                <a:ea typeface="Source Han Sans CN" panose="020B0500000000000000" pitchFamily="34" charset="-128"/>
+                <a:cs typeface="Lucida Sans Unicode"/>
+              </a:rPr>
+              <a:t> </a:t>
+            </a:r>
+            <a:r>
+              <a:rPr sz="1100" dirty="0">
+                <a:solidFill>
+                  <a:srgbClr val="003A36"/>
+                </a:solidFill>
+                <a:latin typeface="Source Han Sans CN" panose="020B0500000000000000" pitchFamily="34" charset="-128"/>
+                <a:ea typeface="Source Han Sans CN" panose="020B0500000000000000" pitchFamily="34" charset="-128"/>
+                <a:cs typeface="Lucida Sans Unicode"/>
+              </a:rPr>
+              <a:t>for updates and configuration changes.</a:t>
+            </a:r>
+            <a:r>
+              <a:rPr lang="zh-CN" altLang="en-US" sz="1100" dirty="0">
+                <a:solidFill>
+                  <a:srgbClr val="003A36"/>
+                </a:solidFill>
+                <a:latin typeface="Source Han Sans CN" panose="020B0500000000000000" pitchFamily="34" charset="-128"/>
+                <a:ea typeface="Source Han Sans CN" panose="020B0500000000000000" pitchFamily="34" charset="-128"/>
+                <a:cs typeface="Lucida Sans Unicode"/>
+              </a:rPr>
+              <a:t> </a:t>
+            </a:r>
+            <a:r>
+              <a:rPr lang="en" altLang="zh-CN" sz="1100" dirty="0">
+                <a:solidFill>
+                  <a:srgbClr val="003A36"/>
+                </a:solidFill>
+                <a:latin typeface="Source Han Sans CN" panose="020B0500000000000000" pitchFamily="34" charset="-128"/>
+                <a:ea typeface="Source Han Sans CN" panose="020B0500000000000000" pitchFamily="34" charset="-128"/>
+                <a:cs typeface="Lucida Sans Unicode"/>
+              </a:rPr>
+              <a:t>Define the configuration and salt will carry out the necessary steps. Declarative configuration with salt improves uniformity,   which helps to reduce errors and prevent unseen security problems. You can predefine configurations for specific roles, build in best practices, and avoid reinventing the wheel every time you roll out a system or install an update.</a:t>
+            </a:r>
+            <a:endParaRPr lang="en" altLang="zh-CN" sz="1100" dirty="0">
+              <a:latin typeface="Source Han Sans CN" panose="020B0500000000000000" pitchFamily="34" charset="-128"/>
+              <a:ea typeface="Source Han Sans CN" panose="020B0500000000000000" pitchFamily="34" charset="-128"/>
+              <a:cs typeface="Lucida Sans Unicode"/>
+            </a:endParaRPr>
+          </a:p>
+          <a:p>
+            <a:pPr marL="12700" marR="49530">
+              <a:lnSpc>
+                <a:spcPct val="116700"/>
+              </a:lnSpc>
+              <a:spcBef>
+                <a:spcPts val="700"/>
+              </a:spcBef>
+            </a:pPr>
+            <a:r>
+              <a:rPr lang="en" altLang="zh-CN" sz="1100" dirty="0">
+                <a:solidFill>
+                  <a:srgbClr val="003A36"/>
+                </a:solidFill>
+                <a:latin typeface="Source Han Sans CN" panose="020B0500000000000000" pitchFamily="34" charset="-128"/>
+                <a:ea typeface="Source Han Sans CN" panose="020B0500000000000000" pitchFamily="34" charset="-128"/>
+                <a:cs typeface="Lucida Sans Unicode"/>
+              </a:rPr>
+              <a:t>Part of the power of SUSE Manager is its ability to adapt to your infrastructure as </a:t>
+            </a:r>
+            <a:r>
+              <a:rPr lang="en" altLang="zh-CN" sz="1100" i="1" dirty="0">
+                <a:solidFill>
+                  <a:srgbClr val="003A36"/>
+                </a:solidFill>
+                <a:latin typeface="Source Han Sans CN" panose="020B0500000000000000" pitchFamily="34" charset="-128"/>
+                <a:ea typeface="Source Han Sans CN" panose="020B0500000000000000" pitchFamily="34" charset="-128"/>
+                <a:cs typeface="Century Gothic"/>
+              </a:rPr>
+              <a:t>it is right now</a:t>
+            </a:r>
+            <a:r>
+              <a:rPr lang="en" altLang="zh-CN" sz="1100" dirty="0">
+                <a:solidFill>
+                  <a:srgbClr val="003A36"/>
+                </a:solidFill>
+                <a:latin typeface="Source Han Sans CN" panose="020B0500000000000000" pitchFamily="34" charset="-128"/>
+                <a:ea typeface="Source Han Sans CN" panose="020B0500000000000000" pitchFamily="34" charset="-128"/>
+                <a:cs typeface="Lucida Sans Unicode"/>
+              </a:rPr>
+              <a:t>. You can use SUSE Manager for Retail to manage an eclectic assortment of POS terminals, kiosks, self-service devices, and reverse-vending systems.</a:t>
+            </a:r>
+            <a:r>
+              <a:rPr lang="en" altLang="zh-CN" sz="1100" dirty="0">
+                <a:latin typeface="Source Han Sans CN" panose="020B0500000000000000" pitchFamily="34" charset="-128"/>
+                <a:ea typeface="Source Han Sans CN" panose="020B0500000000000000" pitchFamily="34" charset="-128"/>
+                <a:cs typeface="Lucida Sans Unicode"/>
+              </a:rPr>
+              <a:t> </a:t>
+            </a:r>
+            <a:r>
+              <a:rPr lang="en" altLang="zh-CN" sz="1100" dirty="0">
+                <a:solidFill>
+                  <a:srgbClr val="003A36"/>
+                </a:solidFill>
+                <a:latin typeface="Source Han Sans CN" panose="020B0500000000000000" pitchFamily="34" charset="-128"/>
+                <a:ea typeface="Source Han Sans CN" panose="020B0500000000000000" pitchFamily="34" charset="-128"/>
+                <a:cs typeface="Lucida Sans Unicode"/>
+              </a:rPr>
+              <a:t>SUSE Manager supports client systems running on bare hardware, in a VM environment, or in a containerized setting. Both UEFI and legacy BIOS-based systems are supported. </a:t>
+            </a:r>
+            <a:endParaRPr lang="en" altLang="zh-CN" sz="1100" dirty="0">
               <a:latin typeface="Source Han Sans CN" panose="020B0500000000000000" pitchFamily="34" charset="-128"/>
               <a:ea typeface="Source Han Sans CN" panose="020B0500000000000000" pitchFamily="34" charset="-128"/>
               <a:cs typeface="Lucida Sans Unicode"/>
@@ -13092,40 +13351,7 @@
                 <a:spcPts val="700"/>
               </a:spcBef>
             </a:pPr>
-            <a:r>
-              <a:rPr sz="1000" dirty="0">
-                <a:solidFill>
-                  <a:srgbClr val="003A36"/>
-                </a:solidFill>
-                <a:latin typeface="Source Han Sans CN" panose="020B0500000000000000" pitchFamily="34" charset="-128"/>
-                <a:ea typeface="Source Han Sans CN" panose="020B0500000000000000" pitchFamily="34" charset="-128"/>
-                <a:cs typeface="Lucida Sans Unicode"/>
-              </a:rPr>
-              <a:t>SUSE Manager for Retail uses salt to automate installation and remote execution</a:t>
-            </a:r>
-            <a:r>
-              <a:rPr lang="zh-CN" altLang="en-US" sz="1000" dirty="0">
-                <a:solidFill>
-                  <a:srgbClr val="003A36"/>
-                </a:solidFill>
-                <a:latin typeface="Source Han Sans CN" panose="020B0500000000000000" pitchFamily="34" charset="-128"/>
-                <a:ea typeface="Source Han Sans CN" panose="020B0500000000000000" pitchFamily="34" charset="-128"/>
-                <a:cs typeface="Lucida Sans Unicode"/>
-              </a:rPr>
-              <a:t> </a:t>
-            </a:r>
-            <a:r>
-              <a:rPr sz="1000" dirty="0">
-                <a:solidFill>
-                  <a:srgbClr val="003A36"/>
-                </a:solidFill>
-                <a:latin typeface="Source Han Sans CN" panose="020B0500000000000000" pitchFamily="34" charset="-128"/>
-                <a:ea typeface="Source Han Sans CN" panose="020B0500000000000000" pitchFamily="34" charset="-128"/>
-                <a:cs typeface="Lucida Sans Unicode"/>
-              </a:rPr>
-              <a:t>for updates and configuration changes.</a:t>
-            </a:r>
-            <a:endParaRPr sz="1000" dirty="0">
+            <a:endParaRPr sz="1100" dirty="0">
               <a:latin typeface="Source Han Sans CN" panose="020B0500000000000000" pitchFamily="34" charset="-128"/>
               <a:ea typeface="Source Han Sans CN" panose="020B0500000000000000" pitchFamily="34" charset="-128"/>
               <a:cs typeface="Lucida Sans Unicode"/>
@@ -13142,7 +13368,7 @@
         <p:spPr>
           <a:xfrm>
             <a:off x="942339" y="4221479"/>
-            <a:ext cx="5814060" cy="433324"/>
+            <a:ext cx="5814060" cy="485967"/>
           </a:xfrm>
           <a:prstGeom prst="rect">
             <a:avLst/>
@@ -13163,7 +13389,7 @@
               </a:spcBef>
             </a:pPr>
             <a:r>
-              <a:rPr sz="800" dirty="0">
+              <a:rPr sz="900" dirty="0">
                 <a:solidFill>
                   <a:srgbClr val="231F20"/>
                 </a:solidFill>
@@ -13174,7 +13400,7 @@
               <a:t>Figure 2: SUSE Manager for Retail offers lifecycle management, automated configuration, and compliance</a:t>
             </a:r>
             <a:r>
-              <a:rPr lang="zh-CN" altLang="en-US" sz="800" dirty="0">
+              <a:rPr lang="zh-CN" altLang="en-US" sz="900" dirty="0">
                 <a:solidFill>
                   <a:srgbClr val="231F20"/>
                 </a:solidFill>
@@ -13185,7 +13411,7 @@
               <a:t> </a:t>
             </a:r>
             <a:r>
-              <a:rPr sz="800" dirty="0">
+              <a:rPr sz="900" dirty="0">
                 <a:solidFill>
                   <a:srgbClr val="231F20"/>
                 </a:solidFill>
@@ -13196,7 +13422,7 @@
               <a:t>monitoring for POS devices. Your retail network can consist of a single branch office, or it can scale to thousands</a:t>
             </a:r>
             <a:r>
-              <a:rPr lang="zh-CN" altLang="en-US" sz="800" dirty="0">
+              <a:rPr lang="zh-CN" altLang="en-US" sz="900" dirty="0">
                 <a:solidFill>
                   <a:srgbClr val="231F20"/>
                 </a:solidFill>
@@ -13207,7 +13433,7 @@
               <a:t> </a:t>
             </a:r>
             <a:r>
-              <a:rPr sz="800" dirty="0">
+              <a:rPr sz="900" dirty="0">
                 <a:solidFill>
                   <a:srgbClr val="231F20"/>
                 </a:solidFill>
@@ -13218,7 +13444,7 @@
               <a:t>of</a:t>
             </a:r>
             <a:r>
-              <a:rPr lang="zh-CN" altLang="en-US" sz="800" dirty="0">
+              <a:rPr lang="zh-CN" altLang="en-US" sz="900" dirty="0">
                 <a:solidFill>
                   <a:srgbClr val="231F20"/>
                 </a:solidFill>
@@ -13229,7 +13455,7 @@
               <a:t> </a:t>
             </a:r>
             <a:r>
-              <a:rPr sz="800" dirty="0">
+              <a:rPr sz="900" dirty="0">
                 <a:solidFill>
                   <a:srgbClr val="231F20"/>
                 </a:solidFill>
@@ -13239,7 +13465,7 @@
               </a:rPr>
               <a:t>nodes in multiple locations.</a:t>
             </a:r>
-            <a:endParaRPr sz="800" dirty="0">
+            <a:endParaRPr sz="900" dirty="0">
               <a:latin typeface="Source Han Sans CN" panose="020B0500000000000000" pitchFamily="34" charset="-128"/>
               <a:ea typeface="Source Han Sans CN" panose="020B0500000000000000" pitchFamily="34" charset="-128"/>
               <a:cs typeface="Lucida Sans Unicode"/>
@@ -16495,8 +16721,8 @@
         </p:nvSpPr>
         <p:spPr>
           <a:xfrm>
-            <a:off x="5296696" y="1563862"/>
-            <a:ext cx="1043940" cy="362279"/>
+            <a:off x="5087130" y="1646381"/>
+            <a:ext cx="1410181" cy="182742"/>
           </a:xfrm>
           <a:prstGeom prst="rect">
             <a:avLst/>
@@ -16525,10 +16751,31 @@
                 <a:ea typeface="Source Han Sans CN" panose="020B0500000000000000" pitchFamily="34" charset="-128"/>
                 <a:cs typeface="Century Gothic"/>
               </a:rPr>
-              <a:t>SUSE Manager
-Server</a:t>
-            </a:r>
-            <a:endParaRPr sz="1100">
+              <a:t>SUSE Manager</a:t>
+            </a:r>
+            <a:r>
+              <a:rPr lang="zh-CN" altLang="en-US" sz="1100" dirty="0">
+                <a:solidFill>
+                  <a:srgbClr val="FFFFFF"/>
+                </a:solidFill>
+                <a:latin typeface="Source Han Sans CN" panose="020B0500000000000000" pitchFamily="34" charset="-128"/>
+                <a:ea typeface="Source Han Sans CN" panose="020B0500000000000000" pitchFamily="34" charset="-128"/>
+                <a:cs typeface="Century Gothic"/>
+              </a:rPr>
+              <a:t> </a:t>
+            </a:r>
+            <a:r>
+              <a:rPr sz="1100" dirty="0">
+                <a:solidFill>
+                  <a:srgbClr val="FFFFFF"/>
+                </a:solidFill>
+                <a:latin typeface="Source Han Sans CN" panose="020B0500000000000000" pitchFamily="34" charset="-128"/>
+                <a:ea typeface="Source Han Sans CN" panose="020B0500000000000000" pitchFamily="34" charset="-128"/>
+                <a:cs typeface="Century Gothic"/>
+              </a:rPr>
+              <a:t>Server</a:t>
+            </a:r>
+            <a:endParaRPr sz="1100" dirty="0">
               <a:latin typeface="Source Han Sans CN" panose="020B0500000000000000" pitchFamily="34" charset="-128"/>
               <a:ea typeface="Source Han Sans CN" panose="020B0500000000000000" pitchFamily="34" charset="-128"/>
               <a:cs typeface="Century Gothic"/>
@@ -16999,7 +17246,7 @@
         <p:spPr>
           <a:xfrm>
             <a:off x="2230741" y="2148148"/>
-            <a:ext cx="1452245" cy="362279"/>
+            <a:ext cx="1452245" cy="336631"/>
           </a:xfrm>
           <a:prstGeom prst="rect">
             <a:avLst/>
@@ -17028,10 +17275,31 @@
                 <a:ea typeface="Source Han Sans CN" panose="020B0500000000000000" pitchFamily="34" charset="-128"/>
                 <a:cs typeface="Century Gothic"/>
               </a:rPr>
-              <a:t>SUSE Manager for
-Retail Branch Server</a:t>
-            </a:r>
-            <a:endParaRPr sz="1100">
+              <a:t>SUSE Manager for</a:t>
+            </a:r>
+            <a:r>
+              <a:rPr lang="zh-CN" altLang="en-US" sz="1100" dirty="0">
+                <a:solidFill>
+                  <a:srgbClr val="FFFFFF"/>
+                </a:solidFill>
+                <a:latin typeface="Source Han Sans CN" panose="020B0500000000000000" pitchFamily="34" charset="-128"/>
+                <a:ea typeface="Source Han Sans CN" panose="020B0500000000000000" pitchFamily="34" charset="-128"/>
+                <a:cs typeface="Century Gothic"/>
+              </a:rPr>
+              <a:t> </a:t>
+            </a:r>
+            <a:r>
+              <a:rPr sz="1100" dirty="0">
+                <a:solidFill>
+                  <a:srgbClr val="FFFFFF"/>
+                </a:solidFill>
+                <a:latin typeface="Source Han Sans CN" panose="020B0500000000000000" pitchFamily="34" charset="-128"/>
+                <a:ea typeface="Source Han Sans CN" panose="020B0500000000000000" pitchFamily="34" charset="-128"/>
+                <a:cs typeface="Century Gothic"/>
+              </a:rPr>
+              <a:t>Retail Branch Server</a:t>
+            </a:r>
+            <a:endParaRPr sz="1100" dirty="0">
               <a:latin typeface="Source Han Sans CN" panose="020B0500000000000000" pitchFamily="34" charset="-128"/>
               <a:ea typeface="Source Han Sans CN" panose="020B0500000000000000" pitchFamily="34" charset="-128"/>
               <a:cs typeface="Century Gothic"/>
@@ -17152,444 +17420,6 @@
           </p:txBody>
         </p:sp>
       </p:grpSp>
-      <p:sp>
-        <p:nvSpPr>
-          <p:cNvPr id="78" name="object 78"/>
-          <p:cNvSpPr txBox="1"/>
-          <p:nvPr/>
-        </p:nvSpPr>
-        <p:spPr>
-          <a:xfrm>
-            <a:off x="4095744" y="4902200"/>
-            <a:ext cx="2736215" cy="3689151"/>
-          </a:xfrm>
-          <a:prstGeom prst="rect">
-            <a:avLst/>
-          </a:prstGeom>
-        </p:spPr>
-        <p:txBody>
-          <a:bodyPr vert="horz" wrap="square" lIns="0" tIns="12700" rIns="0" bIns="0" rtlCol="0">
-            <a:spAutoFit/>
-          </a:bodyPr>
-          <a:lstStyle/>
-          <a:p>
-            <a:pPr marL="12700" marR="5080">
-              <a:lnSpc>
-                <a:spcPct val="116700"/>
-              </a:lnSpc>
-              <a:spcBef>
-                <a:spcPts val="100"/>
-              </a:spcBef>
-            </a:pPr>
-            <a:r>
-              <a:rPr sz="1000" dirty="0">
-                <a:solidFill>
-                  <a:srgbClr val="003A36"/>
-                </a:solidFill>
-                <a:latin typeface="Source Han Sans CN" panose="020B0500000000000000" pitchFamily="34" charset="-128"/>
-                <a:ea typeface="Source Han Sans CN" panose="020B0500000000000000" pitchFamily="34" charset="-128"/>
-                <a:cs typeface="Lucida Sans Unicode"/>
-              </a:rPr>
-              <a:t>Define the configuration and salt will</a:t>
-            </a:r>
-            <a:r>
-              <a:rPr lang="zh-CN" altLang="en-US" sz="1000" dirty="0">
-                <a:solidFill>
-                  <a:srgbClr val="003A36"/>
-                </a:solidFill>
-                <a:latin typeface="Source Han Sans CN" panose="020B0500000000000000" pitchFamily="34" charset="-128"/>
-                <a:ea typeface="Source Han Sans CN" panose="020B0500000000000000" pitchFamily="34" charset="-128"/>
-                <a:cs typeface="Lucida Sans Unicode"/>
-              </a:rPr>
-              <a:t> </a:t>
-            </a:r>
-            <a:r>
-              <a:rPr sz="1000" dirty="0">
-                <a:solidFill>
-                  <a:srgbClr val="003A36"/>
-                </a:solidFill>
-                <a:latin typeface="Source Han Sans CN" panose="020B0500000000000000" pitchFamily="34" charset="-128"/>
-                <a:ea typeface="Source Han Sans CN" panose="020B0500000000000000" pitchFamily="34" charset="-128"/>
-                <a:cs typeface="Lucida Sans Unicode"/>
-              </a:rPr>
-              <a:t>carry out the necessary steps. Declarative</a:t>
-            </a:r>
-            <a:r>
-              <a:rPr lang="zh-CN" altLang="en-US" sz="1000" dirty="0">
-                <a:solidFill>
-                  <a:srgbClr val="003A36"/>
-                </a:solidFill>
-                <a:latin typeface="Source Han Sans CN" panose="020B0500000000000000" pitchFamily="34" charset="-128"/>
-                <a:ea typeface="Source Han Sans CN" panose="020B0500000000000000" pitchFamily="34" charset="-128"/>
-                <a:cs typeface="Lucida Sans Unicode"/>
-              </a:rPr>
-              <a:t> </a:t>
-            </a:r>
-            <a:r>
-              <a:rPr sz="1000" dirty="0">
-                <a:solidFill>
-                  <a:srgbClr val="003A36"/>
-                </a:solidFill>
-                <a:latin typeface="Source Han Sans CN" panose="020B0500000000000000" pitchFamily="34" charset="-128"/>
-                <a:ea typeface="Source Han Sans CN" panose="020B0500000000000000" pitchFamily="34" charset="-128"/>
-                <a:cs typeface="Lucida Sans Unicode"/>
-              </a:rPr>
-              <a:t>configuration with salt improves uniformity,   which helps to reduce errors and</a:t>
-            </a:r>
-            <a:r>
-              <a:rPr lang="zh-CN" altLang="en-US" sz="1000" dirty="0">
-                <a:solidFill>
-                  <a:srgbClr val="003A36"/>
-                </a:solidFill>
-                <a:latin typeface="Source Han Sans CN" panose="020B0500000000000000" pitchFamily="34" charset="-128"/>
-                <a:ea typeface="Source Han Sans CN" panose="020B0500000000000000" pitchFamily="34" charset="-128"/>
-                <a:cs typeface="Lucida Sans Unicode"/>
-              </a:rPr>
-              <a:t> </a:t>
-            </a:r>
-            <a:r>
-              <a:rPr sz="1000" dirty="0">
-                <a:solidFill>
-                  <a:srgbClr val="003A36"/>
-                </a:solidFill>
-                <a:latin typeface="Source Han Sans CN" panose="020B0500000000000000" pitchFamily="34" charset="-128"/>
-                <a:ea typeface="Source Han Sans CN" panose="020B0500000000000000" pitchFamily="34" charset="-128"/>
-                <a:cs typeface="Lucida Sans Unicode"/>
-              </a:rPr>
-              <a:t>prevent unseen security problems. You</a:t>
-            </a:r>
-            <a:r>
-              <a:rPr lang="zh-CN" altLang="en-US" sz="1000" dirty="0">
-                <a:solidFill>
-                  <a:srgbClr val="003A36"/>
-                </a:solidFill>
-                <a:latin typeface="Source Han Sans CN" panose="020B0500000000000000" pitchFamily="34" charset="-128"/>
-                <a:ea typeface="Source Han Sans CN" panose="020B0500000000000000" pitchFamily="34" charset="-128"/>
-                <a:cs typeface="Lucida Sans Unicode"/>
-              </a:rPr>
-              <a:t> </a:t>
-            </a:r>
-            <a:r>
-              <a:rPr sz="1000" dirty="0">
-                <a:solidFill>
-                  <a:srgbClr val="003A36"/>
-                </a:solidFill>
-                <a:latin typeface="Source Han Sans CN" panose="020B0500000000000000" pitchFamily="34" charset="-128"/>
-                <a:ea typeface="Source Han Sans CN" panose="020B0500000000000000" pitchFamily="34" charset="-128"/>
-                <a:cs typeface="Lucida Sans Unicode"/>
-              </a:rPr>
-              <a:t>can predefine configurations for specific</a:t>
-            </a:r>
-            <a:r>
-              <a:rPr lang="zh-CN" altLang="en-US" sz="1000" dirty="0">
-                <a:solidFill>
-                  <a:srgbClr val="003A36"/>
-                </a:solidFill>
-                <a:latin typeface="Source Han Sans CN" panose="020B0500000000000000" pitchFamily="34" charset="-128"/>
-                <a:ea typeface="Source Han Sans CN" panose="020B0500000000000000" pitchFamily="34" charset="-128"/>
-                <a:cs typeface="Lucida Sans Unicode"/>
-              </a:rPr>
-              <a:t> </a:t>
-            </a:r>
-            <a:r>
-              <a:rPr sz="1000" dirty="0">
-                <a:solidFill>
-                  <a:srgbClr val="003A36"/>
-                </a:solidFill>
-                <a:latin typeface="Source Han Sans CN" panose="020B0500000000000000" pitchFamily="34" charset="-128"/>
-                <a:ea typeface="Source Han Sans CN" panose="020B0500000000000000" pitchFamily="34" charset="-128"/>
-                <a:cs typeface="Lucida Sans Unicode"/>
-              </a:rPr>
-              <a:t>roles, build in best practices, and avoid</a:t>
-            </a:r>
-            <a:r>
-              <a:rPr lang="zh-CN" altLang="en-US" sz="1000" dirty="0">
-                <a:solidFill>
-                  <a:srgbClr val="003A36"/>
-                </a:solidFill>
-                <a:latin typeface="Source Han Sans CN" panose="020B0500000000000000" pitchFamily="34" charset="-128"/>
-                <a:ea typeface="Source Han Sans CN" panose="020B0500000000000000" pitchFamily="34" charset="-128"/>
-                <a:cs typeface="Lucida Sans Unicode"/>
-              </a:rPr>
-              <a:t> </a:t>
-            </a:r>
-            <a:r>
-              <a:rPr sz="1000" dirty="0">
-                <a:solidFill>
-                  <a:srgbClr val="003A36"/>
-                </a:solidFill>
-                <a:latin typeface="Source Han Sans CN" panose="020B0500000000000000" pitchFamily="34" charset="-128"/>
-                <a:ea typeface="Source Han Sans CN" panose="020B0500000000000000" pitchFamily="34" charset="-128"/>
-                <a:cs typeface="Lucida Sans Unicode"/>
-              </a:rPr>
-              <a:t>reinventing the wheel every time you roll</a:t>
-            </a:r>
-            <a:r>
-              <a:rPr lang="zh-CN" altLang="en-US" sz="1000" dirty="0">
-                <a:solidFill>
-                  <a:srgbClr val="003A36"/>
-                </a:solidFill>
-                <a:latin typeface="Source Han Sans CN" panose="020B0500000000000000" pitchFamily="34" charset="-128"/>
-                <a:ea typeface="Source Han Sans CN" panose="020B0500000000000000" pitchFamily="34" charset="-128"/>
-                <a:cs typeface="Lucida Sans Unicode"/>
-              </a:rPr>
-              <a:t> </a:t>
-            </a:r>
-            <a:r>
-              <a:rPr sz="1000" dirty="0">
-                <a:solidFill>
-                  <a:srgbClr val="003A36"/>
-                </a:solidFill>
-                <a:latin typeface="Source Han Sans CN" panose="020B0500000000000000" pitchFamily="34" charset="-128"/>
-                <a:ea typeface="Source Han Sans CN" panose="020B0500000000000000" pitchFamily="34" charset="-128"/>
-                <a:cs typeface="Lucida Sans Unicode"/>
-              </a:rPr>
-              <a:t>out</a:t>
-            </a:r>
-            <a:r>
-              <a:rPr lang="zh-CN" altLang="en-US" sz="1000" dirty="0">
-                <a:solidFill>
-                  <a:srgbClr val="003A36"/>
-                </a:solidFill>
-                <a:latin typeface="Source Han Sans CN" panose="020B0500000000000000" pitchFamily="34" charset="-128"/>
-                <a:ea typeface="Source Han Sans CN" panose="020B0500000000000000" pitchFamily="34" charset="-128"/>
-                <a:cs typeface="Lucida Sans Unicode"/>
-              </a:rPr>
-              <a:t> </a:t>
-            </a:r>
-            <a:r>
-              <a:rPr sz="1000" dirty="0">
-                <a:solidFill>
-                  <a:srgbClr val="003A36"/>
-                </a:solidFill>
-                <a:latin typeface="Source Han Sans CN" panose="020B0500000000000000" pitchFamily="34" charset="-128"/>
-                <a:ea typeface="Source Han Sans CN" panose="020B0500000000000000" pitchFamily="34" charset="-128"/>
-                <a:cs typeface="Lucida Sans Unicode"/>
-              </a:rPr>
-              <a:t>a system or install an update.</a:t>
-            </a:r>
-            <a:endParaRPr sz="1000" dirty="0">
-              <a:latin typeface="Source Han Sans CN" panose="020B0500000000000000" pitchFamily="34" charset="-128"/>
-              <a:ea typeface="Source Han Sans CN" panose="020B0500000000000000" pitchFamily="34" charset="-128"/>
-              <a:cs typeface="Lucida Sans Unicode"/>
-            </a:endParaRPr>
-          </a:p>
-          <a:p>
-            <a:pPr marL="12700" marR="49530">
-              <a:lnSpc>
-                <a:spcPct val="116700"/>
-              </a:lnSpc>
-              <a:spcBef>
-                <a:spcPts val="700"/>
-              </a:spcBef>
-            </a:pPr>
-            <a:r>
-              <a:rPr sz="1000" dirty="0">
-                <a:solidFill>
-                  <a:srgbClr val="003A36"/>
-                </a:solidFill>
-                <a:latin typeface="Source Han Sans CN" panose="020B0500000000000000" pitchFamily="34" charset="-128"/>
-                <a:ea typeface="Source Han Sans CN" panose="020B0500000000000000" pitchFamily="34" charset="-128"/>
-                <a:cs typeface="Lucida Sans Unicode"/>
-              </a:rPr>
-              <a:t>Part of the power of SUSE Manager is its</a:t>
-            </a:r>
-            <a:r>
-              <a:rPr lang="zh-CN" altLang="en-US" sz="1000" dirty="0">
-                <a:solidFill>
-                  <a:srgbClr val="003A36"/>
-                </a:solidFill>
-                <a:latin typeface="Source Han Sans CN" panose="020B0500000000000000" pitchFamily="34" charset="-128"/>
-                <a:ea typeface="Source Han Sans CN" panose="020B0500000000000000" pitchFamily="34" charset="-128"/>
-                <a:cs typeface="Lucida Sans Unicode"/>
-              </a:rPr>
-              <a:t> </a:t>
-            </a:r>
-            <a:r>
-              <a:rPr sz="1000" dirty="0">
-                <a:solidFill>
-                  <a:srgbClr val="003A36"/>
-                </a:solidFill>
-                <a:latin typeface="Source Han Sans CN" panose="020B0500000000000000" pitchFamily="34" charset="-128"/>
-                <a:ea typeface="Source Han Sans CN" panose="020B0500000000000000" pitchFamily="34" charset="-128"/>
-                <a:cs typeface="Lucida Sans Unicode"/>
-              </a:rPr>
-              <a:t>ability to adapt to your infrastructure as</a:t>
-            </a:r>
-            <a:r>
-              <a:rPr lang="zh-CN" altLang="en-US" sz="1000" dirty="0">
-                <a:solidFill>
-                  <a:srgbClr val="003A36"/>
-                </a:solidFill>
-                <a:latin typeface="Source Han Sans CN" panose="020B0500000000000000" pitchFamily="34" charset="-128"/>
-                <a:ea typeface="Source Han Sans CN" panose="020B0500000000000000" pitchFamily="34" charset="-128"/>
-                <a:cs typeface="Lucida Sans Unicode"/>
-              </a:rPr>
-              <a:t> </a:t>
-            </a:r>
-            <a:r>
-              <a:rPr sz="1000" i="1" dirty="0">
-                <a:solidFill>
-                  <a:srgbClr val="003A36"/>
-                </a:solidFill>
-                <a:latin typeface="Source Han Sans CN" panose="020B0500000000000000" pitchFamily="34" charset="-128"/>
-                <a:ea typeface="Source Han Sans CN" panose="020B0500000000000000" pitchFamily="34" charset="-128"/>
-                <a:cs typeface="Century Gothic"/>
-              </a:rPr>
-              <a:t>it   is right now</a:t>
-            </a:r>
-            <a:r>
-              <a:rPr sz="1000" dirty="0">
-                <a:solidFill>
-                  <a:srgbClr val="003A36"/>
-                </a:solidFill>
-                <a:latin typeface="Source Han Sans CN" panose="020B0500000000000000" pitchFamily="34" charset="-128"/>
-                <a:ea typeface="Source Han Sans CN" panose="020B0500000000000000" pitchFamily="34" charset="-128"/>
-                <a:cs typeface="Lucida Sans Unicode"/>
-              </a:rPr>
-              <a:t>. You can use SUSE Manager</a:t>
-            </a:r>
-            <a:r>
-              <a:rPr lang="zh-CN" altLang="en-US" sz="1000" dirty="0">
-                <a:solidFill>
-                  <a:srgbClr val="003A36"/>
-                </a:solidFill>
-                <a:latin typeface="Source Han Sans CN" panose="020B0500000000000000" pitchFamily="34" charset="-128"/>
-                <a:ea typeface="Source Han Sans CN" panose="020B0500000000000000" pitchFamily="34" charset="-128"/>
-                <a:cs typeface="Lucida Sans Unicode"/>
-              </a:rPr>
-              <a:t> </a:t>
-            </a:r>
-            <a:r>
-              <a:rPr sz="1000" dirty="0">
-                <a:solidFill>
-                  <a:srgbClr val="003A36"/>
-                </a:solidFill>
-                <a:latin typeface="Source Han Sans CN" panose="020B0500000000000000" pitchFamily="34" charset="-128"/>
-                <a:ea typeface="Source Han Sans CN" panose="020B0500000000000000" pitchFamily="34" charset="-128"/>
-                <a:cs typeface="Lucida Sans Unicode"/>
-              </a:rPr>
-              <a:t>for Retail to manage an eclectic assortment of POS terminals, kiosks, self-service</a:t>
-            </a:r>
-            <a:r>
-              <a:rPr lang="zh-CN" altLang="en-US" sz="1000" dirty="0">
-                <a:solidFill>
-                  <a:srgbClr val="003A36"/>
-                </a:solidFill>
-                <a:latin typeface="Source Han Sans CN" panose="020B0500000000000000" pitchFamily="34" charset="-128"/>
-                <a:ea typeface="Source Han Sans CN" panose="020B0500000000000000" pitchFamily="34" charset="-128"/>
-                <a:cs typeface="Lucida Sans Unicode"/>
-              </a:rPr>
-              <a:t> </a:t>
-            </a:r>
-            <a:r>
-              <a:rPr sz="1000" dirty="0">
-                <a:solidFill>
-                  <a:srgbClr val="003A36"/>
-                </a:solidFill>
-                <a:latin typeface="Source Han Sans CN" panose="020B0500000000000000" pitchFamily="34" charset="-128"/>
-                <a:ea typeface="Source Han Sans CN" panose="020B0500000000000000" pitchFamily="34" charset="-128"/>
-                <a:cs typeface="Lucida Sans Unicode"/>
-              </a:rPr>
-              <a:t>devices, and reverse-vending systems.</a:t>
-            </a:r>
-            <a:endParaRPr sz="1000" dirty="0">
-              <a:latin typeface="Source Han Sans CN" panose="020B0500000000000000" pitchFamily="34" charset="-128"/>
-              <a:ea typeface="Source Han Sans CN" panose="020B0500000000000000" pitchFamily="34" charset="-128"/>
-              <a:cs typeface="Lucida Sans Unicode"/>
-            </a:endParaRPr>
-          </a:p>
-          <a:p>
-            <a:pPr marL="12700" marR="6350">
-              <a:lnSpc>
-                <a:spcPct val="116700"/>
-              </a:lnSpc>
-            </a:pPr>
-            <a:r>
-              <a:rPr sz="1000" dirty="0">
-                <a:solidFill>
-                  <a:srgbClr val="003A36"/>
-                </a:solidFill>
-                <a:latin typeface="Source Han Sans CN" panose="020B0500000000000000" pitchFamily="34" charset="-128"/>
-                <a:ea typeface="Source Han Sans CN" panose="020B0500000000000000" pitchFamily="34" charset="-128"/>
-                <a:cs typeface="Lucida Sans Unicode"/>
-              </a:rPr>
-              <a:t>SUSE Manager supports client systems</a:t>
-            </a:r>
-            <a:r>
-              <a:rPr lang="zh-CN" altLang="en-US" sz="1000" dirty="0">
-                <a:solidFill>
-                  <a:srgbClr val="003A36"/>
-                </a:solidFill>
-                <a:latin typeface="Source Han Sans CN" panose="020B0500000000000000" pitchFamily="34" charset="-128"/>
-                <a:ea typeface="Source Han Sans CN" panose="020B0500000000000000" pitchFamily="34" charset="-128"/>
-                <a:cs typeface="Lucida Sans Unicode"/>
-              </a:rPr>
-              <a:t> </a:t>
-            </a:r>
-            <a:r>
-              <a:rPr sz="1000" dirty="0">
-                <a:solidFill>
-                  <a:srgbClr val="003A36"/>
-                </a:solidFill>
-                <a:latin typeface="Source Han Sans CN" panose="020B0500000000000000" pitchFamily="34" charset="-128"/>
-                <a:ea typeface="Source Han Sans CN" panose="020B0500000000000000" pitchFamily="34" charset="-128"/>
-                <a:cs typeface="Lucida Sans Unicode"/>
-              </a:rPr>
-              <a:t>running on bare hardware, in a VM</a:t>
-            </a:r>
-            <a:r>
-              <a:rPr lang="zh-CN" altLang="en-US" sz="1000" dirty="0">
-                <a:solidFill>
-                  <a:srgbClr val="003A36"/>
-                </a:solidFill>
-                <a:latin typeface="Source Han Sans CN" panose="020B0500000000000000" pitchFamily="34" charset="-128"/>
-                <a:ea typeface="Source Han Sans CN" panose="020B0500000000000000" pitchFamily="34" charset="-128"/>
-                <a:cs typeface="Lucida Sans Unicode"/>
-              </a:rPr>
-              <a:t> </a:t>
-            </a:r>
-            <a:r>
-              <a:rPr sz="1000" dirty="0">
-                <a:solidFill>
-                  <a:srgbClr val="003A36"/>
-                </a:solidFill>
-                <a:latin typeface="Source Han Sans CN" panose="020B0500000000000000" pitchFamily="34" charset="-128"/>
-                <a:ea typeface="Source Han Sans CN" panose="020B0500000000000000" pitchFamily="34" charset="-128"/>
-                <a:cs typeface="Lucida Sans Unicode"/>
-              </a:rPr>
-              <a:t>environment, or in a containerized setting.    Both UEFI and legacy BIOS-based</a:t>
-            </a:r>
-            <a:r>
-              <a:rPr lang="zh-CN" altLang="en-US" sz="1000" dirty="0">
-                <a:solidFill>
-                  <a:srgbClr val="003A36"/>
-                </a:solidFill>
-                <a:latin typeface="Source Han Sans CN" panose="020B0500000000000000" pitchFamily="34" charset="-128"/>
-                <a:ea typeface="Source Han Sans CN" panose="020B0500000000000000" pitchFamily="34" charset="-128"/>
-                <a:cs typeface="Lucida Sans Unicode"/>
-              </a:rPr>
-              <a:t> </a:t>
-            </a:r>
-            <a:r>
-              <a:rPr sz="1000" dirty="0">
-                <a:solidFill>
-                  <a:srgbClr val="003A36"/>
-                </a:solidFill>
-                <a:latin typeface="Source Han Sans CN" panose="020B0500000000000000" pitchFamily="34" charset="-128"/>
-                <a:ea typeface="Source Han Sans CN" panose="020B0500000000000000" pitchFamily="34" charset="-128"/>
-                <a:cs typeface="Lucida Sans Unicode"/>
-              </a:rPr>
-              <a:t>systems are supported. </a:t>
-            </a:r>
-            <a:endParaRPr sz="1000" dirty="0">
-              <a:latin typeface="Source Han Sans CN" panose="020B0500000000000000" pitchFamily="34" charset="-128"/>
-              <a:ea typeface="Source Han Sans CN" panose="020B0500000000000000" pitchFamily="34" charset="-128"/>
-              <a:cs typeface="Lucida Sans Unicode"/>
-            </a:endParaRPr>
-          </a:p>
-        </p:txBody>
-      </p:sp>
       <p:sp>
         <p:nvSpPr>
           <p:cNvPr id="79" name="object 79"/>
@@ -19525,8 +19355,8 @@
         </p:nvSpPr>
         <p:spPr>
           <a:xfrm>
-            <a:off x="942339" y="1524000"/>
-            <a:ext cx="2735580" cy="3778920"/>
+            <a:off x="827382" y="918384"/>
+            <a:ext cx="2847753" cy="8704499"/>
           </a:xfrm>
           <a:prstGeom prst="rect">
             <a:avLst/>
@@ -19547,7 +19377,7 @@
               </a:spcBef>
             </a:pPr>
             <a:r>
-              <a:rPr lang="en" altLang="zh-CN" sz="1000" dirty="0">
+              <a:rPr lang="en" altLang="zh-CN" sz="1100" dirty="0">
                 <a:solidFill>
                   <a:srgbClr val="003A36"/>
                 </a:solidFill>
@@ -19558,7 +19388,7 @@
               <a:t>The range of supported hardware means there is a good </a:t>
             </a:r>
             <a:r>
-              <a:rPr lang="en" sz="1000" dirty="0">
+              <a:rPr lang="en" sz="1100" dirty="0">
                 <a:solidFill>
                   <a:srgbClr val="003A36"/>
                 </a:solidFill>
@@ -19569,7 +19399,7 @@
               <a:t>chance you</a:t>
             </a:r>
             <a:r>
-              <a:rPr lang="en" altLang="zh-CN" sz="1000" dirty="0">
+              <a:rPr lang="en" altLang="zh-CN" sz="1100" dirty="0">
                 <a:solidFill>
                   <a:srgbClr val="003A36"/>
                 </a:solidFill>
@@ -19580,7 +19410,7 @@
               <a:t>'</a:t>
             </a:r>
             <a:r>
-              <a:rPr lang="en" sz="1000" dirty="0">
+              <a:rPr lang="en" sz="1100" dirty="0">
                 <a:solidFill>
                   <a:srgbClr val="003A36"/>
                 </a:solidFill>
@@ -19591,7 +19421,7 @@
               <a:t>ll find a configuration that will</a:t>
             </a:r>
             <a:r>
-              <a:rPr lang="en" altLang="zh-CN" sz="1000" dirty="0">
+              <a:rPr lang="en" altLang="zh-CN" sz="1100" dirty="0">
                 <a:solidFill>
                   <a:srgbClr val="003A36"/>
                 </a:solidFill>
@@ -19602,7 +19432,7 @@
               <a:t> </a:t>
             </a:r>
             <a:r>
-              <a:rPr lang="en" sz="1000" dirty="0">
+              <a:rPr lang="en" sz="1100" dirty="0">
                 <a:solidFill>
                   <a:srgbClr val="003A36"/>
                 </a:solidFill>
@@ -19613,7 +19443,7 @@
               <a:t>work for your systems without the need</a:t>
             </a:r>
             <a:r>
-              <a:rPr lang="en" altLang="zh-CN" sz="1000" dirty="0">
+              <a:rPr lang="en" altLang="zh-CN" sz="1100" dirty="0">
                 <a:solidFill>
                   <a:srgbClr val="003A36"/>
                 </a:solidFill>
@@ -19624,7 +19454,7 @@
               <a:t> </a:t>
             </a:r>
             <a:r>
-              <a:rPr lang="en" sz="1000" dirty="0">
+              <a:rPr lang="en" sz="1100" dirty="0">
                 <a:solidFill>
                   <a:srgbClr val="003A36"/>
                 </a:solidFill>
@@ -19634,7 +19464,7 @@
               </a:rPr>
               <a:t>for expensive hardware upgrades.</a:t>
             </a:r>
-            <a:endParaRPr lang="en" sz="1000" dirty="0">
+            <a:endParaRPr lang="en" sz="1100" dirty="0">
               <a:latin typeface="Source Han Sans CN" panose="020B0500000000000000" pitchFamily="34" charset="-128"/>
               <a:ea typeface="Source Han Sans CN" panose="020B0500000000000000" pitchFamily="34" charset="-128"/>
               <a:cs typeface="Lucida Sans Unicode"/>
@@ -19650,7 +19480,7 @@
               </a:spcBef>
             </a:pPr>
             <a:r>
-              <a:rPr sz="1000" dirty="0">
+              <a:rPr sz="1100" dirty="0">
                 <a:solidFill>
                   <a:srgbClr val="003A36"/>
                 </a:solidFill>
@@ -19661,7 +19491,7 @@
               <a:t>SUSE Manager for Retail operates efficiently across a wide range of environments and service scenarios. You can use</a:t>
             </a:r>
             <a:r>
-              <a:rPr lang="zh-CN" altLang="en-US" sz="1000" dirty="0">
+              <a:rPr lang="zh-CN" altLang="en-US" sz="1100" dirty="0">
                 <a:solidFill>
                   <a:srgbClr val="003A36"/>
                 </a:solidFill>
@@ -19672,7 +19502,7 @@
               <a:t> </a:t>
             </a:r>
             <a:r>
-              <a:rPr sz="1000" dirty="0">
+              <a:rPr sz="1100" dirty="0">
                 <a:solidFill>
                   <a:srgbClr val="003A36"/>
                 </a:solidFill>
@@ -19683,7 +19513,7 @@
               <a:t>it  for tight control over a single branch or</a:t>
             </a:r>
             <a:r>
-              <a:rPr lang="zh-CN" altLang="en-US" sz="1000" dirty="0">
+              <a:rPr lang="zh-CN" altLang="en-US" sz="1100" dirty="0">
                 <a:solidFill>
                   <a:srgbClr val="003A36"/>
                 </a:solidFill>
@@ -19694,7 +19524,7 @@
               <a:t> </a:t>
             </a:r>
             <a:r>
-              <a:rPr sz="1000" dirty="0">
+              <a:rPr sz="1100" dirty="0">
                 <a:solidFill>
                   <a:srgbClr val="003A36"/>
                 </a:solidFill>
@@ -19705,7 +19535,7 @@
               <a:t>department, or you can scale to multiple</a:t>
             </a:r>
             <a:r>
-              <a:rPr lang="zh-CN" altLang="en-US" sz="1000" dirty="0">
+              <a:rPr lang="zh-CN" altLang="en-US" sz="1100" dirty="0">
                 <a:solidFill>
                   <a:srgbClr val="003A36"/>
                 </a:solidFill>
@@ -19716,7 +19546,7 @@
               <a:t> </a:t>
             </a:r>
             <a:r>
-              <a:rPr sz="1000" dirty="0">
+              <a:rPr sz="1100" dirty="0">
                 <a:solidFill>
                   <a:srgbClr val="003A36"/>
                 </a:solidFill>
@@ -19727,7 +19557,7 @@
               <a:t>locations with thousands of nodes. Take</a:t>
             </a:r>
             <a:r>
-              <a:rPr lang="zh-CN" altLang="en-US" sz="1000" dirty="0">
+              <a:rPr lang="zh-CN" altLang="en-US" sz="1100" dirty="0">
                 <a:solidFill>
                   <a:srgbClr val="003A36"/>
                 </a:solidFill>
@@ -19738,7 +19568,7 @@
               <a:t> </a:t>
             </a:r>
             <a:r>
-              <a:rPr sz="1000" dirty="0">
+              <a:rPr sz="1100" dirty="0">
                 <a:solidFill>
                   <a:srgbClr val="003A36"/>
                 </a:solidFill>
@@ -19749,7 +19579,7 @@
               <a:t>advantage of configuration controls to</a:t>
             </a:r>
             <a:r>
-              <a:rPr lang="zh-CN" altLang="en-US" sz="1000" dirty="0">
+              <a:rPr lang="zh-CN" altLang="en-US" sz="1100" dirty="0">
                 <a:solidFill>
                   <a:srgbClr val="003A36"/>
                 </a:solidFill>
@@ -19760,7 +19590,7 @@
               <a:t> </a:t>
             </a:r>
             <a:r>
-              <a:rPr sz="1000" dirty="0">
+              <a:rPr sz="1100" dirty="0">
                 <a:solidFill>
                   <a:srgbClr val="003A36"/>
                 </a:solidFill>
@@ -19771,7 +19601,7 @@
               <a:t>manage differing network bandwidth</a:t>
             </a:r>
             <a:r>
-              <a:rPr lang="zh-CN" altLang="en-US" sz="1000" dirty="0">
+              <a:rPr lang="zh-CN" altLang="en-US" sz="1100" dirty="0">
                 <a:solidFill>
                   <a:srgbClr val="003A36"/>
                 </a:solidFill>
@@ -19782,7 +19612,7 @@
               <a:t> </a:t>
             </a:r>
             <a:r>
-              <a:rPr sz="1000" dirty="0">
+              <a:rPr sz="1100" dirty="0">
                 <a:solidFill>
                   <a:srgbClr val="003A36"/>
                 </a:solidFill>
@@ -19792,7 +19622,7 @@
               </a:rPr>
               <a:t>constraints.</a:t>
             </a:r>
-            <a:endParaRPr sz="1000" dirty="0">
+            <a:endParaRPr sz="1100" dirty="0">
               <a:latin typeface="Source Han Sans CN" panose="020B0500000000000000" pitchFamily="34" charset="-128"/>
               <a:ea typeface="Source Han Sans CN" panose="020B0500000000000000" pitchFamily="34" charset="-128"/>
               <a:cs typeface="Lucida Sans Unicode"/>
@@ -19808,7 +19638,7 @@
               </a:spcBef>
             </a:pPr>
             <a:r>
-              <a:rPr sz="1000" dirty="0">
+              <a:rPr sz="1100" dirty="0">
                 <a:solidFill>
                   <a:srgbClr val="003A36"/>
                 </a:solidFill>
@@ -19819,7 +19649,7 @@
               <a:t>SUSE Manager for Retail is built for simple,</a:t>
             </a:r>
             <a:r>
-              <a:rPr lang="zh-CN" altLang="en-US" sz="1000" dirty="0">
+              <a:rPr lang="zh-CN" altLang="en-US" sz="1100" dirty="0">
                 <a:solidFill>
                   <a:srgbClr val="003A36"/>
                 </a:solidFill>
@@ -19830,7 +19660,7 @@
               <a:t> </a:t>
             </a:r>
             <a:r>
-              <a:rPr sz="1000" dirty="0">
+              <a:rPr sz="1100" dirty="0">
                 <a:solidFill>
                   <a:srgbClr val="003A36"/>
                 </a:solidFill>
@@ -19841,7 +19671,7 @@
               <a:t>secure management of all your Linux retail assets – whether in the data center or</a:t>
             </a:r>
             <a:r>
-              <a:rPr lang="zh-CN" altLang="en-US" sz="1000" dirty="0">
+              <a:rPr lang="zh-CN" altLang="en-US" sz="1100" dirty="0">
                 <a:solidFill>
                   <a:srgbClr val="003A36"/>
                 </a:solidFill>
@@ -19852,7 +19682,7 @@
               <a:t> </a:t>
             </a:r>
             <a:r>
-              <a:rPr sz="1000" dirty="0">
+              <a:rPr sz="1100" dirty="0">
                 <a:solidFill>
                   <a:srgbClr val="003A36"/>
                 </a:solidFill>
@@ -19863,7 +19693,7 @@
               <a:t>in the store. And the SUSE team is ready</a:t>
             </a:r>
             <a:r>
-              <a:rPr lang="zh-CN" altLang="en-US" sz="1000" dirty="0">
+              <a:rPr lang="zh-CN" altLang="en-US" sz="1100" dirty="0">
                 <a:solidFill>
                   <a:srgbClr val="003A36"/>
                 </a:solidFill>
@@ -19874,7 +19704,7 @@
               <a:t> </a:t>
             </a:r>
             <a:r>
-              <a:rPr sz="1000" dirty="0">
+              <a:rPr sz="1100" dirty="0">
                 <a:solidFill>
                   <a:srgbClr val="003A36"/>
                 </a:solidFill>
@@ -19885,7 +19715,7 @@
               <a:t>to help you design and deploy a configuration that is tuned to the contours</a:t>
             </a:r>
             <a:r>
-              <a:rPr lang="zh-CN" altLang="en-US" sz="1000" dirty="0">
+              <a:rPr lang="zh-CN" altLang="en-US" sz="1100" dirty="0">
                 <a:latin typeface="Source Han Sans CN" panose="020B0500000000000000" pitchFamily="34" charset="-128"/>
                 <a:ea typeface="Source Han Sans CN" panose="020B0500000000000000" pitchFamily="34" charset="-128"/>
                 <a:cs typeface="Lucida Sans Unicode"/>
@@ -19893,7 +19723,7 @@
               <a:t> </a:t>
             </a:r>
             <a:r>
-              <a:rPr sz="1000" dirty="0">
+              <a:rPr sz="1100" dirty="0">
                 <a:solidFill>
                   <a:srgbClr val="003A36"/>
                 </a:solidFill>
@@ -19904,7 +19734,7 @@
               <a:t>of your POS landscape for today and into</a:t>
             </a:r>
             <a:r>
-              <a:rPr lang="zh-CN" altLang="en-US" sz="1000" dirty="0">
+              <a:rPr lang="zh-CN" altLang="en-US" sz="1100" dirty="0">
                 <a:solidFill>
                   <a:srgbClr val="003A36"/>
                 </a:solidFill>
@@ -19915,7 +19745,7 @@
               <a:t> </a:t>
             </a:r>
             <a:r>
-              <a:rPr sz="1000" dirty="0">
+              <a:rPr sz="1100" dirty="0">
                 <a:solidFill>
                   <a:srgbClr val="003A36"/>
                 </a:solidFill>
@@ -19925,34 +19755,33 @@
               </a:rPr>
               <a:t>the future.</a:t>
             </a:r>
-            <a:endParaRPr sz="1000" dirty="0">
+            <a:endParaRPr lang="en-US" sz="1100" dirty="0">
+              <a:solidFill>
+                <a:srgbClr val="003A36"/>
+              </a:solidFill>
               <a:latin typeface="Source Han Sans CN" panose="020B0500000000000000" pitchFamily="34" charset="-128"/>
               <a:ea typeface="Source Han Sans CN" panose="020B0500000000000000" pitchFamily="34" charset="-128"/>
               <a:cs typeface="Lucida Sans Unicode"/>
             </a:endParaRPr>
           </a:p>
-        </p:txBody>
-      </p:sp>
-      <p:sp>
-        <p:nvSpPr>
-          <p:cNvPr id="12" name="object 12"/>
-          <p:cNvSpPr txBox="1"/>
-          <p:nvPr/>
-        </p:nvSpPr>
-        <p:spPr>
-          <a:xfrm>
-            <a:off x="942339" y="5314503"/>
-            <a:ext cx="2677160" cy="2841740"/>
-          </a:xfrm>
-          <a:prstGeom prst="rect">
-            <a:avLst/>
-          </a:prstGeom>
-        </p:spPr>
-        <p:txBody>
-          <a:bodyPr vert="horz" wrap="square" lIns="0" tIns="12700" rIns="0" bIns="0" rtlCol="0">
-            <a:spAutoFit/>
-          </a:bodyPr>
-          <a:lstStyle/>
+          <a:p>
+            <a:pPr marL="12700" marR="20320">
+              <a:lnSpc>
+                <a:spcPct val="116700"/>
+              </a:lnSpc>
+              <a:spcBef>
+                <a:spcPts val="695"/>
+              </a:spcBef>
+            </a:pPr>
+            <a:endParaRPr lang="en-US" sz="1100" dirty="0">
+              <a:solidFill>
+                <a:srgbClr val="003A36"/>
+              </a:solidFill>
+              <a:latin typeface="Source Han Sans CN" panose="020B0500000000000000" pitchFamily="34" charset="-128"/>
+              <a:ea typeface="Source Han Sans CN" panose="020B0500000000000000" pitchFamily="34" charset="-128"/>
+              <a:cs typeface="Lucida Sans Unicode"/>
+            </a:endParaRPr>
+          </a:p>
           <a:p>
             <a:pPr marL="12700">
               <a:lnSpc>
@@ -19963,7 +19792,7 @@
               </a:spcBef>
             </a:pPr>
             <a:r>
-              <a:rPr sz="1600" dirty="0">
+              <a:rPr lang="en" altLang="zh-CN" sz="1600" b="1" dirty="0">
                 <a:solidFill>
                   <a:srgbClr val="003A36"/>
                 </a:solidFill>
@@ -19973,7 +19802,7 @@
               </a:rPr>
               <a:t>Working with containers</a:t>
             </a:r>
-            <a:endParaRPr sz="1600" dirty="0">
+            <a:endParaRPr lang="en" altLang="zh-CN" sz="1600" b="1" dirty="0">
               <a:latin typeface="Source Han Sans CN" panose="020B0500000000000000" pitchFamily="34" charset="-128"/>
               <a:ea typeface="Source Han Sans CN" panose="020B0500000000000000" pitchFamily="34" charset="-128"/>
               <a:cs typeface="Lucida Sans Unicode"/>
@@ -19989,149 +19818,17 @@
               </a:spcBef>
             </a:pPr>
             <a:r>
-              <a:rPr sz="1000" dirty="0">
-                <a:solidFill>
-                  <a:srgbClr val="003A36"/>
-                </a:solidFill>
-                <a:latin typeface="Source Han Sans CN" panose="020B0500000000000000" pitchFamily="34" charset="-128"/>
-                <a:ea typeface="Source Han Sans CN" panose="020B0500000000000000" pitchFamily="34" charset="-128"/>
-                <a:cs typeface="Lucida Sans Unicode"/>
-              </a:rPr>
-              <a:t>Containers let you encapsulate all the</a:t>
-            </a:r>
-            <a:r>
-              <a:rPr lang="zh-CN" altLang="en-US" sz="1000" dirty="0">
-                <a:solidFill>
-                  <a:srgbClr val="003A36"/>
-                </a:solidFill>
-                <a:latin typeface="Source Han Sans CN" panose="020B0500000000000000" pitchFamily="34" charset="-128"/>
-                <a:ea typeface="Source Han Sans CN" panose="020B0500000000000000" pitchFamily="34" charset="-128"/>
-                <a:cs typeface="Lucida Sans Unicode"/>
-              </a:rPr>
-              <a:t> </a:t>
-            </a:r>
-            <a:r>
-              <a:rPr sz="1000" dirty="0">
-                <a:solidFill>
-                  <a:srgbClr val="003A36"/>
-                </a:solidFill>
-                <a:latin typeface="Source Han Sans CN" panose="020B0500000000000000" pitchFamily="34" charset="-128"/>
-                <a:ea typeface="Source Han Sans CN" panose="020B0500000000000000" pitchFamily="34" charset="-128"/>
-                <a:cs typeface="Lucida Sans Unicode"/>
-              </a:rPr>
-              <a:t>dependencies needed to run an application, which adds flexibility, improves</a:t>
-            </a:r>
-            <a:r>
-              <a:rPr lang="zh-CN" altLang="en-US" sz="1000" dirty="0">
-                <a:solidFill>
-                  <a:srgbClr val="003A36"/>
-                </a:solidFill>
-                <a:latin typeface="Source Han Sans CN" panose="020B0500000000000000" pitchFamily="34" charset="-128"/>
-                <a:ea typeface="Source Han Sans CN" panose="020B0500000000000000" pitchFamily="34" charset="-128"/>
-                <a:cs typeface="Lucida Sans Unicode"/>
-              </a:rPr>
-              <a:t> </a:t>
-            </a:r>
-            <a:r>
-              <a:rPr sz="1000" dirty="0">
-                <a:solidFill>
-                  <a:srgbClr val="003A36"/>
-                </a:solidFill>
-                <a:latin typeface="Source Han Sans CN" panose="020B0500000000000000" pitchFamily="34" charset="-128"/>
-                <a:ea typeface="Source Han Sans CN" panose="020B0500000000000000" pitchFamily="34" charset="-128"/>
-                <a:cs typeface="Lucida Sans Unicode"/>
-              </a:rPr>
-              <a:t>portability, and greatly simplifies the</a:t>
-            </a:r>
-            <a:r>
-              <a:rPr lang="zh-CN" altLang="en-US" sz="1000" dirty="0">
-                <a:solidFill>
-                  <a:srgbClr val="003A36"/>
-                </a:solidFill>
-                <a:latin typeface="Source Han Sans CN" panose="020B0500000000000000" pitchFamily="34" charset="-128"/>
-                <a:ea typeface="Source Han Sans CN" panose="020B0500000000000000" pitchFamily="34" charset="-128"/>
-                <a:cs typeface="Lucida Sans Unicode"/>
-              </a:rPr>
-              <a:t> </a:t>
-            </a:r>
-            <a:r>
-              <a:rPr sz="1000" dirty="0">
-                <a:solidFill>
-                  <a:srgbClr val="003A36"/>
-                </a:solidFill>
-                <a:latin typeface="Source Han Sans CN" panose="020B0500000000000000" pitchFamily="34" charset="-128"/>
-                <a:ea typeface="Source Han Sans CN" panose="020B0500000000000000" pitchFamily="34" charset="-128"/>
-                <a:cs typeface="Lucida Sans Unicode"/>
-              </a:rPr>
-              <a:t>rollout and upgrade process. Containers</a:t>
-            </a:r>
-            <a:r>
-              <a:rPr lang="zh-CN" altLang="en-US" sz="1000" dirty="0">
-                <a:solidFill>
-                  <a:srgbClr val="003A36"/>
-                </a:solidFill>
-                <a:latin typeface="Source Han Sans CN" panose="020B0500000000000000" pitchFamily="34" charset="-128"/>
-                <a:ea typeface="Source Han Sans CN" panose="020B0500000000000000" pitchFamily="34" charset="-128"/>
-                <a:cs typeface="Lucida Sans Unicode"/>
-              </a:rPr>
-              <a:t> </a:t>
-            </a:r>
-            <a:r>
-              <a:rPr sz="1000" dirty="0">
-                <a:solidFill>
-                  <a:srgbClr val="003A36"/>
-                </a:solidFill>
-                <a:latin typeface="Source Han Sans CN" panose="020B0500000000000000" pitchFamily="34" charset="-128"/>
-                <a:ea typeface="Source Han Sans CN" panose="020B0500000000000000" pitchFamily="34" charset="-128"/>
-                <a:cs typeface="Lucida Sans Unicode"/>
-              </a:rPr>
-              <a:t>are also known for fast deployment, and</a:t>
-            </a:r>
-            <a:r>
-              <a:rPr lang="zh-CN" altLang="en-US" sz="1000" dirty="0">
-                <a:solidFill>
-                  <a:srgbClr val="003A36"/>
-                </a:solidFill>
-                <a:latin typeface="Source Han Sans CN" panose="020B0500000000000000" pitchFamily="34" charset="-128"/>
-                <a:ea typeface="Source Han Sans CN" panose="020B0500000000000000" pitchFamily="34" charset="-128"/>
-                <a:cs typeface="Lucida Sans Unicode"/>
-              </a:rPr>
-              <a:t> </a:t>
-            </a:r>
-            <a:r>
-              <a:rPr sz="1000" dirty="0">
-                <a:solidFill>
-                  <a:srgbClr val="003A36"/>
-                </a:solidFill>
-                <a:latin typeface="Source Han Sans CN" panose="020B0500000000000000" pitchFamily="34" charset="-128"/>
-                <a:ea typeface="Source Han Sans CN" panose="020B0500000000000000" pitchFamily="34" charset="-128"/>
-                <a:cs typeface="Lucida Sans Unicode"/>
-              </a:rPr>
-              <a:t>containers improve security. The container support built into SUSE solutions is</a:t>
-            </a:r>
-            <a:r>
-              <a:rPr lang="zh-CN" altLang="en-US" sz="1000" dirty="0">
-                <a:solidFill>
-                  <a:srgbClr val="003A36"/>
-                </a:solidFill>
-                <a:latin typeface="Source Han Sans CN" panose="020B0500000000000000" pitchFamily="34" charset="-128"/>
-                <a:ea typeface="Source Han Sans CN" panose="020B0500000000000000" pitchFamily="34" charset="-128"/>
-                <a:cs typeface="Lucida Sans Unicode"/>
-              </a:rPr>
-              <a:t> </a:t>
-            </a:r>
-            <a:r>
-              <a:rPr sz="1000" dirty="0">
-                <a:solidFill>
-                  <a:srgbClr val="003A36"/>
-                </a:solidFill>
-                <a:latin typeface="Source Han Sans CN" panose="020B0500000000000000" pitchFamily="34" charset="-128"/>
-                <a:ea typeface="Source Han Sans CN" panose="020B0500000000000000" pitchFamily="34" charset="-128"/>
-                <a:cs typeface="Lucida Sans Unicode"/>
-              </a:rPr>
-              <a:t>a game changer for many organizations.</a:t>
-            </a:r>
-            <a:endParaRPr sz="1000" dirty="0">
+              <a:rPr lang="en" altLang="zh-CN" sz="1100" dirty="0">
+                <a:solidFill>
+                  <a:srgbClr val="003A36"/>
+                </a:solidFill>
+                <a:latin typeface="Source Han Sans CN" panose="020B0500000000000000" pitchFamily="34" charset="-128"/>
+                <a:ea typeface="Source Han Sans CN" panose="020B0500000000000000" pitchFamily="34" charset="-128"/>
+                <a:cs typeface="Lucida Sans Unicode"/>
+              </a:rPr>
+              <a:t>Containers let you encapsulate all the dependencies needed to run an application, which adds flexibility, improves portability, and greatly simplifies the rollout and upgrade process. Containers are also known for fast deployment, and containers improve security. The container support built into SUSE solutions is a game changer for many organizations.</a:t>
+            </a:r>
+            <a:endParaRPr lang="en" altLang="zh-CN" sz="1100" dirty="0">
               <a:latin typeface="Source Han Sans CN" panose="020B0500000000000000" pitchFamily="34" charset="-128"/>
               <a:ea typeface="Source Han Sans CN" panose="020B0500000000000000" pitchFamily="34" charset="-128"/>
               <a:cs typeface="Lucida Sans Unicode"/>
@@ -20147,61 +19844,32 @@
               </a:spcBef>
             </a:pPr>
             <a:r>
-              <a:rPr sz="1000" dirty="0">
-                <a:solidFill>
-                  <a:srgbClr val="003A36"/>
-                </a:solidFill>
-                <a:latin typeface="Source Han Sans CN" panose="020B0500000000000000" pitchFamily="34" charset="-128"/>
-                <a:ea typeface="Source Han Sans CN" panose="020B0500000000000000" pitchFamily="34" charset="-128"/>
-                <a:cs typeface="Lucida Sans Unicode"/>
-              </a:rPr>
-              <a:t>Container solutions have received considerable attention recently in the retail</a:t>
-            </a:r>
-            <a:r>
-              <a:rPr lang="zh-CN" altLang="en-US" sz="1000" dirty="0">
-                <a:solidFill>
-                  <a:srgbClr val="003A36"/>
-                </a:solidFill>
-                <a:latin typeface="Source Han Sans CN" panose="020B0500000000000000" pitchFamily="34" charset="-128"/>
-                <a:ea typeface="Source Han Sans CN" panose="020B0500000000000000" pitchFamily="34" charset="-128"/>
-                <a:cs typeface="Lucida Sans Unicode"/>
-              </a:rPr>
-              <a:t> </a:t>
-            </a:r>
-            <a:r>
-              <a:rPr sz="1000" dirty="0">
-                <a:solidFill>
-                  <a:srgbClr val="003A36"/>
-                </a:solidFill>
-                <a:latin typeface="Source Han Sans CN" panose="020B0500000000000000" pitchFamily="34" charset="-128"/>
-                <a:ea typeface="Source Han Sans CN" panose="020B0500000000000000" pitchFamily="34" charset="-128"/>
-                <a:cs typeface="Lucida Sans Unicode"/>
-              </a:rPr>
-              <a:t>space, and many retail organizations</a:t>
-            </a:r>
-            <a:r>
-              <a:rPr lang="zh-CN" altLang="en-US" sz="1000" dirty="0">
-                <a:solidFill>
-                  <a:srgbClr val="003A36"/>
-                </a:solidFill>
-                <a:latin typeface="Source Han Sans CN" panose="020B0500000000000000" pitchFamily="34" charset="-128"/>
-                <a:ea typeface="Source Han Sans CN" panose="020B0500000000000000" pitchFamily="34" charset="-128"/>
-                <a:cs typeface="Lucida Sans Unicode"/>
-              </a:rPr>
-              <a:t> </a:t>
-            </a:r>
-            <a:r>
-              <a:rPr sz="1000" dirty="0">
-                <a:solidFill>
-                  <a:srgbClr val="003A36"/>
-                </a:solidFill>
-                <a:latin typeface="Source Han Sans CN" panose="020B0500000000000000" pitchFamily="34" charset="-128"/>
-                <a:ea typeface="Source Han Sans CN" panose="020B0500000000000000" pitchFamily="34" charset="-128"/>
-                <a:cs typeface="Lucida Sans Unicode"/>
-              </a:rPr>
-              <a:t>have been looking for a pathway to</a:t>
-            </a:r>
-            <a:endParaRPr sz="1000" dirty="0">
+              <a:rPr lang="en" altLang="zh-CN" sz="1100" dirty="0">
+                <a:solidFill>
+                  <a:srgbClr val="003A36"/>
+                </a:solidFill>
+                <a:latin typeface="Source Han Sans CN" panose="020B0500000000000000" pitchFamily="34" charset="-128"/>
+                <a:ea typeface="Source Han Sans CN" panose="020B0500000000000000" pitchFamily="34" charset="-128"/>
+                <a:cs typeface="Lucida Sans Unicode"/>
+              </a:rPr>
+              <a:t>Container solutions have received considerable attention recently in the retail space, and many retail organizations have been looking for a pathway to implementing a containerized environment. </a:t>
+            </a:r>
+            <a:endParaRPr lang="en" altLang="zh-CN" sz="1100" dirty="0">
+              <a:latin typeface="Source Han Sans CN" panose="020B0500000000000000" pitchFamily="34" charset="-128"/>
+              <a:ea typeface="Source Han Sans CN" panose="020B0500000000000000" pitchFamily="34" charset="-128"/>
+              <a:cs typeface="Lucida Sans Unicode"/>
+            </a:endParaRPr>
+          </a:p>
+          <a:p>
+            <a:pPr marL="12700" marR="20320">
+              <a:lnSpc>
+                <a:spcPct val="116700"/>
+              </a:lnSpc>
+              <a:spcBef>
+                <a:spcPts val="695"/>
+              </a:spcBef>
+            </a:pPr>
+            <a:endParaRPr lang="zh-CN" altLang="en-US" sz="1100" dirty="0">
               <a:latin typeface="Source Han Sans CN" panose="020B0500000000000000" pitchFamily="34" charset="-128"/>
               <a:ea typeface="Source Han Sans CN" panose="020B0500000000000000" pitchFamily="34" charset="-128"/>
               <a:cs typeface="Lucida Sans Unicode"/>
@@ -20217,8 +19885,8 @@
         </p:nvSpPr>
         <p:spPr>
           <a:xfrm>
-            <a:off x="4095744" y="1524000"/>
-            <a:ext cx="2731770" cy="2505751"/>
+            <a:off x="4095744" y="914400"/>
+            <a:ext cx="2854966" cy="2661626"/>
           </a:xfrm>
           <a:prstGeom prst="rect">
             <a:avLst/>
@@ -20239,23 +19907,105 @@
               </a:spcBef>
             </a:pPr>
             <a:r>
-              <a:rPr sz="1000" dirty="0">
-                <a:solidFill>
-                  <a:srgbClr val="003A36"/>
-                </a:solidFill>
-                <a:latin typeface="Source Han Sans CN" panose="020B0500000000000000" pitchFamily="34" charset="-128"/>
-                <a:ea typeface="Source Han Sans CN" panose="020B0500000000000000" pitchFamily="34" charset="-128"/>
-                <a:cs typeface="Lucida Sans Unicode"/>
-              </a:rPr>
-              <a:t>implementing a containerized environ-
-ment. SUSE Manager for Retail is designed
-to serve as an entry point for introducing
-containers into a retail setting. SUSE Man-
-ager  for Retail offers a seamless solution
-for supporting containers, with an easy
-learning curve and minimal overhead.</a:t>
-            </a:r>
-            <a:endParaRPr sz="1000" dirty="0">
+              <a:rPr sz="1100" dirty="0">
+                <a:solidFill>
+                  <a:srgbClr val="003A36"/>
+                </a:solidFill>
+                <a:latin typeface="Source Han Sans CN" panose="020B0500000000000000" pitchFamily="34" charset="-128"/>
+                <a:ea typeface="Source Han Sans CN" panose="020B0500000000000000" pitchFamily="34" charset="-128"/>
+                <a:cs typeface="Lucida Sans Unicode"/>
+              </a:rPr>
+              <a:t>SUSE Manager for Retail is designed</a:t>
+            </a:r>
+            <a:r>
+              <a:rPr lang="zh-CN" altLang="en-US" sz="1100" dirty="0">
+                <a:solidFill>
+                  <a:srgbClr val="003A36"/>
+                </a:solidFill>
+                <a:latin typeface="Source Han Sans CN" panose="020B0500000000000000" pitchFamily="34" charset="-128"/>
+                <a:ea typeface="Source Han Sans CN" panose="020B0500000000000000" pitchFamily="34" charset="-128"/>
+                <a:cs typeface="Lucida Sans Unicode"/>
+              </a:rPr>
+              <a:t> </a:t>
+            </a:r>
+            <a:r>
+              <a:rPr sz="1100" dirty="0">
+                <a:solidFill>
+                  <a:srgbClr val="003A36"/>
+                </a:solidFill>
+                <a:latin typeface="Source Han Sans CN" panose="020B0500000000000000" pitchFamily="34" charset="-128"/>
+                <a:ea typeface="Source Han Sans CN" panose="020B0500000000000000" pitchFamily="34" charset="-128"/>
+                <a:cs typeface="Lucida Sans Unicode"/>
+              </a:rPr>
+              <a:t>to serve as an entry point for introducing</a:t>
+            </a:r>
+            <a:r>
+              <a:rPr lang="zh-CN" altLang="en-US" sz="1100" dirty="0">
+                <a:solidFill>
+                  <a:srgbClr val="003A36"/>
+                </a:solidFill>
+                <a:latin typeface="Source Han Sans CN" panose="020B0500000000000000" pitchFamily="34" charset="-128"/>
+                <a:ea typeface="Source Han Sans CN" panose="020B0500000000000000" pitchFamily="34" charset="-128"/>
+                <a:cs typeface="Lucida Sans Unicode"/>
+              </a:rPr>
+              <a:t> </a:t>
+            </a:r>
+            <a:r>
+              <a:rPr sz="1100" dirty="0">
+                <a:solidFill>
+                  <a:srgbClr val="003A36"/>
+                </a:solidFill>
+                <a:latin typeface="Source Han Sans CN" panose="020B0500000000000000" pitchFamily="34" charset="-128"/>
+                <a:ea typeface="Source Han Sans CN" panose="020B0500000000000000" pitchFamily="34" charset="-128"/>
+                <a:cs typeface="Lucida Sans Unicode"/>
+              </a:rPr>
+              <a:t>containers into a retail setting. SUSE Manager  for Retail offers a seamless solution</a:t>
+            </a:r>
+            <a:r>
+              <a:rPr lang="zh-CN" altLang="en-US" sz="1100" dirty="0">
+                <a:solidFill>
+                  <a:srgbClr val="003A36"/>
+                </a:solidFill>
+                <a:latin typeface="Source Han Sans CN" panose="020B0500000000000000" pitchFamily="34" charset="-128"/>
+                <a:ea typeface="Source Han Sans CN" panose="020B0500000000000000" pitchFamily="34" charset="-128"/>
+                <a:cs typeface="Lucida Sans Unicode"/>
+              </a:rPr>
+              <a:t> </a:t>
+            </a:r>
+            <a:r>
+              <a:rPr sz="1100" dirty="0">
+                <a:solidFill>
+                  <a:srgbClr val="003A36"/>
+                </a:solidFill>
+                <a:latin typeface="Source Han Sans CN" panose="020B0500000000000000" pitchFamily="34" charset="-128"/>
+                <a:ea typeface="Source Han Sans CN" panose="020B0500000000000000" pitchFamily="34" charset="-128"/>
+                <a:cs typeface="Lucida Sans Unicode"/>
+              </a:rPr>
+              <a:t>for supporting containers, with an easy</a:t>
+            </a:r>
+            <a:r>
+              <a:rPr lang="zh-CN" altLang="en-US" sz="1100" dirty="0">
+                <a:solidFill>
+                  <a:srgbClr val="003A36"/>
+                </a:solidFill>
+                <a:latin typeface="Source Han Sans CN" panose="020B0500000000000000" pitchFamily="34" charset="-128"/>
+                <a:ea typeface="Source Han Sans CN" panose="020B0500000000000000" pitchFamily="34" charset="-128"/>
+                <a:cs typeface="Lucida Sans Unicode"/>
+              </a:rPr>
+              <a:t> </a:t>
+            </a:r>
+            <a:r>
+              <a:rPr sz="1100" dirty="0">
+                <a:solidFill>
+                  <a:srgbClr val="003A36"/>
+                </a:solidFill>
+                <a:latin typeface="Source Han Sans CN" panose="020B0500000000000000" pitchFamily="34" charset="-128"/>
+                <a:ea typeface="Source Han Sans CN" panose="020B0500000000000000" pitchFamily="34" charset="-128"/>
+                <a:cs typeface="Lucida Sans Unicode"/>
+              </a:rPr>
+              <a:t>learning curve and minimal overhead.</a:t>
+            </a:r>
+            <a:endParaRPr sz="1100" dirty="0">
               <a:latin typeface="Source Han Sans CN" panose="020B0500000000000000" pitchFamily="34" charset="-128"/>
               <a:ea typeface="Source Han Sans CN" panose="020B0500000000000000" pitchFamily="34" charset="-128"/>
               <a:cs typeface="Lucida Sans Unicode"/>
@@ -20271,7 +20021,7 @@
               </a:spcBef>
             </a:pPr>
             <a:r>
-              <a:rPr sz="1000" dirty="0">
+              <a:rPr sz="1100" dirty="0">
                 <a:solidFill>
                   <a:srgbClr val="003A36"/>
                 </a:solidFill>
@@ -20282,7 +20032,7 @@
               <a:t>The Rancher Prime platform works alongside SUSE Manager. While SUSE Manager</a:t>
             </a:r>
             <a:r>
-              <a:rPr lang="zh-CN" altLang="en-US" sz="1000" dirty="0">
+              <a:rPr lang="zh-CN" altLang="en-US" sz="1100" dirty="0">
                 <a:solidFill>
                   <a:srgbClr val="003A36"/>
                 </a:solidFill>
@@ -20293,18 +20043,18 @@
               <a:t> </a:t>
             </a:r>
             <a:r>
-              <a:rPr sz="1000" dirty="0">
-                <a:solidFill>
-                  <a:srgbClr val="003A36"/>
-                </a:solidFill>
-                <a:latin typeface="Source Han Sans CN" panose="020B0500000000000000" pitchFamily="34" charset="-128"/>
-                <a:ea typeface="Source Han Sans CN" panose="020B0500000000000000" pitchFamily="34" charset="-128"/>
-                <a:cs typeface="Lucida Sans Unicode"/>
-              </a:rPr>
-              <a:t>for Retail manages the application-level</a:t>
-            </a:r>
-            <a:r>
-              <a:rPr lang="zh-CN" altLang="en-US" sz="1000" dirty="0">
+              <a:rPr sz="1100" dirty="0">
+                <a:solidFill>
+                  <a:srgbClr val="003A36"/>
+                </a:solidFill>
+                <a:latin typeface="Source Han Sans CN" panose="020B0500000000000000" pitchFamily="34" charset="-128"/>
+                <a:ea typeface="Source Han Sans CN" panose="020B0500000000000000" pitchFamily="34" charset="-128"/>
+                <a:cs typeface="Lucida Sans Unicode"/>
+              </a:rPr>
+              <a:t>for</a:t>
+            </a:r>
+            <a:r>
+              <a:rPr lang="zh-CN" altLang="en-US" sz="1100" dirty="0">
                 <a:solidFill>
                   <a:srgbClr val="003A36"/>
                 </a:solidFill>
@@ -20315,7 +20065,29 @@
               <a:t> </a:t>
             </a:r>
             <a:r>
-              <a:rPr sz="1000" dirty="0">
+              <a:rPr sz="1100" dirty="0">
+                <a:solidFill>
+                  <a:srgbClr val="003A36"/>
+                </a:solidFill>
+                <a:latin typeface="Source Han Sans CN" panose="020B0500000000000000" pitchFamily="34" charset="-128"/>
+                <a:ea typeface="Source Han Sans CN" panose="020B0500000000000000" pitchFamily="34" charset="-128"/>
+                <a:cs typeface="Lucida Sans Unicode"/>
+              </a:rPr>
+              <a:t>Retail manages the application-level</a:t>
+            </a:r>
+            <a:r>
+              <a:rPr lang="zh-CN" altLang="en-US" sz="1100" dirty="0">
+                <a:solidFill>
+                  <a:srgbClr val="003A36"/>
+                </a:solidFill>
+                <a:latin typeface="Source Han Sans CN" panose="020B0500000000000000" pitchFamily="34" charset="-128"/>
+                <a:ea typeface="Source Han Sans CN" panose="020B0500000000000000" pitchFamily="34" charset="-128"/>
+                <a:cs typeface="Lucida Sans Unicode"/>
+              </a:rPr>
+              <a:t> </a:t>
+            </a:r>
+            <a:r>
+              <a:rPr sz="1100" dirty="0">
                 <a:solidFill>
                   <a:srgbClr val="003A36"/>
                 </a:solidFill>
@@ -20326,7 +20098,7 @@
               <a:t>retail environment, Rancher Prime implements and manages the Kubernetes</a:t>
             </a:r>
             <a:r>
-              <a:rPr lang="zh-CN" altLang="en-US" sz="1000" dirty="0">
+              <a:rPr lang="zh-CN" altLang="en-US" sz="1100" dirty="0">
                 <a:solidFill>
                   <a:srgbClr val="003A36"/>
                 </a:solidFill>
@@ -20337,7 +20109,7 @@
               <a:t> </a:t>
             </a:r>
             <a:r>
-              <a:rPr sz="1000" dirty="0">
+              <a:rPr sz="1100" dirty="0">
                 <a:solidFill>
                   <a:srgbClr val="003A36"/>
                 </a:solidFill>
@@ -20348,7 +20120,7 @@
               <a:t>container environment as shown in</a:t>
             </a:r>
             <a:r>
-              <a:rPr lang="zh-CN" altLang="en-US" sz="1000" dirty="0">
+              <a:rPr lang="zh-CN" altLang="en-US" sz="1100" dirty="0">
                 <a:solidFill>
                   <a:srgbClr val="003A36"/>
                 </a:solidFill>
@@ -20359,7 +20131,7 @@
               <a:t> </a:t>
             </a:r>
             <a:r>
-              <a:rPr sz="1000" dirty="0">
+              <a:rPr sz="1100" dirty="0">
                 <a:solidFill>
                   <a:srgbClr val="003A36"/>
                 </a:solidFill>
@@ -20369,7 +20141,7 @@
               </a:rPr>
               <a:t>(Figure 3).</a:t>
             </a:r>
-            <a:endParaRPr sz="1000" dirty="0">
+            <a:endParaRPr sz="1100" dirty="0">
               <a:latin typeface="Source Han Sans CN" panose="020B0500000000000000" pitchFamily="34" charset="-128"/>
               <a:ea typeface="Source Han Sans CN" panose="020B0500000000000000" pitchFamily="34" charset="-128"/>
               <a:cs typeface="Lucida Sans Unicode"/>
@@ -20383,10 +20155,16 @@
           <p:cNvGraphicFramePr>
             <a:graphicFrameLocks noGrp="1"/>
           </p:cNvGraphicFramePr>
-          <p:nvPr/>
+          <p:nvPr>
+            <p:extLst>
+              <p:ext uri="{D42A27DB-BD31-4B8C-83A1-F6EECF244321}">
+                <p14:modId xmlns:p14="http://schemas.microsoft.com/office/powerpoint/2010/main" val="787995517"/>
+              </p:ext>
+            </p:extLst>
+          </p:nvPr>
         </p:nvGraphicFramePr>
         <p:xfrm>
-          <a:off x="4115930" y="4608525"/>
+          <a:off x="4115930" y="3767976"/>
           <a:ext cx="1744345" cy="588645"/>
         </p:xfrm>
         <a:graphic>
@@ -20418,7 +20196,7 @@
                   </a:extLst>
                 </a:gridCol>
               </a:tblGrid>
-              <a:tr h="158750">
+              <a:tr h="294005">
                 <a:tc>
                   <a:txBody>
                     <a:bodyPr/>
@@ -20433,7 +20211,7 @@
                         </a:spcBef>
                       </a:pPr>
                       <a:r>
-                        <a:rPr sz="750" dirty="0">
+                        <a:rPr sz="750" b="1" dirty="0">
                           <a:solidFill>
                             <a:srgbClr val="0A322C"/>
                           </a:solidFill>
@@ -20443,7 +20221,7 @@
                         <a:t>Point</a:t>
                       </a:r>
                       <a:r>
-                        <a:rPr sz="750" spc="90" dirty="0">
+                        <a:rPr sz="750" b="1" spc="90" dirty="0">
                           <a:solidFill>
                             <a:srgbClr val="0A322C"/>
                           </a:solidFill>
@@ -20453,7 +20231,7 @@
                         <a:t> </a:t>
                       </a:r>
                       <a:r>
-                        <a:rPr sz="750" spc="-25" dirty="0">
+                        <a:rPr sz="750" b="1" spc="-25" dirty="0">
                           <a:solidFill>
                             <a:srgbClr val="0A322C"/>
                           </a:solidFill>
@@ -20462,9 +20240,27 @@
                         </a:rPr>
                         <a:t>of</a:t>
                       </a:r>
-                      <a:endParaRPr sz="750">
+                      <a:r>
+                        <a:rPr lang="zh-CN" altLang="en-US" sz="750" b="1" spc="-25" dirty="0">
+                          <a:solidFill>
+                            <a:srgbClr val="0A322C"/>
+                          </a:solidFill>
+                          <a:latin typeface="Century Gothic"/>
+                          <a:cs typeface="Century Gothic"/>
+                        </a:rPr>
+                        <a:t> </a:t>
+                      </a:r>
+                      <a:r>
+                        <a:rPr sz="750" b="1" spc="-10" dirty="0">
+                          <a:solidFill>
+                            <a:srgbClr val="0A322C"/>
+                          </a:solidFill>
+                          <a:latin typeface="Century Gothic"/>
+                        </a:rPr>
+                        <a:t>Service</a:t>
+                      </a:r>
+                      <a:endParaRPr sz="750" b="1" dirty="0">
                         <a:latin typeface="Century Gothic"/>
-                        <a:cs typeface="Century Gothic"/>
                       </a:endParaRPr>
                     </a:p>
                   </a:txBody>
@@ -20494,7 +20290,7 @@
                         </a:spcBef>
                       </a:pPr>
                       <a:r>
-                        <a:rPr sz="750" dirty="0">
+                        <a:rPr sz="750" b="1" dirty="0">
                           <a:solidFill>
                             <a:srgbClr val="0A322C"/>
                           </a:solidFill>
@@ -20504,7 +20300,7 @@
                         <a:t>Point</a:t>
                       </a:r>
                       <a:r>
-                        <a:rPr sz="750" spc="90" dirty="0">
+                        <a:rPr sz="750" b="1" spc="90" dirty="0">
                           <a:solidFill>
                             <a:srgbClr val="0A322C"/>
                           </a:solidFill>
@@ -20514,7 +20310,7 @@
                         <a:t> </a:t>
                       </a:r>
                       <a:r>
-                        <a:rPr sz="750" spc="-25" dirty="0">
+                        <a:rPr sz="750" b="1" spc="-25" dirty="0">
                           <a:solidFill>
                             <a:srgbClr val="0A322C"/>
                           </a:solidFill>
@@ -20523,9 +20319,27 @@
                         </a:rPr>
                         <a:t>of</a:t>
                       </a:r>
-                      <a:endParaRPr sz="750">
+                      <a:r>
+                        <a:rPr lang="zh-CN" altLang="en-US" sz="750" b="1" spc="-25" dirty="0">
+                          <a:solidFill>
+                            <a:srgbClr val="0A322C"/>
+                          </a:solidFill>
+                          <a:latin typeface="Century Gothic"/>
+                          <a:cs typeface="Century Gothic"/>
+                        </a:rPr>
+                        <a:t> </a:t>
+                      </a:r>
+                      <a:r>
+                        <a:rPr sz="750" b="1" spc="-10" dirty="0">
+                          <a:solidFill>
+                            <a:srgbClr val="0A322C"/>
+                          </a:solidFill>
+                          <a:latin typeface="Century Gothic"/>
+                        </a:rPr>
+                        <a:t>Service</a:t>
+                      </a:r>
+                      <a:endParaRPr sz="750" b="1" dirty="0">
                         <a:latin typeface="Century Gothic"/>
-                        <a:cs typeface="Century Gothic"/>
                       </a:endParaRPr>
                     </a:p>
                   </a:txBody>
@@ -20561,7 +20375,7 @@
                         </a:spcBef>
                       </a:pPr>
                       <a:r>
-                        <a:rPr sz="750" dirty="0">
+                        <a:rPr sz="750" b="1" dirty="0">
                           <a:solidFill>
                             <a:srgbClr val="0A322C"/>
                           </a:solidFill>
@@ -20571,7 +20385,7 @@
                         <a:t>Point</a:t>
                       </a:r>
                       <a:r>
-                        <a:rPr sz="750" spc="90" dirty="0">
+                        <a:rPr sz="750" b="1" spc="90" dirty="0">
                           <a:solidFill>
                             <a:srgbClr val="0A322C"/>
                           </a:solidFill>
@@ -20581,7 +20395,7 @@
                         <a:t> </a:t>
                       </a:r>
                       <a:r>
-                        <a:rPr sz="750" spc="-25" dirty="0">
+                        <a:rPr sz="750" b="1" spc="-25" dirty="0">
                           <a:solidFill>
                             <a:srgbClr val="0A322C"/>
                           </a:solidFill>
@@ -20590,9 +20404,27 @@
                         </a:rPr>
                         <a:t>of</a:t>
                       </a:r>
-                      <a:endParaRPr sz="750">
+                      <a:r>
+                        <a:rPr lang="zh-CN" altLang="en-US" sz="750" b="1" spc="-25" dirty="0">
+                          <a:solidFill>
+                            <a:srgbClr val="0A322C"/>
+                          </a:solidFill>
+                          <a:latin typeface="Century Gothic"/>
+                          <a:cs typeface="Century Gothic"/>
+                        </a:rPr>
+                        <a:t> </a:t>
+                      </a:r>
+                      <a:r>
+                        <a:rPr sz="750" b="1" spc="-10" dirty="0">
+                          <a:solidFill>
+                            <a:srgbClr val="0A322C"/>
+                          </a:solidFill>
+                          <a:latin typeface="Century Gothic"/>
+                        </a:rPr>
+                        <a:t>Service</a:t>
+                      </a:r>
+                      <a:endParaRPr sz="750" b="1" dirty="0">
                         <a:latin typeface="Century Gothic"/>
-                        <a:cs typeface="Century Gothic"/>
                       </a:endParaRPr>
                     </a:p>
                   </a:txBody>
@@ -20614,133 +20446,6 @@
                   </a:ext>
                 </a:extLst>
               </a:tr>
-              <a:tr h="135255">
-                <a:tc>
-                  <a:txBody>
-                    <a:bodyPr/>
-                    <a:lstStyle/>
-                    <a:p>
-                      <a:pPr marR="14604" algn="ctr">
-                        <a:lnSpc>
-                          <a:spcPts val="760"/>
-                        </a:lnSpc>
-                      </a:pPr>
-                      <a:r>
-                        <a:rPr sz="750" spc="-10" dirty="0">
-                          <a:solidFill>
-                            <a:srgbClr val="0A322C"/>
-                          </a:solidFill>
-                          <a:latin typeface="Century Gothic"/>
-                          <a:cs typeface="Century Gothic"/>
-                        </a:rPr>
-                        <a:t>Service</a:t>
-                      </a:r>
-                      <a:endParaRPr sz="750">
-                        <a:latin typeface="Century Gothic"/>
-                        <a:cs typeface="Century Gothic"/>
-                      </a:endParaRPr>
-                    </a:p>
-                  </a:txBody>
-                  <a:tcPr marL="0" marR="0" marT="0" marB="0">
-                    <a:lnR w="57150">
-                      <a:solidFill>
-                        <a:srgbClr val="FFFFFF"/>
-                      </a:solidFill>
-                      <a:prstDash val="solid"/>
-                    </a:lnR>
-                    <a:solidFill>
-                      <a:srgbClr val="9CD6C3"/>
-                    </a:solidFill>
-                  </a:tcPr>
-                </a:tc>
-                <a:tc>
-                  <a:txBody>
-                    <a:bodyPr/>
-                    <a:lstStyle/>
-                    <a:p>
-                      <a:pPr algn="ctr">
-                        <a:lnSpc>
-                          <a:spcPts val="760"/>
-                        </a:lnSpc>
-                      </a:pPr>
-                      <a:r>
-                        <a:rPr sz="750" spc="-10" dirty="0">
-                          <a:solidFill>
-                            <a:srgbClr val="0A322C"/>
-                          </a:solidFill>
-                          <a:latin typeface="Century Gothic"/>
-                          <a:cs typeface="Century Gothic"/>
-                        </a:rPr>
-                        <a:t>Service</a:t>
-                      </a:r>
-                      <a:endParaRPr sz="750">
-                        <a:latin typeface="Century Gothic"/>
-                        <a:cs typeface="Century Gothic"/>
-                      </a:endParaRPr>
-                    </a:p>
-                  </a:txBody>
-                  <a:tcPr marL="0" marR="0" marT="0" marB="0">
-                    <a:lnL w="57150">
-                      <a:solidFill>
-                        <a:srgbClr val="FFFFFF"/>
-                      </a:solidFill>
-                      <a:prstDash val="solid"/>
-                    </a:lnL>
-                    <a:lnR w="57150">
-                      <a:solidFill>
-                        <a:srgbClr val="FFFFFF"/>
-                      </a:solidFill>
-                      <a:prstDash val="solid"/>
-                    </a:lnR>
-                    <a:solidFill>
-                      <a:srgbClr val="9CD6C3"/>
-                    </a:solidFill>
-                  </a:tcPr>
-                </a:tc>
-                <a:tc>
-                  <a:txBody>
-                    <a:bodyPr/>
-                    <a:lstStyle/>
-                    <a:p>
-                      <a:pPr marL="22225" algn="ctr">
-                        <a:lnSpc>
-                          <a:spcPts val="760"/>
-                        </a:lnSpc>
-                      </a:pPr>
-                      <a:r>
-                        <a:rPr sz="750" spc="-10" dirty="0">
-                          <a:solidFill>
-                            <a:srgbClr val="0A322C"/>
-                          </a:solidFill>
-                          <a:latin typeface="Century Gothic"/>
-                          <a:cs typeface="Century Gothic"/>
-                        </a:rPr>
-                        <a:t>Service</a:t>
-                      </a:r>
-                      <a:endParaRPr sz="750">
-                        <a:latin typeface="Century Gothic"/>
-                        <a:cs typeface="Century Gothic"/>
-                      </a:endParaRPr>
-                    </a:p>
-                  </a:txBody>
-                  <a:tcPr marL="0" marR="0" marT="0" marB="0">
-                    <a:lnL w="57150">
-                      <a:solidFill>
-                        <a:srgbClr val="FFFFFF"/>
-                      </a:solidFill>
-                      <a:prstDash val="solid"/>
-                    </a:lnL>
-                    <a:solidFill>
-                      <a:srgbClr val="9CD6C3"/>
-                    </a:solidFill>
-                  </a:tcPr>
-                </a:tc>
-                <a:extLst>
-                  <a:ext uri="{0D108BD9-81ED-4DB2-BD59-A6C34878D82A}">
-                    <a16:rowId xmlns:a16="http://schemas.microsoft.com/office/drawing/2014/main" val="10001"/>
-                  </a:ext>
-                </a:extLst>
-              </a:tr>
               <a:tr h="294640">
                 <a:tc>
                   <a:txBody>
@@ -20756,7 +20461,7 @@
                         </a:spcBef>
                       </a:pPr>
                       <a:r>
-                        <a:rPr sz="750" spc="-10" dirty="0">
+                        <a:rPr sz="750" b="1" spc="-10" dirty="0">
                           <a:solidFill>
                             <a:srgbClr val="0A322C"/>
                           </a:solidFill>
@@ -20765,18 +20470,21 @@
                         </a:rPr>
                         <a:t>Container</a:t>
                       </a:r>
-                      <a:endParaRPr sz="750">
+                      <a:endParaRPr sz="750" b="1">
                         <a:latin typeface="Century Gothic"/>
                         <a:cs typeface="Century Gothic"/>
                       </a:endParaRPr>
                     </a:p>
                   </a:txBody>
                   <a:tcPr marL="0" marR="0" marT="78740" marB="0">
-                    <a:lnR w="57150">
+                    <a:lnR w="57150" cap="flat" cmpd="sng" algn="ctr">
                       <a:solidFill>
                         <a:srgbClr val="FFFFFF"/>
                       </a:solidFill>
                       <a:prstDash val="solid"/>
+                      <a:round/>
+                      <a:headEnd type="none" w="med" len="med"/>
+                      <a:tailEnd type="none" w="med" len="med"/>
                     </a:lnR>
                     <a:solidFill>
                       <a:srgbClr val="DFDFE0"/>
@@ -20797,7 +20505,7 @@
                         </a:spcBef>
                       </a:pPr>
                       <a:r>
-                        <a:rPr sz="750" spc="-10" dirty="0">
+                        <a:rPr sz="750" b="1" spc="-10" dirty="0">
                           <a:solidFill>
                             <a:srgbClr val="0A322C"/>
                           </a:solidFill>
@@ -20806,24 +20514,30 @@
                         </a:rPr>
                         <a:t>Container</a:t>
                       </a:r>
-                      <a:endParaRPr sz="750">
+                      <a:endParaRPr sz="750" b="1">
                         <a:latin typeface="Century Gothic"/>
                         <a:cs typeface="Century Gothic"/>
                       </a:endParaRPr>
                     </a:p>
                   </a:txBody>
                   <a:tcPr marL="0" marR="0" marT="78740" marB="0">
-                    <a:lnL w="57150">
+                    <a:lnL w="57150" cap="flat" cmpd="sng" algn="ctr">
                       <a:solidFill>
                         <a:srgbClr val="FFFFFF"/>
                       </a:solidFill>
                       <a:prstDash val="solid"/>
+                      <a:round/>
+                      <a:headEnd type="none" w="med" len="med"/>
+                      <a:tailEnd type="none" w="med" len="med"/>
                     </a:lnL>
-                    <a:lnR w="57150">
+                    <a:lnR w="57150" cap="flat" cmpd="sng" algn="ctr">
                       <a:solidFill>
                         <a:srgbClr val="FFFFFF"/>
                       </a:solidFill>
                       <a:prstDash val="solid"/>
+                      <a:round/>
+                      <a:headEnd type="none" w="med" len="med"/>
+                      <a:tailEnd type="none" w="med" len="med"/>
                     </a:lnR>
                     <a:solidFill>
                       <a:srgbClr val="DFDFE0"/>
@@ -20844,7 +20558,7 @@
                         </a:spcBef>
                       </a:pPr>
                       <a:r>
-                        <a:rPr sz="750" spc="-10" dirty="0">
+                        <a:rPr sz="750" b="1" spc="-10" dirty="0">
                           <a:solidFill>
                             <a:srgbClr val="0A322C"/>
                           </a:solidFill>
@@ -20853,18 +20567,21 @@
                         </a:rPr>
                         <a:t>Container</a:t>
                       </a:r>
-                      <a:endParaRPr sz="750" dirty="0">
+                      <a:endParaRPr sz="750" b="1" dirty="0">
                         <a:latin typeface="Century Gothic"/>
                         <a:cs typeface="Century Gothic"/>
                       </a:endParaRPr>
                     </a:p>
                   </a:txBody>
                   <a:tcPr marL="0" marR="0" marT="78740" marB="0">
-                    <a:lnL w="57150">
+                    <a:lnL w="57150" cap="flat" cmpd="sng" algn="ctr">
                       <a:solidFill>
                         <a:srgbClr val="FFFFFF"/>
                       </a:solidFill>
                       <a:prstDash val="solid"/>
+                      <a:round/>
+                      <a:headEnd type="none" w="med" len="med"/>
+                      <a:tailEnd type="none" w="med" len="med"/>
                     </a:lnL>
                     <a:solidFill>
                       <a:srgbClr val="DFDFE0"/>
@@ -20889,7 +20606,7 @@
         </p:nvSpPr>
         <p:spPr>
           <a:xfrm>
-            <a:off x="6083363" y="4421949"/>
+            <a:off x="6083363" y="3581400"/>
             <a:ext cx="716915" cy="481965"/>
           </a:xfrm>
           <a:custGeom>
@@ -20942,8 +20659,8 @@
         </p:nvSpPr>
         <p:spPr>
           <a:xfrm>
-            <a:off x="6325323" y="4484838"/>
-            <a:ext cx="245745" cy="128881"/>
+            <a:off x="6210979" y="3632855"/>
+            <a:ext cx="464868" cy="372538"/>
           </a:xfrm>
           <a:prstGeom prst="rect">
             <a:avLst/>
@@ -20956,15 +20673,12 @@
           <a:lstStyle/>
           <a:p>
             <a:pPr>
-              <a:lnSpc>
-                <a:spcPct val="100000"/>
-              </a:lnSpc>
               <a:spcBef>
                 <a:spcPts val="105"/>
               </a:spcBef>
             </a:pPr>
             <a:r>
-              <a:rPr sz="750" dirty="0">
+              <a:rPr sz="750" b="1" dirty="0">
                 <a:solidFill>
                   <a:srgbClr val="0A322C"/>
                 </a:solidFill>
@@ -20974,45 +20688,8 @@
               </a:rPr>
               <a:t>SUSE</a:t>
             </a:r>
-            <a:endParaRPr sz="750">
-              <a:latin typeface="Source Han Sans CN" panose="020B0500000000000000" pitchFamily="34" charset="-128"/>
-              <a:ea typeface="Source Han Sans CN" panose="020B0500000000000000" pitchFamily="34" charset="-128"/>
-              <a:cs typeface="Century Gothic"/>
-            </a:endParaRPr>
-          </a:p>
-        </p:txBody>
-      </p:sp>
-      <p:sp>
-        <p:nvSpPr>
-          <p:cNvPr id="17" name="object 17"/>
-          <p:cNvSpPr txBox="1"/>
-          <p:nvPr/>
-        </p:nvSpPr>
-        <p:spPr>
-          <a:xfrm>
-            <a:off x="6222270" y="4592313"/>
-            <a:ext cx="452120" cy="128881"/>
-          </a:xfrm>
-          <a:prstGeom prst="rect">
-            <a:avLst/>
-          </a:prstGeom>
-        </p:spPr>
-        <p:txBody>
-          <a:bodyPr vert="horz" wrap="square" lIns="0" tIns="13335" rIns="0" bIns="0" rtlCol="0">
-            <a:spAutoFit/>
-          </a:bodyPr>
-          <a:lstStyle/>
-          <a:p>
-            <a:pPr>
-              <a:lnSpc>
-                <a:spcPct val="100000"/>
-              </a:lnSpc>
-              <a:spcBef>
-                <a:spcPts val="105"/>
-              </a:spcBef>
-            </a:pPr>
-            <a:r>
-              <a:rPr sz="750" dirty="0">
+            <a:r>
+              <a:rPr lang="zh-CN" altLang="en-US" sz="750" b="1" dirty="0">
                 <a:solidFill>
                   <a:srgbClr val="0A322C"/>
                 </a:solidFill>
@@ -21020,47 +20697,21 @@
                 <a:ea typeface="Source Han Sans CN" panose="020B0500000000000000" pitchFamily="34" charset="-128"/>
                 <a:cs typeface="Century Gothic"/>
               </a:rPr>
+              <a:t> </a:t>
+            </a:r>
+            <a:r>
+              <a:rPr lang="en" altLang="zh-CN" sz="750" b="1" dirty="0">
+                <a:solidFill>
+                  <a:srgbClr val="0A322C"/>
+                </a:solidFill>
+                <a:latin typeface="Source Han Sans CN" panose="020B0500000000000000" pitchFamily="34" charset="-128"/>
+                <a:ea typeface="Source Han Sans CN" panose="020B0500000000000000" pitchFamily="34" charset="-128"/>
+                <a:cs typeface="Century Gothic"/>
+              </a:rPr>
               <a:t>Manager</a:t>
             </a:r>
-            <a:endParaRPr sz="750">
-              <a:latin typeface="Source Han Sans CN" panose="020B0500000000000000" pitchFamily="34" charset="-128"/>
-              <a:ea typeface="Source Han Sans CN" panose="020B0500000000000000" pitchFamily="34" charset="-128"/>
-              <a:cs typeface="Century Gothic"/>
-            </a:endParaRPr>
-          </a:p>
-        </p:txBody>
-      </p:sp>
-      <p:sp>
-        <p:nvSpPr>
-          <p:cNvPr id="18" name="object 18"/>
-          <p:cNvSpPr txBox="1"/>
-          <p:nvPr/>
-        </p:nvSpPr>
-        <p:spPr>
-          <a:xfrm>
-            <a:off x="6228231" y="4699788"/>
-            <a:ext cx="440055" cy="128881"/>
-          </a:xfrm>
-          <a:prstGeom prst="rect">
-            <a:avLst/>
-          </a:prstGeom>
-        </p:spPr>
-        <p:txBody>
-          <a:bodyPr vert="horz" wrap="square" lIns="0" tIns="13335" rIns="0" bIns="0" rtlCol="0">
-            <a:spAutoFit/>
-          </a:bodyPr>
-          <a:lstStyle/>
-          <a:p>
-            <a:pPr>
-              <a:lnSpc>
-                <a:spcPct val="100000"/>
-              </a:lnSpc>
-              <a:spcBef>
-                <a:spcPts val="105"/>
-              </a:spcBef>
-            </a:pPr>
-            <a:r>
-              <a:rPr sz="750" dirty="0">
+            <a:r>
+              <a:rPr lang="zh-CN" altLang="en-US" sz="750" b="1" dirty="0">
                 <a:solidFill>
                   <a:srgbClr val="0A322C"/>
                 </a:solidFill>
@@ -21068,9 +20719,33 @@
                 <a:ea typeface="Source Han Sans CN" panose="020B0500000000000000" pitchFamily="34" charset="-128"/>
                 <a:cs typeface="Century Gothic"/>
               </a:rPr>
-              <a:t>for Retail</a:t>
-            </a:r>
-            <a:endParaRPr sz="750">
+              <a:t> </a:t>
+            </a:r>
+            <a:r>
+              <a:rPr lang="en-US" altLang="zh-CN" sz="750" b="1" dirty="0">
+                <a:latin typeface="Source Han Sans CN" panose="020B0500000000000000" pitchFamily="34" charset="-128"/>
+                <a:ea typeface="Source Han Sans CN" panose="020B0500000000000000" pitchFamily="34" charset="-128"/>
+                <a:cs typeface="Century Gothic"/>
+              </a:rPr>
+              <a:t>for</a:t>
+            </a:r>
+            <a:r>
+              <a:rPr lang="zh-CN" altLang="en-US" sz="750" b="1" dirty="0">
+                <a:latin typeface="Source Han Sans CN" panose="020B0500000000000000" pitchFamily="34" charset="-128"/>
+                <a:ea typeface="Source Han Sans CN" panose="020B0500000000000000" pitchFamily="34" charset="-128"/>
+                <a:cs typeface="Century Gothic"/>
+              </a:rPr>
+              <a:t> </a:t>
+            </a:r>
+            <a:r>
+              <a:rPr lang="en-US" altLang="zh-CN" sz="750" b="1" dirty="0">
+                <a:latin typeface="Source Han Sans CN" panose="020B0500000000000000" pitchFamily="34" charset="-128"/>
+                <a:ea typeface="Source Han Sans CN" panose="020B0500000000000000" pitchFamily="34" charset="-128"/>
+                <a:cs typeface="Century Gothic"/>
+              </a:rPr>
+              <a:t>Retail</a:t>
+            </a:r>
+            <a:endParaRPr sz="750" b="1" dirty="0">
               <a:latin typeface="Source Han Sans CN" panose="020B0500000000000000" pitchFamily="34" charset="-128"/>
               <a:ea typeface="Source Han Sans CN" panose="020B0500000000000000" pitchFamily="34" charset="-128"/>
               <a:cs typeface="Century Gothic"/>
@@ -21086,7 +20761,7 @@
         </p:nvSpPr>
         <p:spPr>
           <a:xfrm>
-            <a:off x="6083363" y="4903444"/>
+            <a:off x="6083363" y="4062895"/>
             <a:ext cx="716915" cy="481965"/>
           </a:xfrm>
           <a:custGeom>
@@ -21124,7 +20799,7 @@
           <a:bodyPr wrap="square" lIns="0" tIns="0" rIns="0" bIns="0" rtlCol="0"/>
           <a:lstStyle/>
           <a:p>
-            <a:endParaRPr>
+            <a:endParaRPr b="1">
               <a:latin typeface="Source Han Sans CN" panose="020B0500000000000000" pitchFamily="34" charset="-128"/>
               <a:ea typeface="Source Han Sans CN" panose="020B0500000000000000" pitchFamily="34" charset="-128"/>
             </a:endParaRPr>
@@ -21139,8 +20814,8 @@
         </p:nvSpPr>
         <p:spPr>
           <a:xfrm>
-            <a:off x="6239427" y="4996516"/>
-            <a:ext cx="417830" cy="128881"/>
+            <a:off x="6231771" y="4176876"/>
+            <a:ext cx="417830" cy="244298"/>
           </a:xfrm>
           <a:prstGeom prst="rect">
             <a:avLst/>
@@ -21153,9 +20828,6 @@
           <a:lstStyle/>
           <a:p>
             <a:pPr>
-              <a:lnSpc>
-                <a:spcPct val="100000"/>
-              </a:lnSpc>
               <a:spcBef>
                 <a:spcPts val="105"/>
               </a:spcBef>
@@ -21171,45 +20843,8 @@
               </a:rPr>
               <a:t>Rancher</a:t>
             </a:r>
-            <a:endParaRPr sz="750">
-              <a:latin typeface="Source Han Sans CN" panose="020B0500000000000000" pitchFamily="34" charset="-128"/>
-              <a:ea typeface="Source Han Sans CN" panose="020B0500000000000000" pitchFamily="34" charset="-128"/>
-              <a:cs typeface="Century Gothic"/>
-            </a:endParaRPr>
-          </a:p>
-        </p:txBody>
-      </p:sp>
-      <p:sp>
-        <p:nvSpPr>
-          <p:cNvPr id="21" name="object 21"/>
-          <p:cNvSpPr txBox="1"/>
-          <p:nvPr/>
-        </p:nvSpPr>
-        <p:spPr>
-          <a:xfrm>
-            <a:off x="6302393" y="5103991"/>
-            <a:ext cx="291465" cy="128881"/>
-          </a:xfrm>
-          <a:prstGeom prst="rect">
-            <a:avLst/>
-          </a:prstGeom>
-        </p:spPr>
-        <p:txBody>
-          <a:bodyPr vert="horz" wrap="square" lIns="0" tIns="13335" rIns="0" bIns="0" rtlCol="0">
-            <a:spAutoFit/>
-          </a:bodyPr>
-          <a:lstStyle/>
-          <a:p>
-            <a:pPr>
-              <a:lnSpc>
-                <a:spcPct val="100000"/>
-              </a:lnSpc>
-              <a:spcBef>
-                <a:spcPts val="105"/>
-              </a:spcBef>
-            </a:pPr>
-            <a:r>
-              <a:rPr sz="750" dirty="0">
+            <a:r>
+              <a:rPr lang="zh-CN" altLang="en-US" sz="750" dirty="0">
                 <a:solidFill>
                   <a:srgbClr val="FFFFFF"/>
                 </a:solidFill>
@@ -21217,9 +20852,20 @@
                 <a:ea typeface="Source Han Sans CN" panose="020B0500000000000000" pitchFamily="34" charset="-128"/>
                 <a:cs typeface="Century Gothic"/>
               </a:rPr>
+              <a:t> </a:t>
+            </a:r>
+            <a:r>
+              <a:rPr lang="en" altLang="zh-CN" sz="750" dirty="0">
+                <a:solidFill>
+                  <a:srgbClr val="FFFFFF"/>
+                </a:solidFill>
+                <a:latin typeface="Source Han Sans CN" panose="020B0500000000000000" pitchFamily="34" charset="-128"/>
+                <a:ea typeface="Source Han Sans CN" panose="020B0500000000000000" pitchFamily="34" charset="-128"/>
+                <a:cs typeface="Century Gothic"/>
+              </a:rPr>
               <a:t>Prime</a:t>
             </a:r>
-            <a:endParaRPr sz="750">
+            <a:endParaRPr lang="en" altLang="zh-CN" sz="750" dirty="0">
               <a:latin typeface="Source Han Sans CN" panose="020B0500000000000000" pitchFamily="34" charset="-128"/>
               <a:ea typeface="Source Han Sans CN" panose="020B0500000000000000" pitchFamily="34" charset="-128"/>
               <a:cs typeface="Century Gothic"/>
@@ -21235,7 +20881,7 @@
         </p:nvGrpSpPr>
         <p:grpSpPr>
           <a:xfrm>
-            <a:off x="4361958" y="4478902"/>
+            <a:off x="4361958" y="3638353"/>
             <a:ext cx="1725930" cy="849630"/>
             <a:chOff x="4361958" y="4478902"/>
             <a:chExt cx="1725930" cy="849630"/>
@@ -21826,8 +21472,8 @@
         </p:nvSpPr>
         <p:spPr>
           <a:xfrm>
-            <a:off x="4095744" y="6413500"/>
-            <a:ext cx="2731770" cy="1798890"/>
+            <a:off x="4095744" y="5882269"/>
+            <a:ext cx="2854966" cy="2175724"/>
           </a:xfrm>
           <a:prstGeom prst="rect">
             <a:avLst/>
@@ -21848,7 +21494,7 @@
               </a:spcBef>
             </a:pPr>
             <a:r>
-              <a:rPr sz="1000" dirty="0">
+              <a:rPr sz="1100" dirty="0">
                 <a:solidFill>
                   <a:srgbClr val="003A36"/>
                 </a:solidFill>
@@ -21859,7 +21505,7 @@
               <a:t>Because the combination of SUSE Manager and Rancher Prime provide a clear</a:t>
             </a:r>
             <a:r>
-              <a:rPr lang="zh-CN" altLang="en-US" sz="1000" dirty="0">
+              <a:rPr lang="zh-CN" altLang="en-US" sz="1100" dirty="0">
                 <a:solidFill>
                   <a:srgbClr val="003A36"/>
                 </a:solidFill>
@@ -21870,7 +21516,7 @@
               <a:t> </a:t>
             </a:r>
             <a:r>
-              <a:rPr sz="1000" dirty="0">
+              <a:rPr sz="1100" dirty="0">
                 <a:solidFill>
                   <a:srgbClr val="003A36"/>
                 </a:solidFill>
@@ -21881,7 +21527,7 @@
               <a:t>path for transitioning to a containerized</a:t>
             </a:r>
             <a:r>
-              <a:rPr lang="zh-CN" altLang="en-US" sz="1000" dirty="0">
+              <a:rPr lang="zh-CN" altLang="en-US" sz="1100" dirty="0">
                 <a:solidFill>
                   <a:srgbClr val="003A36"/>
                 </a:solidFill>
@@ -21892,7 +21538,7 @@
               <a:t> </a:t>
             </a:r>
             <a:r>
-              <a:rPr sz="1000" dirty="0">
+              <a:rPr sz="1100" dirty="0">
                 <a:solidFill>
                   <a:srgbClr val="003A36"/>
                 </a:solidFill>
@@ -21903,7 +21549,7 @@
               <a:t>environment, you can make that transition whenever it works best for your</a:t>
             </a:r>
             <a:r>
-              <a:rPr lang="zh-CN" altLang="en-US" sz="1000" dirty="0">
+              <a:rPr lang="zh-CN" altLang="en-US" sz="1100" dirty="0">
                 <a:solidFill>
                   <a:srgbClr val="003A36"/>
                 </a:solidFill>
@@ -21914,7 +21560,7 @@
               <a:t> </a:t>
             </a:r>
             <a:r>
-              <a:rPr sz="1000" dirty="0">
+              <a:rPr sz="1100" dirty="0">
                 <a:solidFill>
                   <a:srgbClr val="003A36"/>
                 </a:solidFill>
@@ -21925,7 +21571,7 @@
               <a:t>organization. SUSE Manager for Retail also</a:t>
             </a:r>
             <a:r>
-              <a:rPr lang="zh-CN" altLang="en-US" sz="1000" dirty="0">
+              <a:rPr lang="zh-CN" altLang="en-US" sz="1100" dirty="0">
                 <a:solidFill>
                   <a:srgbClr val="003A36"/>
                 </a:solidFill>
@@ -21936,7 +21582,7 @@
               <a:t> </a:t>
             </a:r>
             <a:r>
-              <a:rPr sz="1000" dirty="0">
+              <a:rPr sz="1100" dirty="0">
                 <a:solidFill>
                   <a:srgbClr val="003A36"/>
                 </a:solidFill>
@@ -21947,7 +21593,7 @@
               <a:t>supports legacy systems running on bare</a:t>
             </a:r>
             <a:r>
-              <a:rPr lang="zh-CN" altLang="en-US" sz="1000" dirty="0">
+              <a:rPr lang="zh-CN" altLang="en-US" sz="1100" dirty="0">
                 <a:solidFill>
                   <a:srgbClr val="003A36"/>
                 </a:solidFill>
@@ -21958,7 +21604,7 @@
               <a:t> </a:t>
             </a:r>
             <a:r>
-              <a:rPr sz="1000" dirty="0">
+              <a:rPr sz="1100" dirty="0">
                 <a:solidFill>
                   <a:srgbClr val="003A36"/>
                 </a:solidFill>
@@ -21969,7 +21615,7 @@
               <a:t>metal and VMs, so you can migrate part</a:t>
             </a:r>
             <a:r>
-              <a:rPr lang="zh-CN" altLang="en-US" sz="1000" dirty="0">
+              <a:rPr lang="zh-CN" altLang="en-US" sz="1100" dirty="0">
                 <a:solidFill>
                   <a:srgbClr val="003A36"/>
                 </a:solidFill>
@@ -21980,7 +21626,7 @@
               <a:t> </a:t>
             </a:r>
             <a:r>
-              <a:rPr sz="1000" dirty="0">
+              <a:rPr sz="1100" dirty="0">
                 <a:solidFill>
                   <a:srgbClr val="003A36"/>
                 </a:solidFill>
@@ -21991,7 +21637,7 @@
               <a:t>of your infrastructure to containers and</a:t>
             </a:r>
             <a:r>
-              <a:rPr lang="zh-CN" altLang="en-US" sz="1000" dirty="0">
+              <a:rPr lang="zh-CN" altLang="en-US" sz="1100" dirty="0">
                 <a:solidFill>
                   <a:srgbClr val="003A36"/>
                 </a:solidFill>
@@ -22002,7 +21648,7 @@
               <a:t> </a:t>
             </a:r>
             <a:r>
-              <a:rPr sz="1000" dirty="0">
+              <a:rPr sz="1100" dirty="0">
                 <a:solidFill>
                   <a:srgbClr val="003A36"/>
                 </a:solidFill>
@@ -22012,7 +21658,7 @@
               </a:rPr>
               <a:t>leave the rest in a traditional configuration until the time is right to change.</a:t>
             </a:r>
-            <a:endParaRPr sz="1000" dirty="0">
+            <a:endParaRPr sz="1100" dirty="0">
               <a:latin typeface="Source Han Sans CN" panose="020B0500000000000000" pitchFamily="34" charset="-128"/>
               <a:ea typeface="Source Han Sans CN" panose="020B0500000000000000" pitchFamily="34" charset="-128"/>
               <a:cs typeface="Lucida Sans Unicode"/>
@@ -22161,8 +21807,8 @@
         </p:nvSpPr>
         <p:spPr>
           <a:xfrm>
-            <a:off x="4095744" y="5554979"/>
-            <a:ext cx="2731135" cy="590162"/>
+            <a:off x="4095744" y="4714430"/>
+            <a:ext cx="2731135" cy="810030"/>
           </a:xfrm>
           <a:prstGeom prst="rect">
             <a:avLst/>
@@ -22183,7 +21829,7 @@
               </a:spcBef>
             </a:pPr>
             <a:r>
-              <a:rPr sz="800" dirty="0">
+              <a:rPr sz="900" dirty="0">
                 <a:solidFill>
                   <a:srgbClr val="231F20"/>
                 </a:solidFill>
@@ -22194,7 +21840,7 @@
               <a:t>Figure 3: An integrated and simple solution for POS</a:t>
             </a:r>
             <a:r>
-              <a:rPr lang="zh-CN" altLang="en-US" sz="800" dirty="0">
+              <a:rPr lang="zh-CN" altLang="en-US" sz="900" dirty="0">
                 <a:solidFill>
                   <a:srgbClr val="231F20"/>
                 </a:solidFill>
@@ -22205,7 +21851,7 @@
               <a:t> </a:t>
             </a:r>
             <a:r>
-              <a:rPr sz="800" dirty="0">
+              <a:rPr sz="900" dirty="0">
                 <a:solidFill>
                   <a:srgbClr val="231F20"/>
                 </a:solidFill>
@@ -22216,7 +21862,7 @@
               <a:t>environments: SUSE Manager for Retail locks down</a:t>
             </a:r>
             <a:r>
-              <a:rPr lang="zh-CN" altLang="en-US" sz="800" dirty="0">
+              <a:rPr lang="zh-CN" altLang="en-US" sz="900" dirty="0">
                 <a:solidFill>
                   <a:srgbClr val="231F20"/>
                 </a:solidFill>
@@ -22227,7 +21873,7 @@
               <a:t> </a:t>
             </a:r>
             <a:r>
-              <a:rPr sz="800" dirty="0">
+              <a:rPr sz="900" dirty="0">
                 <a:solidFill>
                   <a:srgbClr val="231F20"/>
                 </a:solidFill>
@@ -22238,7 +21884,7 @@
               <a:t>client retail systems, and Rancher Prime administers</a:t>
             </a:r>
             <a:r>
-              <a:rPr lang="zh-CN" altLang="en-US" sz="800" dirty="0">
+              <a:rPr lang="zh-CN" altLang="en-US" sz="900" dirty="0">
                 <a:solidFill>
                   <a:srgbClr val="231F20"/>
                 </a:solidFill>
@@ -22249,7 +21895,7 @@
               <a:t> </a:t>
             </a:r>
             <a:r>
-              <a:rPr sz="800" dirty="0">
+              <a:rPr sz="900" dirty="0">
                 <a:solidFill>
                   <a:srgbClr val="231F20"/>
                 </a:solidFill>
@@ -22259,7 +21905,7 @@
               </a:rPr>
               <a:t>the underlying container infrastructure.</a:t>
             </a:r>
-            <a:endParaRPr sz="800" dirty="0">
+            <a:endParaRPr sz="900" dirty="0">
               <a:latin typeface="Source Han Sans CN" panose="020B0500000000000000" pitchFamily="34" charset="-128"/>
               <a:ea typeface="Source Han Sans CN" panose="020B0500000000000000" pitchFamily="34" charset="-128"/>
               <a:cs typeface="Lucida Sans Unicode"/>
@@ -24069,8 +23715,8 @@
         </p:nvSpPr>
         <p:spPr>
           <a:xfrm>
-            <a:off x="949331" y="1500416"/>
-            <a:ext cx="2725420" cy="7432740"/>
+            <a:off x="762000" y="1318984"/>
+            <a:ext cx="2914656" cy="7035900"/>
           </a:xfrm>
           <a:prstGeom prst="rect">
             <a:avLst/>
@@ -24082,7 +23728,7 @@
           </a:bodyPr>
           <a:lstStyle/>
           <a:p>
-            <a:pPr marL="12700">
+            <a:pPr marL="12700" algn="l">
               <a:lnSpc>
                 <a:spcPct val="100000"/>
               </a:lnSpc>
@@ -24091,7 +23737,7 @@
               </a:spcBef>
             </a:pPr>
             <a:r>
-              <a:rPr sz="1600" dirty="0">
+              <a:rPr sz="1600" b="1" dirty="0">
                 <a:solidFill>
                   <a:srgbClr val="003A36"/>
                 </a:solidFill>
@@ -24101,14 +23747,14 @@
               </a:rPr>
               <a:t>At the retail edge</a:t>
             </a:r>
-            <a:endParaRPr sz="1600" dirty="0">
+            <a:endParaRPr sz="1600" b="1" dirty="0">
               <a:latin typeface="Source Han Sans CN" panose="020B0500000000000000" pitchFamily="34" charset="-128"/>
               <a:ea typeface="Source Han Sans CN" panose="020B0500000000000000" pitchFamily="34" charset="-128"/>
               <a:cs typeface="Lucida Sans Unicode"/>
             </a:endParaRPr>
           </a:p>
           <a:p>
-            <a:pPr marL="12700" marR="64135">
+            <a:pPr marL="12700" marR="64135" algn="l">
               <a:lnSpc>
                 <a:spcPct val="116700"/>
               </a:lnSpc>
@@ -24117,7 +23763,7 @@
               </a:spcBef>
             </a:pPr>
             <a:r>
-              <a:rPr sz="1000" dirty="0">
+              <a:rPr sz="1100" dirty="0">
                 <a:solidFill>
                   <a:srgbClr val="003A36"/>
                 </a:solidFill>
@@ -24128,7 +23774,7 @@
               <a:t>SUSE Manager for Retail grows with you</a:t>
             </a:r>
             <a:r>
-              <a:rPr lang="zh-CN" altLang="en-US" sz="1000" dirty="0">
+              <a:rPr lang="zh-CN" altLang="en-US" sz="1100" dirty="0">
                 <a:solidFill>
                   <a:srgbClr val="003A36"/>
                 </a:solidFill>
@@ -24139,7 +23785,7 @@
               <a:t> </a:t>
             </a:r>
             <a:r>
-              <a:rPr sz="1000" dirty="0">
+              <a:rPr sz="1100" dirty="0">
                 <a:solidFill>
                   <a:srgbClr val="003A36"/>
                 </a:solidFill>
@@ -24150,7 +23796,7 @@
               <a:t>as your infrastructure evolves to encompass new technologies – such as edge</a:t>
             </a:r>
             <a:r>
-              <a:rPr lang="zh-CN" altLang="en-US" sz="1000" dirty="0">
+              <a:rPr lang="zh-CN" altLang="en-US" sz="1100" dirty="0">
                 <a:solidFill>
                   <a:srgbClr val="003A36"/>
                 </a:solidFill>
@@ -24161,7 +23807,7 @@
               <a:t> </a:t>
             </a:r>
             <a:r>
-              <a:rPr sz="1000" dirty="0">
+              <a:rPr sz="1100" dirty="0">
                 <a:solidFill>
                   <a:srgbClr val="003A36"/>
                 </a:solidFill>
@@ -24172,7 +23818,7 @@
               <a:t>computing. The goal of edge computing</a:t>
             </a:r>
             <a:r>
-              <a:rPr lang="zh-CN" altLang="en-US" sz="1000" dirty="0">
+              <a:rPr lang="zh-CN" altLang="en-US" sz="1100" dirty="0">
                 <a:solidFill>
                   <a:srgbClr val="003A36"/>
                 </a:solidFill>
@@ -24183,7 +23829,7 @@
               <a:t> </a:t>
             </a:r>
             <a:r>
-              <a:rPr sz="1000" dirty="0">
+              <a:rPr sz="1100" dirty="0">
                 <a:solidFill>
                   <a:srgbClr val="003A36"/>
                 </a:solidFill>
@@ -24194,7 +23840,7 @@
               <a:t>is</a:t>
             </a:r>
             <a:r>
-              <a:rPr lang="zh-CN" altLang="en-US" sz="1000" dirty="0">
+              <a:rPr lang="zh-CN" altLang="en-US" sz="1100" dirty="0">
                 <a:solidFill>
                   <a:srgbClr val="003A36"/>
                 </a:solidFill>
@@ -24205,7 +23851,7 @@
               <a:t> </a:t>
             </a:r>
             <a:r>
-              <a:rPr sz="1000" dirty="0">
+              <a:rPr sz="1100" dirty="0">
                 <a:solidFill>
                   <a:srgbClr val="003A36"/>
                 </a:solidFill>
@@ -24216,7 +23862,7 @@
               <a:t>to bring the compute resources closer</a:t>
             </a:r>
             <a:r>
-              <a:rPr lang="zh-CN" altLang="en-US" sz="1000" dirty="0">
+              <a:rPr lang="zh-CN" altLang="en-US" sz="1100" dirty="0">
                 <a:solidFill>
                   <a:srgbClr val="003A36"/>
                 </a:solidFill>
@@ -24227,7 +23873,7 @@
               <a:t> </a:t>
             </a:r>
             <a:r>
-              <a:rPr sz="1000" dirty="0">
+              <a:rPr sz="1100" dirty="0">
                 <a:solidFill>
                   <a:srgbClr val="003A36"/>
                 </a:solidFill>
@@ -24238,7 +23884,7 @@
               <a:t>to the devices that will access them. In</a:t>
             </a:r>
             <a:r>
-              <a:rPr lang="zh-CN" altLang="en-US" sz="1000" dirty="0">
+              <a:rPr lang="zh-CN" altLang="en-US" sz="1100" dirty="0">
                 <a:solidFill>
                   <a:srgbClr val="003A36"/>
                 </a:solidFill>
@@ -24249,7 +23895,7 @@
               <a:t> </a:t>
             </a:r>
             <a:r>
-              <a:rPr sz="1000" dirty="0">
+              <a:rPr sz="1100" dirty="0">
                 <a:solidFill>
                   <a:srgbClr val="003A36"/>
                 </a:solidFill>
@@ -24260,7 +23906,7 @@
               <a:t>the cloud age, many organizations place</a:t>
             </a:r>
             <a:r>
-              <a:rPr lang="zh-CN" altLang="en-US" sz="1000" dirty="0">
+              <a:rPr lang="zh-CN" altLang="en-US" sz="1100" dirty="0">
                 <a:solidFill>
                   <a:srgbClr val="003A36"/>
                 </a:solidFill>
@@ -24271,7 +23917,7 @@
               <a:t> </a:t>
             </a:r>
             <a:r>
-              <a:rPr sz="1000" dirty="0">
+              <a:rPr sz="1100" dirty="0">
                 <a:solidFill>
                   <a:srgbClr val="003A36"/>
                 </a:solidFill>
@@ -24282,7 +23928,7 @@
               <a:t>compute resources on an Internet-facing</a:t>
             </a:r>
             <a:r>
-              <a:rPr lang="zh-CN" altLang="en-US" sz="1000" dirty="0">
+              <a:rPr lang="zh-CN" altLang="en-US" sz="1100" dirty="0">
                 <a:solidFill>
                   <a:srgbClr val="003A36"/>
                 </a:solidFill>
@@ -24293,7 +23939,7 @@
               <a:t> </a:t>
             </a:r>
             <a:r>
-              <a:rPr sz="1000" dirty="0">
+              <a:rPr sz="1100" dirty="0">
                 <a:solidFill>
                   <a:srgbClr val="003A36"/>
                 </a:solidFill>
@@ -24304,7 +23950,7 @@
               <a:t>server that clients can access remotely.</a:t>
             </a:r>
             <a:r>
-              <a:rPr lang="zh-CN" altLang="en-US" sz="1000" dirty="0">
+              <a:rPr lang="zh-CN" altLang="en-US" sz="1100" dirty="0">
                 <a:solidFill>
                   <a:srgbClr val="003A36"/>
                 </a:solidFill>
@@ -24315,7 +23961,7 @@
               <a:t> </a:t>
             </a:r>
             <a:r>
-              <a:rPr sz="1000" dirty="0">
+              <a:rPr sz="1100" dirty="0">
                 <a:solidFill>
                   <a:srgbClr val="003A36"/>
                 </a:solidFill>
@@ -24326,7 +23972,7 @@
               <a:t>Edge computing takes the cloud concept</a:t>
             </a:r>
             <a:r>
-              <a:rPr lang="zh-CN" altLang="en-US" sz="1000" dirty="0">
+              <a:rPr lang="zh-CN" altLang="en-US" sz="1100" dirty="0">
                 <a:solidFill>
                   <a:srgbClr val="003A36"/>
                 </a:solidFill>
@@ -24337,7 +23983,7 @@
               <a:t> </a:t>
             </a:r>
             <a:r>
-              <a:rPr sz="1000" dirty="0">
+              <a:rPr sz="1100" dirty="0">
                 <a:solidFill>
                   <a:srgbClr val="003A36"/>
                 </a:solidFill>
@@ -24348,7 +23994,7 @@
               <a:t>and makes it local. In other words, you</a:t>
             </a:r>
             <a:r>
-              <a:rPr lang="zh-CN" altLang="en-US" sz="1000" dirty="0">
+              <a:rPr lang="zh-CN" altLang="en-US" sz="1100" dirty="0">
                 <a:solidFill>
                   <a:srgbClr val="003A36"/>
                 </a:solidFill>
@@ -24359,7 +24005,7 @@
               <a:t> </a:t>
             </a:r>
             <a:r>
-              <a:rPr sz="1000" dirty="0">
+              <a:rPr sz="1100" dirty="0">
                 <a:solidFill>
                   <a:srgbClr val="003A36"/>
                 </a:solidFill>
@@ -24370,7 +24016,7 @@
               <a:t>get the power of cloud technology wit</a:t>
             </a:r>
             <a:r>
-              <a:rPr lang="en" sz="1000" dirty="0">
+              <a:rPr lang="en" sz="1100" dirty="0">
                 <a:solidFill>
                   <a:srgbClr val="003A36"/>
                 </a:solidFill>
@@ -24381,7 +24027,7 @@
               <a:t>h</a:t>
             </a:r>
             <a:r>
-              <a:rPr lang="zh-CN" altLang="en-US" sz="1000" dirty="0">
+              <a:rPr lang="zh-CN" altLang="en-US" sz="1100" dirty="0">
                 <a:solidFill>
                   <a:srgbClr val="003A36"/>
                 </a:solidFill>
@@ -24392,7 +24038,7 @@
               <a:t> </a:t>
             </a:r>
             <a:r>
-              <a:rPr sz="1000" dirty="0">
+              <a:rPr sz="1100" dirty="0">
                 <a:solidFill>
                   <a:srgbClr val="003A36"/>
                 </a:solidFill>
@@ -24403,7 +24049,7 @@
               <a:t>the simplicity and low-latency of local (or</a:t>
             </a:r>
             <a:r>
-              <a:rPr lang="zh-CN" altLang="en-US" sz="1000" dirty="0">
+              <a:rPr lang="zh-CN" altLang="en-US" sz="1100" dirty="0">
                 <a:latin typeface="Source Han Sans CN" panose="020B0500000000000000" pitchFamily="34" charset="-128"/>
                 <a:ea typeface="Source Han Sans CN" panose="020B0500000000000000" pitchFamily="34" charset="-128"/>
                 <a:cs typeface="Lucida Sans Unicode"/>
@@ -24411,7 +24057,7 @@
               <a:t> </a:t>
             </a:r>
             <a:r>
-              <a:rPr sz="1000" dirty="0">
+              <a:rPr sz="1100" dirty="0">
                 <a:solidFill>
                   <a:srgbClr val="003A36"/>
                 </a:solidFill>
@@ -24421,14 +24067,14 @@
               </a:rPr>
               <a:t>geographically close) compute resources.</a:t>
             </a:r>
-            <a:endParaRPr sz="1000" dirty="0">
+            <a:endParaRPr sz="1100" dirty="0">
               <a:latin typeface="Source Han Sans CN" panose="020B0500000000000000" pitchFamily="34" charset="-128"/>
               <a:ea typeface="Source Han Sans CN" panose="020B0500000000000000" pitchFamily="34" charset="-128"/>
               <a:cs typeface="Lucida Sans Unicode"/>
             </a:endParaRPr>
           </a:p>
           <a:p>
-            <a:pPr marL="12700" marR="5080">
+            <a:pPr marL="12700" marR="5080" algn="l">
               <a:lnSpc>
                 <a:spcPct val="116700"/>
               </a:lnSpc>
@@ -24437,7 +24083,7 @@
               </a:spcBef>
             </a:pPr>
             <a:r>
-              <a:rPr sz="1000" dirty="0">
+              <a:rPr sz="1100" dirty="0">
                 <a:solidFill>
                   <a:srgbClr val="003A36"/>
                 </a:solidFill>
@@ -24448,7 +24094,7 @@
               <a:t>The retail environment, which has always</a:t>
             </a:r>
             <a:r>
-              <a:rPr lang="zh-CN" altLang="en-US" sz="1000" dirty="0">
+              <a:rPr lang="zh-CN" altLang="en-US" sz="1100" dirty="0">
                 <a:solidFill>
                   <a:srgbClr val="003A36"/>
                 </a:solidFill>
@@ -24459,7 +24105,7 @@
               <a:t> </a:t>
             </a:r>
             <a:r>
-              <a:rPr sz="1000" dirty="0">
+              <a:rPr sz="1100" dirty="0">
                 <a:solidFill>
                   <a:srgbClr val="003A36"/>
                 </a:solidFill>
@@ -24470,7 +24116,7 @@
               <a:t>had the concept of a branch server</a:t>
             </a:r>
             <a:r>
-              <a:rPr lang="zh-CN" altLang="en-US" sz="1000" dirty="0">
+              <a:rPr lang="zh-CN" altLang="en-US" sz="1100" dirty="0">
                 <a:solidFill>
                   <a:srgbClr val="003A36"/>
                 </a:solidFill>
@@ -24481,7 +24127,7 @@
               <a:t> </a:t>
             </a:r>
             <a:r>
-              <a:rPr sz="1000" dirty="0">
+              <a:rPr sz="1100" dirty="0">
                 <a:solidFill>
                   <a:srgbClr val="003A36"/>
                 </a:solidFill>
@@ -24492,7 +24138,7 @@
               <a:t>managing a local network, is well-suited</a:t>
             </a:r>
             <a:r>
-              <a:rPr lang="zh-CN" altLang="en-US" sz="1000" dirty="0">
+              <a:rPr lang="zh-CN" altLang="en-US" sz="1100" dirty="0">
                 <a:solidFill>
                   <a:srgbClr val="003A36"/>
                 </a:solidFill>
@@ -24503,7 +24149,7 @@
               <a:t> </a:t>
             </a:r>
             <a:r>
-              <a:rPr sz="1000" dirty="0">
+              <a:rPr sz="1100" dirty="0">
                 <a:solidFill>
                   <a:srgbClr val="003A36"/>
                 </a:solidFill>
@@ -24514,7 +24160,7 @@
               <a:t>for</a:t>
             </a:r>
             <a:r>
-              <a:rPr lang="zh-CN" altLang="en-US" sz="1000" dirty="0">
+              <a:rPr lang="zh-CN" altLang="en-US" sz="1100" dirty="0">
                 <a:solidFill>
                   <a:srgbClr val="003A36"/>
                 </a:solidFill>
@@ -24525,7 +24171,7 @@
               <a:t> </a:t>
             </a:r>
             <a:r>
-              <a:rPr sz="1000" dirty="0">
+              <a:rPr sz="1100" dirty="0">
                 <a:solidFill>
                   <a:srgbClr val="003A36"/>
                 </a:solidFill>
@@ -24536,7 +24182,7 @@
               <a:t>edge scenarios. SUSE’s Edge technology brings edge computing to the SUSE</a:t>
             </a:r>
             <a:r>
-              <a:rPr lang="zh-CN" altLang="en-US" sz="1000" dirty="0">
+              <a:rPr lang="zh-CN" altLang="en-US" sz="1100" dirty="0">
                 <a:solidFill>
                   <a:srgbClr val="003A36"/>
                 </a:solidFill>
@@ -24547,7 +24193,7 @@
               <a:t> </a:t>
             </a:r>
             <a:r>
-              <a:rPr sz="1000" dirty="0">
+              <a:rPr sz="1100" dirty="0">
                 <a:solidFill>
                   <a:srgbClr val="003A36"/>
                 </a:solidFill>
@@ -24558,7 +24204,7 @@
               <a:t>retail setting. SUSE’s solution for retail at</a:t>
             </a:r>
             <a:r>
-              <a:rPr lang="zh-CN" altLang="en-US" sz="1000" dirty="0">
+              <a:rPr lang="zh-CN" altLang="en-US" sz="1100" dirty="0">
                 <a:solidFill>
                   <a:srgbClr val="003A36"/>
                 </a:solidFill>
@@ -24569,7 +24215,7 @@
               <a:t> </a:t>
             </a:r>
             <a:r>
-              <a:rPr sz="1000" dirty="0">
+              <a:rPr sz="1100" dirty="0">
                 <a:solidFill>
                   <a:srgbClr val="003A36"/>
                 </a:solidFill>
@@ -24580,7 +24226,7 @@
               <a:t>the edge includes SUSE Enterprise Linux</a:t>
             </a:r>
             <a:r>
-              <a:rPr lang="zh-CN" altLang="en-US" sz="1000" dirty="0">
+              <a:rPr lang="zh-CN" altLang="en-US" sz="1100" dirty="0">
                 <a:solidFill>
                   <a:srgbClr val="003A36"/>
                 </a:solidFill>
@@ -24591,7 +24237,7 @@
               <a:t> </a:t>
             </a:r>
             <a:r>
-              <a:rPr sz="1000" dirty="0">
+              <a:rPr sz="1100" dirty="0">
                 <a:solidFill>
                   <a:srgbClr val="003A36"/>
                 </a:solidFill>
@@ -24602,7 +24248,7 @@
               <a:t>Micro, an immutable version of SUSE Linux</a:t>
             </a:r>
             <a:r>
-              <a:rPr lang="zh-CN" altLang="en-US" sz="1000" dirty="0">
+              <a:rPr lang="zh-CN" altLang="en-US" sz="1100" dirty="0">
                 <a:solidFill>
                   <a:srgbClr val="003A36"/>
                 </a:solidFill>
@@ -24613,7 +24259,7 @@
               <a:t> </a:t>
             </a:r>
             <a:r>
-              <a:rPr sz="1000" dirty="0">
+              <a:rPr sz="1100" dirty="0">
                 <a:solidFill>
                   <a:srgbClr val="003A36"/>
                 </a:solidFill>
@@ -24624,7 +24270,7 @@
               <a:t>Enterprise optimized for container environments. The core components of SUSE</a:t>
             </a:r>
             <a:r>
-              <a:rPr lang="en-US" altLang="zh-CN" sz="1000" dirty="0">
+              <a:rPr lang="en-US" altLang="zh-CN" sz="1100" dirty="0">
                 <a:solidFill>
                   <a:srgbClr val="003A36"/>
                 </a:solidFill>
@@ -24635,7 +24281,7 @@
               <a:t>'</a:t>
             </a:r>
             <a:r>
-              <a:rPr sz="1000" dirty="0">
+              <a:rPr sz="1100" dirty="0">
                 <a:solidFill>
                   <a:srgbClr val="003A36"/>
                 </a:solidFill>
@@ -24646,7 +24292,7 @@
               <a:t>s</a:t>
             </a:r>
             <a:r>
-              <a:rPr lang="zh-CN" altLang="en-US" sz="1000" dirty="0">
+              <a:rPr lang="zh-CN" altLang="en-US" sz="1100" dirty="0">
                 <a:solidFill>
                   <a:srgbClr val="003A36"/>
                 </a:solidFill>
@@ -24657,7 +24303,7 @@
               <a:t> </a:t>
             </a:r>
             <a:r>
-              <a:rPr sz="1000" dirty="0">
+              <a:rPr sz="1100" dirty="0">
                 <a:solidFill>
                   <a:srgbClr val="003A36"/>
                 </a:solidFill>
@@ -24668,7 +24314,7 @@
               <a:t>container toolkit also play a role, with</a:t>
             </a:r>
             <a:r>
-              <a:rPr lang="zh-CN" altLang="en-US" sz="1000" dirty="0">
+              <a:rPr lang="zh-CN" altLang="en-US" sz="1100" dirty="0">
                 <a:solidFill>
                   <a:srgbClr val="003A36"/>
                 </a:solidFill>
@@ -24679,7 +24325,7 @@
               <a:t> </a:t>
             </a:r>
             <a:r>
-              <a:rPr sz="1000" dirty="0">
+              <a:rPr sz="1100" dirty="0">
                 <a:solidFill>
                   <a:srgbClr val="003A36"/>
                 </a:solidFill>
@@ -24690,7 +24336,7 @@
               <a:t>Rancher Prime managing the Kubernetes</a:t>
             </a:r>
             <a:r>
-              <a:rPr lang="zh-CN" altLang="en-US" sz="1000" dirty="0">
+              <a:rPr lang="zh-CN" altLang="en-US" sz="1100" dirty="0">
                 <a:solidFill>
                   <a:srgbClr val="003A36"/>
                 </a:solidFill>
@@ -24701,7 +24347,7 @@
               <a:t> </a:t>
             </a:r>
             <a:r>
-              <a:rPr sz="1000" dirty="0">
+              <a:rPr sz="1100" dirty="0">
                 <a:solidFill>
                   <a:srgbClr val="003A36"/>
                 </a:solidFill>
@@ -24712,7 +24358,7 @@
               <a:t>container system and SUSE Manager for</a:t>
             </a:r>
             <a:r>
-              <a:rPr lang="zh-CN" altLang="en-US" sz="1000" dirty="0">
+              <a:rPr lang="zh-CN" altLang="en-US" sz="1100" dirty="0">
                 <a:solidFill>
                   <a:srgbClr val="003A36"/>
                 </a:solidFill>
@@ -24723,7 +24369,7 @@
               <a:t> </a:t>
             </a:r>
             <a:r>
-              <a:rPr sz="1000" dirty="0">
+              <a:rPr sz="1100" dirty="0">
                 <a:solidFill>
                   <a:srgbClr val="003A36"/>
                 </a:solidFill>
@@ -24734,7 +24380,7 @@
               <a:t>Retail administering SUSE Linux Micro, the</a:t>
             </a:r>
             <a:r>
-              <a:rPr lang="zh-CN" altLang="en-US" sz="1000" dirty="0">
+              <a:rPr lang="zh-CN" altLang="en-US" sz="1100" dirty="0">
                 <a:solidFill>
                   <a:srgbClr val="003A36"/>
                 </a:solidFill>
@@ -24745,7 +24391,7 @@
               <a:t> </a:t>
             </a:r>
             <a:r>
-              <a:rPr sz="1000" dirty="0">
+              <a:rPr sz="1100" dirty="0">
                 <a:solidFill>
                   <a:srgbClr val="003A36"/>
                 </a:solidFill>
@@ -24755,14 +24401,14 @@
               </a:rPr>
               <a:t>POS devices, and the software.</a:t>
             </a:r>
-            <a:endParaRPr sz="1000" dirty="0">
+            <a:endParaRPr sz="1100" dirty="0">
               <a:latin typeface="Source Han Sans CN" panose="020B0500000000000000" pitchFamily="34" charset="-128"/>
               <a:ea typeface="Source Han Sans CN" panose="020B0500000000000000" pitchFamily="34" charset="-128"/>
               <a:cs typeface="Lucida Sans Unicode"/>
             </a:endParaRPr>
           </a:p>
           <a:p>
-            <a:pPr marL="12700" marR="193040" algn="just">
+            <a:pPr marL="12700" marR="193040" algn="l">
               <a:lnSpc>
                 <a:spcPct val="116700"/>
               </a:lnSpc>
@@ -24771,7 +24417,7 @@
               </a:spcBef>
             </a:pPr>
             <a:r>
-              <a:rPr sz="1000" dirty="0" err="1">
+              <a:rPr sz="1100" dirty="0" err="1">
                 <a:solidFill>
                   <a:srgbClr val="003A36"/>
                 </a:solidFill>
@@ -24782,7 +24428,7 @@
               <a:t>Ke</a:t>
             </a:r>
             <a:r>
-              <a:rPr lang="en" sz="1000" dirty="0">
+              <a:rPr lang="en" sz="1100" dirty="0">
                 <a:solidFill>
                   <a:srgbClr val="003A36"/>
                 </a:solidFill>
@@ -24793,7 +24439,7 @@
               <a:t>y</a:t>
             </a:r>
             <a:r>
-              <a:rPr lang="zh-CN" altLang="en-US" sz="1000" dirty="0">
+              <a:rPr lang="zh-CN" altLang="en-US" sz="1100" dirty="0">
                 <a:solidFill>
                   <a:srgbClr val="003A36"/>
                 </a:solidFill>
@@ -24804,7 +24450,7 @@
               <a:t> </a:t>
             </a:r>
             <a:r>
-              <a:rPr sz="1000" dirty="0">
+              <a:rPr sz="1100" dirty="0">
                 <a:solidFill>
                   <a:srgbClr val="003A36"/>
                 </a:solidFill>
@@ -24815,7 +24461,7 @@
               <a:t>to edge deployments are security concerns. SUSE </a:t>
             </a:r>
             <a:r>
-              <a:rPr sz="1000" dirty="0" err="1">
+              <a:rPr sz="1100" dirty="0" err="1">
                 <a:solidFill>
                   <a:srgbClr val="003A36"/>
                 </a:solidFill>
@@ -24826,7 +24472,7 @@
               <a:t>NeuVector</a:t>
             </a:r>
             <a:r>
-              <a:rPr sz="1000" dirty="0">
+              <a:rPr sz="1100" dirty="0">
                 <a:solidFill>
                   <a:srgbClr val="003A36"/>
                 </a:solidFill>
@@ -24837,7 +24483,7 @@
               <a:t> provides</a:t>
             </a:r>
             <a:r>
-              <a:rPr lang="zh-CN" altLang="en-US" sz="1000" dirty="0">
+              <a:rPr lang="zh-CN" altLang="en-US" sz="1100" dirty="0">
                 <a:latin typeface="Source Han Sans CN" panose="020B0500000000000000" pitchFamily="34" charset="-128"/>
                 <a:ea typeface="Source Han Sans CN" panose="020B0500000000000000" pitchFamily="34" charset="-128"/>
                 <a:cs typeface="Lucida Sans Unicode"/>
@@ -24845,7 +24491,7 @@
               <a:t> </a:t>
             </a:r>
             <a:r>
-              <a:rPr sz="1000" dirty="0">
+              <a:rPr sz="1100" dirty="0">
                 <a:solidFill>
                   <a:srgbClr val="003A36"/>
                 </a:solidFill>
@@ -24856,7 +24502,7 @@
               <a:t>zero-trust container security.</a:t>
             </a:r>
             <a:r>
-              <a:rPr lang="zh-CN" altLang="en-US" sz="1000" dirty="0">
+              <a:rPr lang="zh-CN" altLang="en-US" sz="1100" dirty="0">
                 <a:solidFill>
                   <a:srgbClr val="003A36"/>
                 </a:solidFill>
@@ -24866,92 +24512,7 @@
               </a:rPr>
               <a:t> </a:t>
             </a:r>
-            <a:r>
-              <a:rPr sz="1000" dirty="0" err="1">
-                <a:solidFill>
-                  <a:srgbClr val="003A36"/>
-                </a:solidFill>
-                <a:latin typeface="Source Han Sans CN" panose="020B0500000000000000" pitchFamily="34" charset="-128"/>
-                <a:ea typeface="Source Han Sans CN" panose="020B0500000000000000" pitchFamily="34" charset="-128"/>
-                <a:cs typeface="Lucida Sans Unicode"/>
-              </a:rPr>
-              <a:t>NeuVector</a:t>
-            </a:r>
-            <a:r>
-              <a:rPr lang="zh-CN" altLang="en-US" sz="1000" dirty="0">
-                <a:solidFill>
-                  <a:srgbClr val="003A36"/>
-                </a:solidFill>
-                <a:latin typeface="Source Han Sans CN" panose="020B0500000000000000" pitchFamily="34" charset="-128"/>
-                <a:ea typeface="Source Han Sans CN" panose="020B0500000000000000" pitchFamily="34" charset="-128"/>
-                <a:cs typeface="Lucida Sans Unicode"/>
-              </a:rPr>
-              <a:t> </a:t>
-            </a:r>
-            <a:r>
-              <a:rPr sz="1000" dirty="0">
-                <a:solidFill>
-                  <a:srgbClr val="003A36"/>
-                </a:solidFill>
-                <a:latin typeface="Source Han Sans CN" panose="020B0500000000000000" pitchFamily="34" charset="-128"/>
-                <a:ea typeface="Source Han Sans CN" panose="020B0500000000000000" pitchFamily="34" charset="-128"/>
-                <a:cs typeface="Lucida Sans Unicode"/>
-              </a:rPr>
-              <a:t>enforces risk and vulnerability management, data protection, automated </a:t>
-            </a:r>
-            <a:r>
-              <a:rPr sz="1000" dirty="0" err="1">
-                <a:solidFill>
-                  <a:srgbClr val="003A36"/>
-                </a:solidFill>
-                <a:latin typeface="Source Han Sans CN" panose="020B0500000000000000" pitchFamily="34" charset="-128"/>
-                <a:ea typeface="Source Han Sans CN" panose="020B0500000000000000" pitchFamily="34" charset="-128"/>
-                <a:cs typeface="Lucida Sans Unicode"/>
-              </a:rPr>
-              <a:t>intru</a:t>
-            </a:r>
-            <a:r>
-              <a:rPr lang="en" altLang="zh-CN" sz="1000" dirty="0" err="1">
-                <a:solidFill>
-                  <a:srgbClr val="003A36"/>
-                </a:solidFill>
-                <a:latin typeface="Source Han Sans CN" panose="020B0500000000000000" pitchFamily="34" charset="-128"/>
-                <a:ea typeface="Source Han Sans CN" panose="020B0500000000000000" pitchFamily="34" charset="-128"/>
-                <a:cs typeface="Lucida Sans Unicode"/>
-              </a:rPr>
-              <a:t>sion</a:t>
-            </a:r>
-            <a:r>
-              <a:rPr lang="en" altLang="zh-CN" sz="1000">
-                <a:solidFill>
-                  <a:srgbClr val="003A36"/>
-                </a:solidFill>
-                <a:latin typeface="Source Han Sans CN" panose="020B0500000000000000" pitchFamily="34" charset="-128"/>
-                <a:ea typeface="Source Han Sans CN" panose="020B0500000000000000" pitchFamily="34" charset="-128"/>
-                <a:cs typeface="Lucida Sans Unicode"/>
-              </a:rPr>
-              <a:t> prevention, and policy management</a:t>
-            </a:r>
-            <a:r>
-              <a:rPr lang="en" altLang="zh-CN" sz="1000">
-                <a:latin typeface="Source Han Sans CN" panose="020B0500000000000000" pitchFamily="34" charset="-128"/>
-                <a:ea typeface="Source Han Sans CN" panose="020B0500000000000000" pitchFamily="34" charset="-128"/>
-                <a:cs typeface="Lucida Sans Unicode"/>
-              </a:rPr>
-              <a:t> </a:t>
-            </a:r>
-            <a:r>
-              <a:rPr lang="en" altLang="zh-CN" sz="1000">
-                <a:solidFill>
-                  <a:srgbClr val="003A36"/>
-                </a:solidFill>
-                <a:latin typeface="Source Han Sans CN" panose="020B0500000000000000" pitchFamily="34" charset="-128"/>
-                <a:ea typeface="Source Han Sans CN" panose="020B0500000000000000" pitchFamily="34" charset="-128"/>
-                <a:cs typeface="Lucida Sans Unicode"/>
-              </a:rPr>
-              <a:t>– all optimized for container environments at the edge.</a:t>
-            </a:r>
-            <a:endParaRPr lang="en" altLang="zh-CN" sz="1000">
+            <a:endParaRPr lang="en" altLang="zh-CN" sz="1100" dirty="0">
               <a:latin typeface="Source Han Sans CN" panose="020B0500000000000000" pitchFamily="34" charset="-128"/>
               <a:ea typeface="Source Han Sans CN" panose="020B0500000000000000" pitchFamily="34" charset="-128"/>
               <a:cs typeface="Lucida Sans Unicode"/>
@@ -25100,8 +24661,8 @@
         </p:nvSpPr>
         <p:spPr>
           <a:xfrm>
-            <a:off x="4095744" y="1524000"/>
-            <a:ext cx="2694940" cy="2544736"/>
+            <a:off x="4095744" y="1318984"/>
+            <a:ext cx="2914656" cy="7650043"/>
           </a:xfrm>
           <a:prstGeom prst="rect">
             <a:avLst/>
@@ -25113,7 +24674,7 @@
           </a:bodyPr>
           <a:lstStyle/>
           <a:p>
-            <a:pPr marL="12700" marR="31115">
+            <a:pPr marL="12700" marR="31115" algn="l">
               <a:lnSpc>
                 <a:spcPct val="116700"/>
               </a:lnSpc>
@@ -25122,7 +24683,58 @@
               </a:spcBef>
             </a:pPr>
             <a:r>
-              <a:rPr sz="1000" dirty="0">
+              <a:rPr lang="en" altLang="zh-CN" sz="1100" dirty="0" err="1">
+                <a:solidFill>
+                  <a:srgbClr val="003A36"/>
+                </a:solidFill>
+                <a:latin typeface="Source Han Sans CN" panose="020B0500000000000000" pitchFamily="34" charset="-128"/>
+                <a:ea typeface="Source Han Sans CN" panose="020B0500000000000000" pitchFamily="34" charset="-128"/>
+                <a:cs typeface="Lucida Sans Unicode"/>
+              </a:rPr>
+              <a:t>NeuVector</a:t>
+            </a:r>
+            <a:r>
+              <a:rPr lang="en" altLang="zh-CN" sz="1100" dirty="0">
+                <a:solidFill>
+                  <a:srgbClr val="003A36"/>
+                </a:solidFill>
+                <a:latin typeface="Source Han Sans CN" panose="020B0500000000000000" pitchFamily="34" charset="-128"/>
+                <a:ea typeface="Source Han Sans CN" panose="020B0500000000000000" pitchFamily="34" charset="-128"/>
+                <a:cs typeface="Lucida Sans Unicode"/>
+              </a:rPr>
+              <a:t> enforces risk and vulnerability management, data protection, automated intrusion prevention, and policy management</a:t>
+            </a:r>
+            <a:r>
+              <a:rPr lang="en" altLang="zh-CN" sz="1100" dirty="0">
+                <a:latin typeface="Source Han Sans CN" panose="020B0500000000000000" pitchFamily="34" charset="-128"/>
+                <a:ea typeface="Source Han Sans CN" panose="020B0500000000000000" pitchFamily="34" charset="-128"/>
+                <a:cs typeface="Lucida Sans Unicode"/>
+              </a:rPr>
+              <a:t> </a:t>
+            </a:r>
+            <a:r>
+              <a:rPr lang="en" altLang="zh-CN" sz="1100" dirty="0">
+                <a:solidFill>
+                  <a:srgbClr val="003A36"/>
+                </a:solidFill>
+                <a:latin typeface="Source Han Sans CN" panose="020B0500000000000000" pitchFamily="34" charset="-128"/>
+                <a:ea typeface="Source Han Sans CN" panose="020B0500000000000000" pitchFamily="34" charset="-128"/>
+                <a:cs typeface="Lucida Sans Unicode"/>
+              </a:rPr>
+              <a:t>– all optimized for container environments at the edge. </a:t>
+            </a:r>
+          </a:p>
+          <a:p>
+            <a:pPr marL="12700" marR="31115" algn="l">
+              <a:lnSpc>
+                <a:spcPct val="116700"/>
+              </a:lnSpc>
+              <a:spcBef>
+                <a:spcPts val="700"/>
+              </a:spcBef>
+            </a:pPr>
+            <a:r>
+              <a:rPr sz="1100" dirty="0">
                 <a:solidFill>
                   <a:srgbClr val="003A36"/>
                 </a:solidFill>
@@ -25133,7 +24745,7 @@
               <a:t>SUSE</a:t>
             </a:r>
             <a:r>
-              <a:rPr lang="en-US" altLang="zh-CN" sz="1000" dirty="0">
+              <a:rPr lang="en-US" altLang="zh-CN" sz="1100" dirty="0">
                 <a:solidFill>
                   <a:srgbClr val="003A36"/>
                 </a:solidFill>
@@ -25144,7 +24756,7 @@
               <a:t>'</a:t>
             </a:r>
             <a:r>
-              <a:rPr sz="1000" dirty="0">
+              <a:rPr sz="1100" dirty="0">
                 <a:solidFill>
                   <a:srgbClr val="003A36"/>
                 </a:solidFill>
@@ -25155,7 +24767,7 @@
               <a:t>s Edge solutions allow you to keep</a:t>
             </a:r>
             <a:r>
-              <a:rPr lang="zh-CN" altLang="en-US" sz="1000" dirty="0">
+              <a:rPr lang="zh-CN" altLang="en-US" sz="1100" dirty="0">
                 <a:solidFill>
                   <a:srgbClr val="003A36"/>
                 </a:solidFill>
@@ -25166,7 +24778,7 @@
               <a:t> </a:t>
             </a:r>
             <a:r>
-              <a:rPr sz="1000" dirty="0">
+              <a:rPr sz="1100" dirty="0">
                 <a:solidFill>
                   <a:srgbClr val="003A36"/>
                 </a:solidFill>
@@ -25177,7 +24789,7 @@
               <a:t>tight yet flexible control over your POS</a:t>
             </a:r>
             <a:r>
-              <a:rPr lang="zh-CN" altLang="en-US" sz="1000" dirty="0">
+              <a:rPr lang="zh-CN" altLang="en-US" sz="1100" dirty="0">
                 <a:solidFill>
                   <a:srgbClr val="003A36"/>
                 </a:solidFill>
@@ -25188,7 +24800,7 @@
               <a:t> </a:t>
             </a:r>
             <a:r>
-              <a:rPr sz="1000" dirty="0">
+              <a:rPr sz="1100" dirty="0">
                 <a:solidFill>
                   <a:srgbClr val="003A36"/>
                 </a:solidFill>
@@ -25199,7 +24811,7 @@
               <a:t>environment – even if your organization    spans multiple locations. You can</a:t>
             </a:r>
             <a:r>
-              <a:rPr lang="zh-CN" altLang="en-US" sz="1000" dirty="0">
+              <a:rPr lang="zh-CN" altLang="en-US" sz="1100" dirty="0">
                 <a:solidFill>
                   <a:srgbClr val="003A36"/>
                 </a:solidFill>
@@ -25210,7 +24822,7 @@
               <a:t> </a:t>
             </a:r>
             <a:r>
-              <a:rPr sz="1000" dirty="0">
+              <a:rPr sz="1100" dirty="0">
                 <a:solidFill>
                   <a:srgbClr val="003A36"/>
                 </a:solidFill>
@@ -25221,7 +24833,7 @@
               <a:t>administer the network from a single</a:t>
             </a:r>
             <a:r>
-              <a:rPr lang="zh-CN" altLang="en-US" sz="1000" dirty="0">
+              <a:rPr lang="zh-CN" altLang="en-US" sz="1100" dirty="0">
                 <a:solidFill>
                   <a:srgbClr val="003A36"/>
                 </a:solidFill>
@@ -25232,7 +24844,7 @@
               <a:t> </a:t>
             </a:r>
             <a:r>
-              <a:rPr sz="1000" dirty="0">
+              <a:rPr sz="1100" dirty="0">
                 <a:solidFill>
                   <a:srgbClr val="003A36"/>
                 </a:solidFill>
@@ -25243,7 +24855,7 @@
               <a:t>remote location and still benefit from</a:t>
             </a:r>
             <a:r>
-              <a:rPr lang="zh-CN" altLang="en-US" sz="1000" dirty="0">
+              <a:rPr lang="zh-CN" altLang="en-US" sz="1100" dirty="0">
                 <a:solidFill>
                   <a:srgbClr val="003A36"/>
                 </a:solidFill>
@@ -25254,7 +24866,7 @@
               <a:t> </a:t>
             </a:r>
             <a:r>
-              <a:rPr sz="1000" dirty="0">
+              <a:rPr sz="1100" dirty="0">
                 <a:solidFill>
                   <a:srgbClr val="003A36"/>
                 </a:solidFill>
@@ -25265,7 +24877,7 @@
               <a:t>local operation at the edge. Provide the</a:t>
             </a:r>
             <a:r>
-              <a:rPr lang="zh-CN" altLang="en-US" sz="1000" dirty="0">
+              <a:rPr lang="zh-CN" altLang="en-US" sz="1100" dirty="0">
                 <a:solidFill>
                   <a:srgbClr val="003A36"/>
                 </a:solidFill>
@@ -25276,7 +24888,7 @@
               <a:t> </a:t>
             </a:r>
             <a:r>
-              <a:rPr sz="1000" dirty="0">
+              <a:rPr sz="1100" dirty="0">
                 <a:solidFill>
                   <a:srgbClr val="003A36"/>
                 </a:solidFill>
@@ -25287,7 +24899,7 @@
               <a:t>flexibility and convenience your customers desire and still enjoy the security and</a:t>
             </a:r>
             <a:r>
-              <a:rPr lang="zh-CN" altLang="en-US" sz="1000" dirty="0">
+              <a:rPr lang="zh-CN" altLang="en-US" sz="1100" dirty="0">
                 <a:solidFill>
                   <a:srgbClr val="003A36"/>
                 </a:solidFill>
@@ -25298,7 +24910,7 @@
               <a:t> </a:t>
             </a:r>
             <a:r>
-              <a:rPr sz="1000" dirty="0">
+              <a:rPr sz="1100" dirty="0">
                 <a:solidFill>
                   <a:srgbClr val="003A36"/>
                 </a:solidFill>
@@ -25309,7 +24921,7 @@
               <a:t>efficiency that your business needs with</a:t>
             </a:r>
             <a:r>
-              <a:rPr lang="zh-CN" altLang="en-US" sz="1000" dirty="0">
+              <a:rPr lang="zh-CN" altLang="en-US" sz="1100" dirty="0">
                 <a:solidFill>
                   <a:srgbClr val="003A36"/>
                 </a:solidFill>
@@ -25320,7 +24932,7 @@
               <a:t> </a:t>
             </a:r>
             <a:r>
-              <a:rPr sz="1000" dirty="0">
+              <a:rPr sz="1100" dirty="0">
                 <a:solidFill>
                   <a:srgbClr val="003A36"/>
                 </a:solidFill>
@@ -25331,7 +24943,7 @@
               <a:t>open</a:t>
             </a:r>
             <a:r>
-              <a:rPr lang="en-US" altLang="zh-CN" sz="1000" dirty="0">
+              <a:rPr lang="en-US" altLang="zh-CN" sz="1100" dirty="0">
                 <a:solidFill>
                   <a:srgbClr val="003A36"/>
                 </a:solidFill>
@@ -25342,7 +24954,7 @@
               <a:t>-</a:t>
             </a:r>
             <a:r>
-              <a:rPr sz="1000" dirty="0">
+              <a:rPr sz="1100" dirty="0">
                 <a:solidFill>
                   <a:srgbClr val="003A36"/>
                 </a:solidFill>
@@ -25353,7 +24965,7 @@
               <a:t>source solutions from SUSE. Future-proof your IT operations from the core to</a:t>
             </a:r>
             <a:r>
-              <a:rPr lang="zh-CN" altLang="en-US" sz="1000" dirty="0">
+              <a:rPr lang="zh-CN" altLang="en-US" sz="1100" dirty="0">
                 <a:solidFill>
                   <a:srgbClr val="003A36"/>
                 </a:solidFill>
@@ -25364,7 +24976,7 @@
               <a:t> </a:t>
             </a:r>
             <a:r>
-              <a:rPr sz="1000" dirty="0">
+              <a:rPr sz="1100" dirty="0">
                 <a:solidFill>
                   <a:srgbClr val="003A36"/>
                 </a:solidFill>
@@ -25375,7 +24987,7 @@
               <a:t>the store with purpose-built solutions for</a:t>
             </a:r>
             <a:r>
-              <a:rPr lang="zh-CN" altLang="en-US" sz="1000" dirty="0">
+              <a:rPr lang="zh-CN" altLang="en-US" sz="1100" dirty="0">
                 <a:solidFill>
                   <a:srgbClr val="003A36"/>
                 </a:solidFill>
@@ -25386,7 +24998,7 @@
               <a:t> </a:t>
             </a:r>
             <a:r>
-              <a:rPr sz="1000" dirty="0">
+              <a:rPr sz="1100" dirty="0">
                 <a:solidFill>
                   <a:srgbClr val="003A36"/>
                 </a:solidFill>
@@ -25396,36 +25008,35 @@
               </a:rPr>
               <a:t>exceptional customer experiences.</a:t>
             </a:r>
-            <a:endParaRPr sz="1000" dirty="0">
+            <a:endParaRPr lang="en-US" sz="1100" dirty="0">
+              <a:solidFill>
+                <a:srgbClr val="003A36"/>
+              </a:solidFill>
               <a:latin typeface="Source Han Sans CN" panose="020B0500000000000000" pitchFamily="34" charset="-128"/>
               <a:ea typeface="Source Han Sans CN" panose="020B0500000000000000" pitchFamily="34" charset="-128"/>
               <a:cs typeface="Lucida Sans Unicode"/>
             </a:endParaRPr>
           </a:p>
-        </p:txBody>
-      </p:sp>
-      <p:sp>
-        <p:nvSpPr>
-          <p:cNvPr id="13" name="object 13"/>
-          <p:cNvSpPr txBox="1"/>
-          <p:nvPr/>
-        </p:nvSpPr>
-        <p:spPr>
-          <a:xfrm>
-            <a:off x="4095744" y="4940300"/>
-            <a:ext cx="2727325" cy="3291607"/>
-          </a:xfrm>
-          <a:prstGeom prst="rect">
-            <a:avLst/>
-          </a:prstGeom>
-        </p:spPr>
-        <p:txBody>
-          <a:bodyPr vert="horz" wrap="square" lIns="0" tIns="12700" rIns="0" bIns="0" rtlCol="0">
-            <a:spAutoFit/>
-          </a:bodyPr>
-          <a:lstStyle/>
           <a:p>
-            <a:pPr marL="12700">
+            <a:pPr marL="12700" marR="31115" algn="l">
+              <a:lnSpc>
+                <a:spcPct val="116700"/>
+              </a:lnSpc>
+              <a:spcBef>
+                <a:spcPts val="700"/>
+              </a:spcBef>
+            </a:pPr>
+            <a:endParaRPr lang="en-US" sz="1100" dirty="0">
+              <a:solidFill>
+                <a:srgbClr val="003A36"/>
+              </a:solidFill>
+              <a:latin typeface="Source Han Sans CN" panose="020B0500000000000000" pitchFamily="34" charset="-128"/>
+              <a:ea typeface="Source Han Sans CN" panose="020B0500000000000000" pitchFamily="34" charset="-128"/>
+              <a:cs typeface="Lucida Sans Unicode"/>
+            </a:endParaRPr>
+          </a:p>
+          <a:p>
+            <a:pPr marL="12700" algn="l">
               <a:lnSpc>
                 <a:spcPct val="100000"/>
               </a:lnSpc>
@@ -25434,7 +25045,7 @@
               </a:spcBef>
             </a:pPr>
             <a:r>
-              <a:rPr sz="1600" dirty="0">
+              <a:rPr lang="en" altLang="zh-CN" sz="1600" b="1" dirty="0">
                 <a:solidFill>
                   <a:srgbClr val="003A36"/>
                 </a:solidFill>
@@ -25444,14 +25055,14 @@
               </a:rPr>
               <a:t>Start where you are</a:t>
             </a:r>
-            <a:endParaRPr sz="1600" dirty="0">
+            <a:endParaRPr lang="en" altLang="zh-CN" sz="1600" b="1" dirty="0">
               <a:latin typeface="Source Han Sans CN" panose="020B0500000000000000" pitchFamily="34" charset="-128"/>
               <a:ea typeface="Source Han Sans CN" panose="020B0500000000000000" pitchFamily="34" charset="-128"/>
               <a:cs typeface="Lucida Sans Unicode"/>
             </a:endParaRPr>
           </a:p>
           <a:p>
-            <a:pPr marL="12700" marR="34290">
+            <a:pPr marL="12700" marR="34290" algn="l">
               <a:lnSpc>
                 <a:spcPct val="116700"/>
               </a:lnSpc>
@@ -25460,112 +25071,24 @@
               </a:spcBef>
             </a:pPr>
             <a:r>
-              <a:rPr sz="1000" dirty="0">
-                <a:solidFill>
-                  <a:srgbClr val="003A36"/>
-                </a:solidFill>
-                <a:latin typeface="Source Han Sans CN" panose="020B0500000000000000" pitchFamily="34" charset="-128"/>
-                <a:ea typeface="Source Han Sans CN" panose="020B0500000000000000" pitchFamily="34" charset="-128"/>
-                <a:cs typeface="Lucida Sans Unicode"/>
-              </a:rPr>
-              <a:t>What are your goals for your retail environment? Are you seeking centralized</a:t>
-            </a:r>
-            <a:r>
-              <a:rPr lang="zh-CN" altLang="en-US" sz="1000" dirty="0">
-                <a:solidFill>
-                  <a:srgbClr val="003A36"/>
-                </a:solidFill>
-                <a:latin typeface="Source Han Sans CN" panose="020B0500000000000000" pitchFamily="34" charset="-128"/>
-                <a:ea typeface="Source Han Sans CN" panose="020B0500000000000000" pitchFamily="34" charset="-128"/>
-                <a:cs typeface="Lucida Sans Unicode"/>
-              </a:rPr>
-              <a:t> </a:t>
-            </a:r>
-            <a:r>
-              <a:rPr sz="1000" dirty="0">
-                <a:solidFill>
-                  <a:srgbClr val="003A36"/>
-                </a:solidFill>
-                <a:latin typeface="Source Han Sans CN" panose="020B0500000000000000" pitchFamily="34" charset="-128"/>
-                <a:ea typeface="Source Han Sans CN" panose="020B0500000000000000" pitchFamily="34" charset="-128"/>
-                <a:cs typeface="Lucida Sans Unicode"/>
-              </a:rPr>
-              <a:t>management for a diverse assortment of</a:t>
-            </a:r>
-            <a:r>
-              <a:rPr lang="zh-CN" altLang="en-US" sz="1000" dirty="0">
-                <a:solidFill>
-                  <a:srgbClr val="003A36"/>
-                </a:solidFill>
-                <a:latin typeface="Source Han Sans CN" panose="020B0500000000000000" pitchFamily="34" charset="-128"/>
-                <a:ea typeface="Source Han Sans CN" panose="020B0500000000000000" pitchFamily="34" charset="-128"/>
-                <a:cs typeface="Lucida Sans Unicode"/>
-              </a:rPr>
-              <a:t> </a:t>
-            </a:r>
-            <a:r>
-              <a:rPr sz="1000" dirty="0">
-                <a:solidFill>
-                  <a:srgbClr val="003A36"/>
-                </a:solidFill>
-                <a:latin typeface="Source Han Sans CN" panose="020B0500000000000000" pitchFamily="34" charset="-128"/>
-                <a:ea typeface="Source Han Sans CN" panose="020B0500000000000000" pitchFamily="34" charset="-128"/>
-                <a:cs typeface="Lucida Sans Unicode"/>
-              </a:rPr>
-              <a:t>devices? Are you looking for a roadmap</a:t>
-            </a:r>
-            <a:r>
-              <a:rPr lang="zh-CN" altLang="en-US" sz="1000" dirty="0">
-                <a:solidFill>
-                  <a:srgbClr val="003A36"/>
-                </a:solidFill>
-                <a:latin typeface="Source Han Sans CN" panose="020B0500000000000000" pitchFamily="34" charset="-128"/>
-                <a:ea typeface="Source Han Sans CN" panose="020B0500000000000000" pitchFamily="34" charset="-128"/>
-                <a:cs typeface="Lucida Sans Unicode"/>
-              </a:rPr>
-              <a:t> </a:t>
-            </a:r>
-            <a:r>
-              <a:rPr sz="1000" dirty="0">
-                <a:solidFill>
-                  <a:srgbClr val="003A36"/>
-                </a:solidFill>
-                <a:latin typeface="Source Han Sans CN" panose="020B0500000000000000" pitchFamily="34" charset="-128"/>
-                <a:ea typeface="Source Han Sans CN" panose="020B0500000000000000" pitchFamily="34" charset="-128"/>
-                <a:cs typeface="Lucida Sans Unicode"/>
-              </a:rPr>
-              <a:t>to implementing containers? Are you</a:t>
-            </a:r>
-            <a:r>
-              <a:rPr lang="zh-CN" altLang="en-US" sz="1000" dirty="0">
-                <a:solidFill>
-                  <a:srgbClr val="003A36"/>
-                </a:solidFill>
-                <a:latin typeface="Source Han Sans CN" panose="020B0500000000000000" pitchFamily="34" charset="-128"/>
-                <a:ea typeface="Source Han Sans CN" panose="020B0500000000000000" pitchFamily="34" charset="-128"/>
-                <a:cs typeface="Lucida Sans Unicode"/>
-              </a:rPr>
-              <a:t> </a:t>
-            </a:r>
-            <a:r>
-              <a:rPr sz="1000" dirty="0">
-                <a:solidFill>
-                  <a:srgbClr val="003A36"/>
-                </a:solidFill>
-                <a:latin typeface="Source Han Sans CN" panose="020B0500000000000000" pitchFamily="34" charset="-128"/>
-                <a:ea typeface="Source Han Sans CN" panose="020B0500000000000000" pitchFamily="34" charset="-128"/>
-                <a:cs typeface="Lucida Sans Unicode"/>
-              </a:rPr>
-              <a:t>exploring the benefits of recent innovations like edge computing?</a:t>
-            </a:r>
-            <a:endParaRPr sz="1000" dirty="0">
+              <a:rPr lang="en" altLang="zh-CN" sz="1100" dirty="0">
+                <a:solidFill>
+                  <a:srgbClr val="003A36"/>
+                </a:solidFill>
+                <a:latin typeface="Source Han Sans CN" panose="020B0500000000000000" pitchFamily="34" charset="-128"/>
+                <a:ea typeface="Source Han Sans CN" panose="020B0500000000000000" pitchFamily="34" charset="-128"/>
+                <a:cs typeface="Lucida Sans Unicode"/>
+              </a:rPr>
+              <a:t>What are your goals for your retail environment? Are you seeking centralized management for a diverse assortment of devices? Are you looking for a roadmap to implementing containers? Are you exploring the benefits of recent innovations like edge computing?</a:t>
+            </a:r>
+            <a:endParaRPr lang="en" altLang="zh-CN" sz="1100" dirty="0">
               <a:latin typeface="Source Han Sans CN" panose="020B0500000000000000" pitchFamily="34" charset="-128"/>
               <a:ea typeface="Source Han Sans CN" panose="020B0500000000000000" pitchFamily="34" charset="-128"/>
               <a:cs typeface="Lucida Sans Unicode"/>
             </a:endParaRPr>
           </a:p>
           <a:p>
-            <a:pPr marL="12700" marR="18415">
+            <a:pPr marL="12700" marR="18415" algn="l">
               <a:lnSpc>
                 <a:spcPct val="116700"/>
               </a:lnSpc>
@@ -25574,90 +25097,24 @@
               </a:spcBef>
             </a:pPr>
             <a:r>
-              <a:rPr sz="1000" dirty="0">
-                <a:solidFill>
-                  <a:srgbClr val="003A36"/>
-                </a:solidFill>
-                <a:latin typeface="Source Han Sans CN" panose="020B0500000000000000" pitchFamily="34" charset="-128"/>
-                <a:ea typeface="Source Han Sans CN" panose="020B0500000000000000" pitchFamily="34" charset="-128"/>
-                <a:cs typeface="Lucida Sans Unicode"/>
-              </a:rPr>
-              <a:t>Whatever your needs, SUSE is ready to</a:t>
-            </a:r>
-            <a:r>
-              <a:rPr lang="zh-CN" altLang="en-US" sz="1000" dirty="0">
-                <a:solidFill>
-                  <a:srgbClr val="003A36"/>
-                </a:solidFill>
-                <a:latin typeface="Source Han Sans CN" panose="020B0500000000000000" pitchFamily="34" charset="-128"/>
-                <a:ea typeface="Source Han Sans CN" panose="020B0500000000000000" pitchFamily="34" charset="-128"/>
-                <a:cs typeface="Lucida Sans Unicode"/>
-              </a:rPr>
-              <a:t> </a:t>
-            </a:r>
-            <a:r>
-              <a:rPr sz="1000" dirty="0">
-                <a:solidFill>
-                  <a:srgbClr val="003A36"/>
-                </a:solidFill>
-                <a:latin typeface="Source Han Sans CN" panose="020B0500000000000000" pitchFamily="34" charset="-128"/>
-                <a:ea typeface="Source Han Sans CN" panose="020B0500000000000000" pitchFamily="34" charset="-128"/>
-                <a:cs typeface="Lucida Sans Unicode"/>
-              </a:rPr>
-              <a:t>help you remove the friction as you take</a:t>
-            </a:r>
-            <a:r>
-              <a:rPr lang="zh-CN" altLang="en-US" sz="1000" dirty="0">
-                <a:solidFill>
-                  <a:srgbClr val="003A36"/>
-                </a:solidFill>
-                <a:latin typeface="Source Han Sans CN" panose="020B0500000000000000" pitchFamily="34" charset="-128"/>
-                <a:ea typeface="Source Han Sans CN" panose="020B0500000000000000" pitchFamily="34" charset="-128"/>
-                <a:cs typeface="Lucida Sans Unicode"/>
-              </a:rPr>
-              <a:t> </a:t>
-            </a:r>
-            <a:r>
-              <a:rPr sz="1000" dirty="0">
-                <a:solidFill>
-                  <a:srgbClr val="003A36"/>
-                </a:solidFill>
-                <a:latin typeface="Source Han Sans CN" panose="020B0500000000000000" pitchFamily="34" charset="-128"/>
-                <a:ea typeface="Source Han Sans CN" panose="020B0500000000000000" pitchFamily="34" charset="-128"/>
-                <a:cs typeface="Lucida Sans Unicode"/>
-              </a:rPr>
-              <a:t>your next steps with consolidating, securing, and extending your retail environment. Our team is ready to work with you</a:t>
-            </a:r>
-            <a:r>
-              <a:rPr lang="zh-CN" altLang="en-US" sz="1000" dirty="0">
-                <a:solidFill>
-                  <a:srgbClr val="003A36"/>
-                </a:solidFill>
-                <a:latin typeface="Source Han Sans CN" panose="020B0500000000000000" pitchFamily="34" charset="-128"/>
-                <a:ea typeface="Source Han Sans CN" panose="020B0500000000000000" pitchFamily="34" charset="-128"/>
-                <a:cs typeface="Lucida Sans Unicode"/>
-              </a:rPr>
-              <a:t> </a:t>
-            </a:r>
-            <a:r>
-              <a:rPr sz="1000" dirty="0">
-                <a:solidFill>
-                  <a:srgbClr val="003A36"/>
-                </a:solidFill>
-                <a:latin typeface="Source Han Sans CN" panose="020B0500000000000000" pitchFamily="34" charset="-128"/>
-                <a:ea typeface="Source Han Sans CN" panose="020B0500000000000000" pitchFamily="34" charset="-128"/>
-                <a:cs typeface="Lucida Sans Unicode"/>
-              </a:rPr>
-              <a:t>to help future-proof your retail business.</a:t>
-            </a:r>
-            <a:endParaRPr sz="1000" dirty="0">
+              <a:rPr lang="en" altLang="zh-CN" sz="1100" dirty="0">
+                <a:solidFill>
+                  <a:srgbClr val="003A36"/>
+                </a:solidFill>
+                <a:latin typeface="Source Han Sans CN" panose="020B0500000000000000" pitchFamily="34" charset="-128"/>
+                <a:ea typeface="Source Han Sans CN" panose="020B0500000000000000" pitchFamily="34" charset="-128"/>
+                <a:cs typeface="Lucida Sans Unicode"/>
+              </a:rPr>
+              <a:t>Whatever your needs, SUSE is ready to help you remove the friction as you take your next steps with consolidating, securing, and extending your retail environment. Our team is ready to work with you to help future-proof your retail business.</a:t>
+            </a:r>
+            <a:endParaRPr lang="en" altLang="zh-CN" sz="1100" dirty="0">
               <a:latin typeface="Source Han Sans CN" panose="020B0500000000000000" pitchFamily="34" charset="-128"/>
               <a:ea typeface="Source Han Sans CN" panose="020B0500000000000000" pitchFamily="34" charset="-128"/>
               <a:cs typeface="Lucida Sans Unicode"/>
             </a:endParaRPr>
           </a:p>
           <a:p>
-            <a:pPr marL="12700" marR="5080">
+            <a:pPr marL="12700" marR="5080" algn="l">
               <a:lnSpc>
                 <a:spcPct val="116700"/>
               </a:lnSpc>
@@ -25666,39 +25123,39 @@
               </a:spcBef>
             </a:pPr>
             <a:r>
-              <a:rPr sz="1000" dirty="0">
-                <a:solidFill>
-                  <a:srgbClr val="003A36"/>
-                </a:solidFill>
-                <a:latin typeface="Source Han Sans CN" panose="020B0500000000000000" pitchFamily="34" charset="-128"/>
-                <a:ea typeface="Source Han Sans CN" panose="020B0500000000000000" pitchFamily="34" charset="-128"/>
-                <a:cs typeface="Lucida Sans Unicode"/>
-              </a:rPr>
-              <a:t>Learn more at suse.com/retail or speak to</a:t>
-            </a:r>
-            <a:r>
-              <a:rPr lang="zh-CN" altLang="en-US" sz="1000" dirty="0">
-                <a:solidFill>
-                  <a:srgbClr val="003A36"/>
-                </a:solidFill>
-                <a:latin typeface="Source Han Sans CN" panose="020B0500000000000000" pitchFamily="34" charset="-128"/>
-                <a:ea typeface="Source Han Sans CN" panose="020B0500000000000000" pitchFamily="34" charset="-128"/>
-                <a:cs typeface="Lucida Sans Unicode"/>
-              </a:rPr>
-              <a:t> </a:t>
-            </a:r>
-            <a:r>
-              <a:rPr sz="1000" dirty="0">
-                <a:solidFill>
-                  <a:srgbClr val="003A36"/>
-                </a:solidFill>
-                <a:latin typeface="Source Han Sans CN" panose="020B0500000000000000" pitchFamily="34" charset="-128"/>
-                <a:ea typeface="Source Han Sans CN" panose="020B0500000000000000" pitchFamily="34" charset="-128"/>
-                <a:cs typeface="Lucida Sans Unicode"/>
-              </a:rPr>
-              <a:t>your SUSE Account Executive today.</a:t>
-            </a:r>
-            <a:endParaRPr sz="1000" dirty="0">
+              <a:rPr lang="en" altLang="zh-CN" sz="1100" dirty="0">
+                <a:solidFill>
+                  <a:srgbClr val="003A36"/>
+                </a:solidFill>
+                <a:latin typeface="Source Han Sans CN" panose="020B0500000000000000" pitchFamily="34" charset="-128"/>
+                <a:ea typeface="Source Han Sans CN" panose="020B0500000000000000" pitchFamily="34" charset="-128"/>
+                <a:cs typeface="Lucida Sans Unicode"/>
+              </a:rPr>
+              <a:t>Learn more at </a:t>
+            </a:r>
+            <a:r>
+              <a:rPr lang="en" altLang="zh-CN" sz="1100" dirty="0" err="1">
+                <a:solidFill>
+                  <a:srgbClr val="003A36"/>
+                </a:solidFill>
+                <a:latin typeface="Source Han Sans CN" panose="020B0500000000000000" pitchFamily="34" charset="-128"/>
+                <a:ea typeface="Source Han Sans CN" panose="020B0500000000000000" pitchFamily="34" charset="-128"/>
+                <a:cs typeface="Lucida Sans Unicode"/>
+              </a:rPr>
+              <a:t>suse.com</a:t>
+            </a:r>
+            <a:r>
+              <a:rPr lang="en" altLang="zh-CN" sz="1100" dirty="0">
+                <a:solidFill>
+                  <a:srgbClr val="003A36"/>
+                </a:solidFill>
+                <a:latin typeface="Source Han Sans CN" panose="020B0500000000000000" pitchFamily="34" charset="-128"/>
+                <a:ea typeface="Source Han Sans CN" panose="020B0500000000000000" pitchFamily="34" charset="-128"/>
+                <a:cs typeface="Lucida Sans Unicode"/>
+              </a:rPr>
+              <a:t>/retail or speak to your SUSE Account Executive today.</a:t>
+            </a:r>
+            <a:endParaRPr lang="en" altLang="zh-CN" sz="1100" dirty="0">
               <a:latin typeface="Source Han Sans CN" panose="020B0500000000000000" pitchFamily="34" charset="-128"/>
               <a:ea typeface="Source Han Sans CN" panose="020B0500000000000000" pitchFamily="34" charset="-128"/>
               <a:cs typeface="Lucida Sans Unicode"/>
@@ -26958,7 +26415,7 @@
         <p:spPr>
           <a:xfrm>
             <a:off x="4956500" y="8661919"/>
-            <a:ext cx="2437130" cy="761042"/>
+            <a:ext cx="2437130" cy="735394"/>
           </a:xfrm>
           <a:prstGeom prst="rect">
             <a:avLst/>
@@ -26987,13 +26444,97 @@
                 <a:ea typeface="Source Han Sans CN" panose="020B0500000000000000" pitchFamily="34" charset="-128"/>
                 <a:cs typeface="Century Gothic"/>
               </a:rPr>
-              <a:t>© 2023 SUSE LLC. All Rights Reserved. SUSE and
-the SUSE logo are registered trademarks of SUSE
-LLC in the United States and other countries. All
-third-party trademarks are the property of their
-respective owners.</a:t>
-            </a:r>
-            <a:endParaRPr sz="800">
+              <a:t>© 2023 SUSE LLC. All Rights Reserved. SUSE and</a:t>
+            </a:r>
+            <a:r>
+              <a:rPr lang="zh-CN" altLang="en-US" sz="800" dirty="0">
+                <a:solidFill>
+                  <a:srgbClr val="FFFFFF"/>
+                </a:solidFill>
+                <a:latin typeface="Source Han Sans CN" panose="020B0500000000000000" pitchFamily="34" charset="-128"/>
+                <a:ea typeface="Source Han Sans CN" panose="020B0500000000000000" pitchFamily="34" charset="-128"/>
+                <a:cs typeface="Century Gothic"/>
+              </a:rPr>
+              <a:t> </a:t>
+            </a:r>
+            <a:r>
+              <a:rPr sz="800" dirty="0">
+                <a:solidFill>
+                  <a:srgbClr val="FFFFFF"/>
+                </a:solidFill>
+                <a:latin typeface="Source Han Sans CN" panose="020B0500000000000000" pitchFamily="34" charset="-128"/>
+                <a:ea typeface="Source Han Sans CN" panose="020B0500000000000000" pitchFamily="34" charset="-128"/>
+                <a:cs typeface="Century Gothic"/>
+              </a:rPr>
+              <a:t>the SUSE logo are registered trademarks of SUSE</a:t>
+            </a:r>
+            <a:r>
+              <a:rPr lang="zh-CN" altLang="en-US" sz="800" dirty="0">
+                <a:solidFill>
+                  <a:srgbClr val="FFFFFF"/>
+                </a:solidFill>
+                <a:latin typeface="Source Han Sans CN" panose="020B0500000000000000" pitchFamily="34" charset="-128"/>
+                <a:ea typeface="Source Han Sans CN" panose="020B0500000000000000" pitchFamily="34" charset="-128"/>
+                <a:cs typeface="Century Gothic"/>
+              </a:rPr>
+              <a:t> </a:t>
+            </a:r>
+            <a:r>
+              <a:rPr sz="800" dirty="0">
+                <a:solidFill>
+                  <a:srgbClr val="FFFFFF"/>
+                </a:solidFill>
+                <a:latin typeface="Source Han Sans CN" panose="020B0500000000000000" pitchFamily="34" charset="-128"/>
+                <a:ea typeface="Source Han Sans CN" panose="020B0500000000000000" pitchFamily="34" charset="-128"/>
+                <a:cs typeface="Century Gothic"/>
+              </a:rPr>
+              <a:t>LLC in the United States and other countries. All</a:t>
+            </a:r>
+            <a:r>
+              <a:rPr lang="zh-CN" altLang="en-US" sz="800" dirty="0">
+                <a:solidFill>
+                  <a:srgbClr val="FFFFFF"/>
+                </a:solidFill>
+                <a:latin typeface="Source Han Sans CN" panose="020B0500000000000000" pitchFamily="34" charset="-128"/>
+                <a:ea typeface="Source Han Sans CN" panose="020B0500000000000000" pitchFamily="34" charset="-128"/>
+                <a:cs typeface="Century Gothic"/>
+              </a:rPr>
+              <a:t> </a:t>
+            </a:r>
+            <a:r>
+              <a:rPr sz="800" dirty="0">
+                <a:solidFill>
+                  <a:srgbClr val="FFFFFF"/>
+                </a:solidFill>
+                <a:latin typeface="Source Han Sans CN" panose="020B0500000000000000" pitchFamily="34" charset="-128"/>
+                <a:ea typeface="Source Han Sans CN" panose="020B0500000000000000" pitchFamily="34" charset="-128"/>
+                <a:cs typeface="Century Gothic"/>
+              </a:rPr>
+              <a:t>third-party trademarks are the property of their</a:t>
+            </a:r>
+            <a:r>
+              <a:rPr lang="zh-CN" altLang="en-US" sz="800" dirty="0">
+                <a:solidFill>
+                  <a:srgbClr val="FFFFFF"/>
+                </a:solidFill>
+                <a:latin typeface="Source Han Sans CN" panose="020B0500000000000000" pitchFamily="34" charset="-128"/>
+                <a:ea typeface="Source Han Sans CN" panose="020B0500000000000000" pitchFamily="34" charset="-128"/>
+                <a:cs typeface="Century Gothic"/>
+              </a:rPr>
+              <a:t> </a:t>
+            </a:r>
+            <a:r>
+              <a:rPr sz="800" dirty="0">
+                <a:solidFill>
+                  <a:srgbClr val="FFFFFF"/>
+                </a:solidFill>
+                <a:latin typeface="Source Han Sans CN" panose="020B0500000000000000" pitchFamily="34" charset="-128"/>
+                <a:ea typeface="Source Han Sans CN" panose="020B0500000000000000" pitchFamily="34" charset="-128"/>
+                <a:cs typeface="Century Gothic"/>
+              </a:rPr>
+              <a:t>respective owners.</a:t>
+            </a:r>
+            <a:endParaRPr sz="800" dirty="0">
               <a:latin typeface="Source Han Sans CN" panose="020B0500000000000000" pitchFamily="34" charset="-128"/>
               <a:ea typeface="Source Han Sans CN" panose="020B0500000000000000" pitchFamily="34" charset="-128"/>
               <a:cs typeface="Century Gothic"/>
@@ -28002,7 +27543,328 @@
       </a:bgFillStyleLst>
     </a:fmtScheme>
   </a:themeElements>
+  <a:objectDefaults>
+    <a:spDef>
+      <a:spPr>
+        <a:solidFill>
+          <a:srgbClr val="99D4C0"/>
+        </a:solidFill>
+      </a:spPr>
+      <a:bodyPr wrap="square" lIns="360000" tIns="360000" rIns="360000" bIns="720000" rtlCol="0">
+        <a:spAutoFit/>
+      </a:bodyPr>
+      <a:lstStyle>
+        <a:defPPr marL="12700" algn="l">
+          <a:spcBef>
+            <a:spcPts val="790"/>
+          </a:spcBef>
+          <a:defRPr sz="1200" b="1" dirty="0">
+            <a:solidFill>
+              <a:srgbClr val="003A36"/>
+            </a:solidFill>
+            <a:latin typeface="Source Han Sans CN" panose="020B0500000000000000" pitchFamily="34" charset="-128"/>
+            <a:ea typeface="Source Han Sans CN" panose="020B0500000000000000" pitchFamily="34" charset="-128"/>
+            <a:cs typeface="Lucida Sans"/>
+          </a:defRPr>
+        </a:defPPr>
+      </a:lstStyle>
+    </a:spDef>
+  </a:objectDefaults>
+  <a:extraClrSchemeLst/>
+</a:theme>
+</file>
+
+<file path=ppt/theme/theme2.xml><?xml version="1.0" encoding="utf-8"?>
+<a:theme xmlns:a="http://schemas.openxmlformats.org/drawingml/2006/main" name="Office 主题​​">
+  <a:themeElements>
+    <a:clrScheme name="Office">
+      <a:dk1>
+        <a:sysClr val="windowText" lastClr="000000"/>
+      </a:dk1>
+      <a:lt1>
+        <a:sysClr val="window" lastClr="FFFFFF"/>
+      </a:lt1>
+      <a:dk2>
+        <a:srgbClr val="44546A"/>
+      </a:dk2>
+      <a:lt2>
+        <a:srgbClr val="E7E6E6"/>
+      </a:lt2>
+      <a:accent1>
+        <a:srgbClr val="4472C4"/>
+      </a:accent1>
+      <a:accent2>
+        <a:srgbClr val="ED7D31"/>
+      </a:accent2>
+      <a:accent3>
+        <a:srgbClr val="A5A5A5"/>
+      </a:accent3>
+      <a:accent4>
+        <a:srgbClr val="FFC000"/>
+      </a:accent4>
+      <a:accent5>
+        <a:srgbClr val="5B9BD5"/>
+      </a:accent5>
+      <a:accent6>
+        <a:srgbClr val="70AD47"/>
+      </a:accent6>
+      <a:hlink>
+        <a:srgbClr val="0563C1"/>
+      </a:hlink>
+      <a:folHlink>
+        <a:srgbClr val="954F72"/>
+      </a:folHlink>
+    </a:clrScheme>
+    <a:fontScheme name="Office">
+      <a:majorFont>
+        <a:latin typeface="等线 Light" panose="020F0302020204030204"/>
+        <a:ea typeface=""/>
+        <a:cs typeface=""/>
+        <a:font script="Jpan" typeface="游ゴシック Light"/>
+        <a:font script="Hang" typeface="맑은 고딕"/>
+        <a:font script="Hans" typeface="等线 Light"/>
+        <a:font script="Hant" typeface="新細明體"/>
+        <a:font script="Arab" typeface="Times New Roman"/>
+        <a:font script="Hebr" typeface="Times New Roman"/>
+        <a:font script="Thai" typeface="Angsana New"/>
+        <a:font script="Ethi" typeface="Nyala"/>
+        <a:font script="Beng" typeface="Vrinda"/>
+        <a:font script="Gujr" typeface="Shruti"/>
+        <a:font script="Khmr" typeface="MoolBoran"/>
+        <a:font script="Knda" typeface="Tunga"/>
+        <a:font script="Guru" typeface="Raavi"/>
+        <a:font script="Cans" typeface="Euphemia"/>
+        <a:font script="Cher" typeface="Plantagenet Cherokee"/>
+        <a:font script="Yiii" typeface="Microsoft Yi Baiti"/>
+        <a:font script="Tibt" typeface="Microsoft Himalaya"/>
+        <a:font script="Thaa" typeface="MV Boli"/>
+        <a:font script="Deva" typeface="Mangal"/>
+        <a:font script="Telu" typeface="Gautami"/>
+        <a:font script="Taml" typeface="Latha"/>
+        <a:font script="Syrc" typeface="Estrangelo Edessa"/>
+        <a:font script="Orya" typeface="Kalinga"/>
+        <a:font script="Mlym" typeface="Kartika"/>
+        <a:font script="Laoo" typeface="DokChampa"/>
+        <a:font script="Sinh" typeface="Iskoola Pota"/>
+        <a:font script="Mong" typeface="Mongolian Baiti"/>
+        <a:font script="Viet" typeface="Times New Roman"/>
+        <a:font script="Uigh" typeface="Microsoft Uighur"/>
+        <a:font script="Geor" typeface="Sylfaen"/>
+        <a:font script="Armn" typeface="Arial"/>
+        <a:font script="Bugi" typeface="Leelawadee UI"/>
+        <a:font script="Bopo" typeface="Microsoft JhengHei"/>
+        <a:font script="Java" typeface="Javanese Text"/>
+        <a:font script="Lisu" typeface="Segoe UI"/>
+        <a:font script="Mymr" typeface="Myanmar Text"/>
+        <a:font script="Nkoo" typeface="Ebrima"/>
+        <a:font script="Olck" typeface="Nirmala UI"/>
+        <a:font script="Osma" typeface="Ebrima"/>
+        <a:font script="Phag" typeface="Phagspa"/>
+        <a:font script="Syrn" typeface="Estrangelo Edessa"/>
+        <a:font script="Syrj" typeface="Estrangelo Edessa"/>
+        <a:font script="Syre" typeface="Estrangelo Edessa"/>
+        <a:font script="Sora" typeface="Nirmala UI"/>
+        <a:font script="Tale" typeface="Microsoft Tai Le"/>
+        <a:font script="Talu" typeface="Microsoft New Tai Lue"/>
+        <a:font script="Tfng" typeface="Ebrima"/>
+      </a:majorFont>
+      <a:minorFont>
+        <a:latin typeface="等线" panose="020F0502020204030204"/>
+        <a:ea typeface=""/>
+        <a:cs typeface=""/>
+        <a:font script="Jpan" typeface="游ゴシック"/>
+        <a:font script="Hang" typeface="맑은 고딕"/>
+        <a:font script="Hans" typeface="等线"/>
+        <a:font script="Hant" typeface="新細明體"/>
+        <a:font script="Arab" typeface="Arial"/>
+        <a:font script="Hebr" typeface="Arial"/>
+        <a:font script="Thai" typeface="Cordia New"/>
+        <a:font script="Ethi" typeface="Nyala"/>
+        <a:font script="Beng" typeface="Vrinda"/>
+        <a:font script="Gujr" typeface="Shruti"/>
+        <a:font script="Khmr" typeface="DaunPenh"/>
+        <a:font script="Knda" typeface="Tunga"/>
+        <a:font script="Guru" typeface="Raavi"/>
+        <a:font script="Cans" typeface="Euphemia"/>
+        <a:font script="Cher" typeface="Plantagenet Cherokee"/>
+        <a:font script="Yiii" typeface="Microsoft Yi Baiti"/>
+        <a:font script="Tibt" typeface="Microsoft Himalaya"/>
+        <a:font script="Thaa" typeface="MV Boli"/>
+        <a:font script="Deva" typeface="Mangal"/>
+        <a:font script="Telu" typeface="Gautami"/>
+        <a:font script="Taml" typeface="Latha"/>
+        <a:font script="Syrc" typeface="Estrangelo Edessa"/>
+        <a:font script="Orya" typeface="Kalinga"/>
+        <a:font script="Mlym" typeface="Kartika"/>
+        <a:font script="Laoo" typeface="DokChampa"/>
+        <a:font script="Sinh" typeface="Iskoola Pota"/>
+        <a:font script="Mong" typeface="Mongolian Baiti"/>
+        <a:font script="Viet" typeface="Arial"/>
+        <a:font script="Uigh" typeface="Microsoft Uighur"/>
+        <a:font script="Geor" typeface="Sylfaen"/>
+        <a:font script="Armn" typeface="Arial"/>
+        <a:font script="Bugi" typeface="Leelawadee UI"/>
+        <a:font script="Bopo" typeface="Microsoft JhengHei"/>
+        <a:font script="Java" typeface="Javanese Text"/>
+        <a:font script="Lisu" typeface="Segoe UI"/>
+        <a:font script="Mymr" typeface="Myanmar Text"/>
+        <a:font script="Nkoo" typeface="Ebrima"/>
+        <a:font script="Olck" typeface="Nirmala UI"/>
+        <a:font script="Osma" typeface="Ebrima"/>
+        <a:font script="Phag" typeface="Phagspa"/>
+        <a:font script="Syrn" typeface="Estrangelo Edessa"/>
+        <a:font script="Syrj" typeface="Estrangelo Edessa"/>
+        <a:font script="Syre" typeface="Estrangelo Edessa"/>
+        <a:font script="Sora" typeface="Nirmala UI"/>
+        <a:font script="Tale" typeface="Microsoft Tai Le"/>
+        <a:font script="Talu" typeface="Microsoft New Tai Lue"/>
+        <a:font script="Tfng" typeface="Ebrima"/>
+      </a:minorFont>
+    </a:fontScheme>
+    <a:fmtScheme name="Office">
+      <a:fillStyleLst>
+        <a:solidFill>
+          <a:schemeClr val="phClr"/>
+        </a:solidFill>
+        <a:gradFill rotWithShape="1">
+          <a:gsLst>
+            <a:gs pos="0">
+              <a:schemeClr val="phClr">
+                <a:lumMod val="110000"/>
+                <a:satMod val="105000"/>
+                <a:tint val="67000"/>
+              </a:schemeClr>
+            </a:gs>
+            <a:gs pos="50000">
+              <a:schemeClr val="phClr">
+                <a:lumMod val="105000"/>
+                <a:satMod val="103000"/>
+                <a:tint val="73000"/>
+              </a:schemeClr>
+            </a:gs>
+            <a:gs pos="100000">
+              <a:schemeClr val="phClr">
+                <a:lumMod val="105000"/>
+                <a:satMod val="109000"/>
+                <a:tint val="81000"/>
+              </a:schemeClr>
+            </a:gs>
+          </a:gsLst>
+          <a:lin ang="5400000" scaled="0"/>
+        </a:gradFill>
+        <a:gradFill rotWithShape="1">
+          <a:gsLst>
+            <a:gs pos="0">
+              <a:schemeClr val="phClr">
+                <a:satMod val="103000"/>
+                <a:lumMod val="102000"/>
+                <a:tint val="94000"/>
+              </a:schemeClr>
+            </a:gs>
+            <a:gs pos="50000">
+              <a:schemeClr val="phClr">
+                <a:satMod val="110000"/>
+                <a:lumMod val="100000"/>
+                <a:shade val="100000"/>
+              </a:schemeClr>
+            </a:gs>
+            <a:gs pos="100000">
+              <a:schemeClr val="phClr">
+                <a:lumMod val="99000"/>
+                <a:satMod val="120000"/>
+                <a:shade val="78000"/>
+              </a:schemeClr>
+            </a:gs>
+          </a:gsLst>
+          <a:lin ang="5400000" scaled="0"/>
+        </a:gradFill>
+      </a:fillStyleLst>
+      <a:lnStyleLst>
+        <a:ln w="6350" cap="flat" cmpd="sng" algn="ctr">
+          <a:solidFill>
+            <a:schemeClr val="phClr"/>
+          </a:solidFill>
+          <a:prstDash val="solid"/>
+          <a:miter lim="800000"/>
+        </a:ln>
+        <a:ln w="12700" cap="flat" cmpd="sng" algn="ctr">
+          <a:solidFill>
+            <a:schemeClr val="phClr"/>
+          </a:solidFill>
+          <a:prstDash val="solid"/>
+          <a:miter lim="800000"/>
+        </a:ln>
+        <a:ln w="19050" cap="flat" cmpd="sng" algn="ctr">
+          <a:solidFill>
+            <a:schemeClr val="phClr"/>
+          </a:solidFill>
+          <a:prstDash val="solid"/>
+          <a:miter lim="800000"/>
+        </a:ln>
+      </a:lnStyleLst>
+      <a:effectStyleLst>
+        <a:effectStyle>
+          <a:effectLst/>
+        </a:effectStyle>
+        <a:effectStyle>
+          <a:effectLst/>
+        </a:effectStyle>
+        <a:effectStyle>
+          <a:effectLst>
+            <a:outerShdw blurRad="57150" dist="19050" dir="5400000" algn="ctr" rotWithShape="0">
+              <a:srgbClr val="000000">
+                <a:alpha val="63000"/>
+              </a:srgbClr>
+            </a:outerShdw>
+          </a:effectLst>
+        </a:effectStyle>
+      </a:effectStyleLst>
+      <a:bgFillStyleLst>
+        <a:solidFill>
+          <a:schemeClr val="phClr"/>
+        </a:solidFill>
+        <a:solidFill>
+          <a:schemeClr val="phClr">
+            <a:tint val="95000"/>
+            <a:satMod val="170000"/>
+          </a:schemeClr>
+        </a:solidFill>
+        <a:gradFill rotWithShape="1">
+          <a:gsLst>
+            <a:gs pos="0">
+              <a:schemeClr val="phClr">
+                <a:tint val="93000"/>
+                <a:satMod val="150000"/>
+                <a:shade val="98000"/>
+                <a:lumMod val="102000"/>
+              </a:schemeClr>
+            </a:gs>
+            <a:gs pos="50000">
+              <a:schemeClr val="phClr">
+                <a:tint val="98000"/>
+                <a:satMod val="130000"/>
+                <a:shade val="90000"/>
+                <a:lumMod val="103000"/>
+              </a:schemeClr>
+            </a:gs>
+            <a:gs pos="100000">
+              <a:schemeClr val="phClr">
+                <a:shade val="63000"/>
+                <a:satMod val="120000"/>
+              </a:schemeClr>
+            </a:gs>
+          </a:gsLst>
+          <a:lin ang="5400000" scaled="0"/>
+        </a:gradFill>
+      </a:bgFillStyleLst>
+    </a:fmtScheme>
+  </a:themeElements>
   <a:objectDefaults/>
   <a:extraClrSchemeLst/>
+  <a:extLst>
+    <a:ext uri="{05A4C25C-085E-4340-85A3-A5531E510DB2}">
+      <thm15:themeFamily xmlns:thm15="http://schemas.microsoft.com/office/thememl/2012/main" name="Office Theme" id="{62F939B6-93AF-4DB8-9C6B-D6C7DFDC589F}" vid="{4A3C46E8-61CC-4603-A589-7422A47A8E4A}"/>
+    </a:ext>
+  </a:extLst>
 </a:theme>
 </file>